--- a/reports/MachineLearning_StockMarketReturns_short.pptx
+++ b/reports/MachineLearning_StockMarketReturns_short.pptx
@@ -5,39 +5,41 @@
     <p:sldMasterId id="2147483648" r:id="rId1"/>
   </p:sldMasterIdLst>
   <p:notesMasterIdLst>
-    <p:notesMasterId r:id="rId32"/>
+    <p:notesMasterId r:id="rId34"/>
   </p:notesMasterIdLst>
   <p:sldIdLst>
     <p:sldId id="258" r:id="rId2"/>
-    <p:sldId id="292" r:id="rId3"/>
-    <p:sldId id="300" r:id="rId4"/>
+    <p:sldId id="300" r:id="rId3"/>
+    <p:sldId id="292" r:id="rId4"/>
     <p:sldId id="276" r:id="rId5"/>
-    <p:sldId id="268" r:id="rId6"/>
-    <p:sldId id="293" r:id="rId7"/>
-    <p:sldId id="281" r:id="rId8"/>
-    <p:sldId id="302" r:id="rId9"/>
-    <p:sldId id="291" r:id="rId10"/>
-    <p:sldId id="290" r:id="rId11"/>
-    <p:sldId id="284" r:id="rId12"/>
-    <p:sldId id="286" r:id="rId13"/>
-    <p:sldId id="298" r:id="rId14"/>
-    <p:sldId id="278" r:id="rId15"/>
-    <p:sldId id="277" r:id="rId16"/>
-    <p:sldId id="263" r:id="rId17"/>
-    <p:sldId id="275" r:id="rId18"/>
-    <p:sldId id="274" r:id="rId19"/>
-    <p:sldId id="282" r:id="rId20"/>
-    <p:sldId id="301" r:id="rId21"/>
-    <p:sldId id="287" r:id="rId22"/>
-    <p:sldId id="295" r:id="rId23"/>
-    <p:sldId id="296" r:id="rId24"/>
-    <p:sldId id="297" r:id="rId25"/>
-    <p:sldId id="271" r:id="rId26"/>
-    <p:sldId id="269" r:id="rId27"/>
-    <p:sldId id="270" r:id="rId28"/>
-    <p:sldId id="285" r:id="rId29"/>
-    <p:sldId id="279" r:id="rId30"/>
-    <p:sldId id="280" r:id="rId31"/>
+    <p:sldId id="293" r:id="rId6"/>
+    <p:sldId id="281" r:id="rId7"/>
+    <p:sldId id="303" r:id="rId8"/>
+    <p:sldId id="304" r:id="rId9"/>
+    <p:sldId id="302" r:id="rId10"/>
+    <p:sldId id="291" r:id="rId11"/>
+    <p:sldId id="268" r:id="rId12"/>
+    <p:sldId id="290" r:id="rId13"/>
+    <p:sldId id="284" r:id="rId14"/>
+    <p:sldId id="286" r:id="rId15"/>
+    <p:sldId id="298" r:id="rId16"/>
+    <p:sldId id="278" r:id="rId17"/>
+    <p:sldId id="277" r:id="rId18"/>
+    <p:sldId id="263" r:id="rId19"/>
+    <p:sldId id="275" r:id="rId20"/>
+    <p:sldId id="274" r:id="rId21"/>
+    <p:sldId id="282" r:id="rId22"/>
+    <p:sldId id="301" r:id="rId23"/>
+    <p:sldId id="287" r:id="rId24"/>
+    <p:sldId id="295" r:id="rId25"/>
+    <p:sldId id="296" r:id="rId26"/>
+    <p:sldId id="297" r:id="rId27"/>
+    <p:sldId id="271" r:id="rId28"/>
+    <p:sldId id="269" r:id="rId29"/>
+    <p:sldId id="270" r:id="rId30"/>
+    <p:sldId id="285" r:id="rId31"/>
+    <p:sldId id="279" r:id="rId32"/>
+    <p:sldId id="280" r:id="rId33"/>
   </p:sldIdLst>
   <p:sldSz cx="9144000" cy="6858000" type="screen4x3"/>
   <p:notesSz cx="6858000" cy="9144000"/>
@@ -237,7 +239,7 @@
           <a:p>
             <a:fld id="{74AC502C-C804-4198-99A2-1BC651C18491}" type="datetimeFigureOut">
               <a:rPr lang="de-DE" smtClean="0"/>
-              <a:t>16.06.2019</a:t>
+              <a:t>17.06.2019</a:t>
             </a:fld>
             <a:endParaRPr lang="de-DE"/>
           </a:p>
@@ -2753,7 +2755,7 @@
         </p:nvSpPr>
         <p:spPr>
           <a:xfrm>
-            <a:off x="107504" y="2712584"/>
+            <a:off x="107504" y="2348880"/>
             <a:ext cx="9036496" cy="468000"/>
           </a:xfrm>
         </p:spPr>
@@ -2768,8 +2770,24 @@
             </a:r>
             <a:r>
               <a:rPr lang="de-DE" sz="2400" dirty="0"/>
-              <a:t>Stock Market Returns</a:t>
-            </a:r>
+              <a:t>Stock Market </a:t>
+            </a:r>
+            <a:r>
+              <a:rPr lang="de-DE" sz="2400" dirty="0"/>
+              <a:t>Returns </a:t>
+            </a:r>
+            <a:r>
+              <a:rPr lang="de-DE" sz="2400" dirty="0" smtClean="0"/>
+              <a:t>for </a:t>
+            </a:r>
+            <a:r>
+              <a:rPr lang="de-DE" sz="2400" dirty="0"/>
+              <a:t>Fun and Profit</a:t>
+            </a:r>
+            <a:br>
+              <a:rPr lang="de-DE" sz="2400" dirty="0"/>
+            </a:br>
+            <a:endParaRPr lang="de-DE" sz="2400" dirty="0"/>
           </a:p>
         </p:txBody>
       </p:sp>
@@ -2785,7 +2803,7 @@
         </p:nvSpPr>
         <p:spPr>
           <a:xfrm>
-            <a:off x="1371600" y="3176972"/>
+            <a:off x="1371600" y="2813268"/>
             <a:ext cx="6400800" cy="396000"/>
           </a:xfrm>
         </p:spPr>
@@ -2794,18 +2812,10 @@
           <a:lstStyle/>
           <a:p>
             <a:r>
-              <a:rPr lang="de-DE" dirty="0" smtClean="0"/>
-              <a:t>For </a:t>
-            </a:r>
-            <a:r>
-              <a:rPr lang="de-DE" dirty="0"/>
-              <a:t>F</a:t>
-            </a:r>
-            <a:r>
-              <a:rPr lang="de-DE" dirty="0" smtClean="0"/>
-              <a:t>un and Profit</a:t>
-            </a:r>
-            <a:endParaRPr lang="de-DE" dirty="0"/>
+              <a:rPr lang="en-GB" sz="2000" dirty="0" smtClean="0"/>
+              <a:t>Pavel Lesnevski</a:t>
+            </a:r>
+            <a:endParaRPr lang="de-DE" sz="2000" dirty="0"/>
           </a:p>
         </p:txBody>
       </p:sp>
@@ -2859,8 +2869,8 @@
         </p:blipFill>
         <p:spPr>
           <a:xfrm>
-            <a:off x="2556374" y="4037060"/>
-            <a:ext cx="4031252" cy="2015626"/>
+            <a:off x="2159732" y="3758116"/>
+            <a:ext cx="5112568" cy="2556284"/>
           </a:xfrm>
           <a:prstGeom prst="rect">
             <a:avLst/>
@@ -2888,7 +2898,7 @@
 </file>
 
 <file path=ppt/slides/slide10.xml><?xml version="1.0" encoding="utf-8"?>
-<p:sld xmlns:a="http://schemas.openxmlformats.org/drawingml/2006/main" xmlns:r="http://schemas.openxmlformats.org/officeDocument/2006/relationships" xmlns:p="http://schemas.openxmlformats.org/presentationml/2006/main">
+<p:sld xmlns:a="http://schemas.openxmlformats.org/drawingml/2006/main" xmlns:r="http://schemas.openxmlformats.org/officeDocument/2006/relationships" xmlns:p="http://schemas.openxmlformats.org/presentationml/2006/main" showMasterSp="0">
   <p:cSld>
     <p:spTree>
       <p:nvGrpSpPr>
@@ -2906,86 +2916,59 @@
       </p:grpSpPr>
       <p:sp>
         <p:nvSpPr>
-          <p:cNvPr id="7" name="Title 6"/>
+          <p:cNvPr id="10" name="Title 9"/>
           <p:cNvSpPr>
             <a:spLocks noGrp="1"/>
           </p:cNvSpPr>
           <p:nvPr>
-            <p:ph type="ctrTitle"/>
+            <p:ph type="title"/>
           </p:nvPr>
         </p:nvSpPr>
         <p:spPr>
           <a:xfrm>
-            <a:off x="685800" y="2712584"/>
-            <a:ext cx="7772400" cy="468000"/>
+            <a:off x="1926772" y="117682"/>
+            <a:ext cx="5479200" cy="1141200"/>
           </a:xfrm>
         </p:spPr>
         <p:txBody>
           <a:bodyPr/>
           <a:lstStyle/>
           <a:p>
+            <a:pPr algn="ctr"/>
             <a:r>
               <a:rPr lang="en-GB" dirty="0" smtClean="0"/>
-              <a:t>Backup</a:t>
+              <a:t>About Me</a:t>
             </a:r>
             <a:endParaRPr lang="de-DE" dirty="0"/>
           </a:p>
         </p:txBody>
       </p:sp>
-      <p:sp>
-        <p:nvSpPr>
-          <p:cNvPr id="8" name="Subtitle 7"/>
-          <p:cNvSpPr>
-            <a:spLocks noGrp="1"/>
-          </p:cNvSpPr>
+      <p:pic>
+        <p:nvPicPr>
+          <p:cNvPr id="12" name="Content Placeholder 11"/>
+          <p:cNvPicPr>
+            <a:picLocks noGrp="1" noChangeAspect="1"/>
+          </p:cNvPicPr>
           <p:nvPr>
-            <p:ph type="subTitle" idx="1"/>
+            <p:ph idx="1"/>
           </p:nvPr>
-        </p:nvSpPr>
-        <p:spPr/>
-        <p:txBody>
-          <a:bodyPr/>
-          <a:lstStyle/>
-          <a:p>
-            <a:r>
-              <a:rPr lang="en-GB" dirty="0" smtClean="0"/>
-              <a:t>Additional Slides</a:t>
-            </a:r>
-            <a:endParaRPr lang="de-DE" dirty="0"/>
-          </a:p>
-        </p:txBody>
-      </p:sp>
-      <p:sp>
-        <p:nvSpPr>
-          <p:cNvPr id="4" name="Date Placeholder 3"/>
-          <p:cNvSpPr>
-            <a:spLocks noGrp="1"/>
-          </p:cNvSpPr>
-          <p:nvPr>
-            <p:ph type="dt" sz="half" idx="4294967295"/>
-          </p:nvPr>
-        </p:nvSpPr>
+        </p:nvPicPr>
+        <p:blipFill>
+          <a:blip r:embed="rId2"/>
+          <a:stretch>
+            <a:fillRect/>
+          </a:stretch>
+        </p:blipFill>
         <p:spPr>
           <a:xfrm>
-            <a:off x="683568" y="6386400"/>
-            <a:ext cx="2133600" cy="180000"/>
+            <a:off x="3311860" y="1545664"/>
+            <a:ext cx="2988332" cy="3035464"/>
           </a:xfrm>
           <a:prstGeom prst="rect">
             <a:avLst/>
           </a:prstGeom>
         </p:spPr>
-        <p:txBody>
-          <a:bodyPr/>
-          <a:lstStyle/>
-          <a:p>
-            <a:r>
-              <a:rPr lang="de-DE" smtClean="0"/>
-              <a:t>16.06.2019</a:t>
-            </a:r>
-            <a:endParaRPr lang="de-DE" dirty="0"/>
-          </a:p>
-        </p:txBody>
-      </p:sp>
+      </p:pic>
       <p:sp>
         <p:nvSpPr>
           <p:cNvPr id="5" name="Footer Placeholder 4"/>
@@ -2998,7 +2981,7 @@
         </p:nvSpPr>
         <p:spPr>
           <a:xfrm>
-            <a:off x="684000" y="6134400"/>
+            <a:off x="3841830" y="508282"/>
             <a:ext cx="2895600" cy="180000"/>
           </a:xfrm>
           <a:prstGeom prst="rect">
@@ -3010,7 +2993,7 @@
           <a:lstStyle/>
           <a:p>
             <a:r>
-              <a:rPr lang="de-DE" smtClean="0"/>
+              <a:rPr lang="de-DE" dirty="0" smtClean="0"/>
               <a:t>Pavel Lesnevski</a:t>
             </a:r>
             <a:endParaRPr lang="de-DE" dirty="0"/>
@@ -3027,12 +3010,7 @@
             <p:ph type="sldNum" sz="quarter" idx="12"/>
           </p:nvPr>
         </p:nvSpPr>
-        <p:spPr>
-          <a:xfrm>
-            <a:off x="7405972" y="6134400"/>
-            <a:ext cx="1054460" cy="180000"/>
-          </a:xfrm>
-        </p:spPr>
+        <p:spPr/>
         <p:txBody>
           <a:bodyPr/>
           <a:lstStyle/>
@@ -3045,10 +3023,293 @@
           </a:p>
         </p:txBody>
       </p:sp>
+      <p:sp>
+        <p:nvSpPr>
+          <p:cNvPr id="13" name="TextBox 12"/>
+          <p:cNvSpPr txBox="1"/>
+          <p:nvPr/>
+        </p:nvSpPr>
+        <p:spPr>
+          <a:xfrm>
+            <a:off x="6336196" y="1258882"/>
+            <a:ext cx="2628292" cy="3416320"/>
+          </a:xfrm>
+          <a:prstGeom prst="rect">
+            <a:avLst/>
+          </a:prstGeom>
+          <a:noFill/>
+        </p:spPr>
+        <p:txBody>
+          <a:bodyPr wrap="square" rtlCol="0">
+            <a:spAutoFit/>
+          </a:bodyPr>
+          <a:lstStyle/>
+          <a:p>
+            <a:pPr marL="285750" indent="-285750" algn="just">
+              <a:buFont typeface="Arial" panose="020B0604020202020204" pitchFamily="34" charset="0"/>
+              <a:buChar char="•"/>
+            </a:pPr>
+            <a:r>
+              <a:rPr lang="en-GB" dirty="0" smtClean="0"/>
+              <a:t>B.Sc. in Applied Physics and Mathematics</a:t>
+            </a:r>
+          </a:p>
+          <a:p>
+            <a:pPr marL="285750" indent="-285750" algn="just">
+              <a:buFont typeface="Arial" panose="020B0604020202020204" pitchFamily="34" charset="0"/>
+              <a:buChar char="•"/>
+            </a:pPr>
+            <a:r>
+              <a:rPr lang="en-GB" dirty="0" smtClean="0"/>
+              <a:t>Advanced Statistics, Econometrics and Machine Learning</a:t>
+            </a:r>
+            <a:r>
+              <a:rPr lang="en-GB" dirty="0"/>
+              <a:t> </a:t>
+            </a:r>
+            <a:r>
+              <a:rPr lang="en-GB" dirty="0" smtClean="0"/>
+              <a:t>Coursework</a:t>
+            </a:r>
+          </a:p>
+          <a:p>
+            <a:pPr marL="285750" lvl="0" indent="-285750" algn="just">
+              <a:buFont typeface="Arial" panose="020B0604020202020204" pitchFamily="34" charset="0"/>
+              <a:buChar char="•"/>
+            </a:pPr>
+            <a:r>
+              <a:rPr lang="en-US" dirty="0"/>
+              <a:t>Mathematical and statistical packages (Stata - </a:t>
+            </a:r>
+            <a:r>
+              <a:rPr lang="en-GB" dirty="0"/>
+              <a:t>advanced</a:t>
+            </a:r>
+            <a:r>
+              <a:rPr lang="en-US" dirty="0"/>
+              <a:t>, </a:t>
+            </a:r>
+            <a:r>
+              <a:rPr lang="en-US" dirty="0" err="1"/>
+              <a:t>Matlab</a:t>
+            </a:r>
+            <a:r>
+              <a:rPr lang="en-US" dirty="0"/>
+              <a:t> - intermediate, R - basic)</a:t>
+            </a:r>
+            <a:endParaRPr lang="de-DE" dirty="0"/>
+          </a:p>
+          <a:p>
+            <a:pPr marL="285750" indent="-285750">
+              <a:buFont typeface="Arial" panose="020B0604020202020204" pitchFamily="34" charset="0"/>
+              <a:buChar char="•"/>
+            </a:pPr>
+            <a:endParaRPr lang="de-DE" dirty="0"/>
+          </a:p>
+        </p:txBody>
+      </p:sp>
+      <p:sp>
+        <p:nvSpPr>
+          <p:cNvPr id="15" name="TextBox 14"/>
+          <p:cNvSpPr txBox="1"/>
+          <p:nvPr/>
+        </p:nvSpPr>
+        <p:spPr>
+          <a:xfrm>
+            <a:off x="143508" y="1232756"/>
+            <a:ext cx="3060340" cy="3693319"/>
+          </a:xfrm>
+          <a:prstGeom prst="rect">
+            <a:avLst/>
+          </a:prstGeom>
+          <a:noFill/>
+        </p:spPr>
+        <p:txBody>
+          <a:bodyPr wrap="square" rtlCol="0">
+            <a:spAutoFit/>
+          </a:bodyPr>
+          <a:lstStyle/>
+          <a:p>
+            <a:pPr marL="285750" lvl="0" indent="-285750" algn="just">
+              <a:buFont typeface="Arial" panose="020B0604020202020204" pitchFamily="34" charset="0"/>
+              <a:buChar char="•"/>
+            </a:pPr>
+            <a:r>
+              <a:rPr lang="en-GB" dirty="0" smtClean="0"/>
+              <a:t>Python </a:t>
+            </a:r>
+            <a:r>
+              <a:rPr lang="en-GB" dirty="0"/>
+              <a:t>[</a:t>
+            </a:r>
+            <a:r>
+              <a:rPr lang="en-GB" dirty="0" err="1"/>
+              <a:t>numpy</a:t>
+            </a:r>
+            <a:r>
+              <a:rPr lang="en-GB" dirty="0"/>
+              <a:t>, pandas, </a:t>
+            </a:r>
+            <a:r>
+              <a:rPr lang="en-GB" dirty="0" err="1"/>
+              <a:t>seaborn</a:t>
+            </a:r>
+            <a:r>
+              <a:rPr lang="en-GB" dirty="0"/>
+              <a:t>, </a:t>
+            </a:r>
+            <a:r>
+              <a:rPr lang="en-GB" dirty="0" err="1"/>
+              <a:t>scikit</a:t>
+            </a:r>
+            <a:r>
+              <a:rPr lang="en-GB" dirty="0"/>
+              <a:t>-learn – advanced; </a:t>
+            </a:r>
+            <a:r>
+              <a:rPr lang="en-GB" dirty="0" err="1"/>
+              <a:t>tensorflow</a:t>
+            </a:r>
+            <a:r>
+              <a:rPr lang="en-GB" dirty="0"/>
+              <a:t> – intermediate; </a:t>
+            </a:r>
+            <a:r>
+              <a:rPr lang="en-GB" dirty="0" err="1"/>
+              <a:t>nltk</a:t>
+            </a:r>
+            <a:r>
+              <a:rPr lang="en-GB" dirty="0"/>
+              <a:t>, </a:t>
+            </a:r>
+            <a:r>
+              <a:rPr lang="en-GB" dirty="0" err="1"/>
+              <a:t>pyspark</a:t>
+            </a:r>
+            <a:r>
+              <a:rPr lang="en-GB" dirty="0"/>
+              <a:t> - basic</a:t>
+            </a:r>
+            <a:r>
+              <a:rPr lang="en-GB" dirty="0" smtClean="0"/>
+              <a:t>]</a:t>
+            </a:r>
+          </a:p>
+          <a:p>
+            <a:pPr marL="285750" indent="-285750" algn="just">
+              <a:buFont typeface="Arial" panose="020B0604020202020204" pitchFamily="34" charset="0"/>
+              <a:buChar char="•"/>
+            </a:pPr>
+            <a:r>
+              <a:rPr lang="en-US" dirty="0" err="1"/>
+              <a:t>Git</a:t>
+            </a:r>
+            <a:r>
+              <a:rPr lang="en-US" dirty="0"/>
+              <a:t> - advanced</a:t>
+            </a:r>
+          </a:p>
+          <a:p>
+            <a:pPr marL="285750" lvl="0" indent="-285750" algn="just">
+              <a:buFont typeface="Arial" panose="020B0604020202020204" pitchFamily="34" charset="0"/>
+              <a:buChar char="•"/>
+            </a:pPr>
+            <a:r>
+              <a:rPr lang="en-GB" dirty="0" smtClean="0"/>
+              <a:t>SQL </a:t>
+            </a:r>
+            <a:r>
+              <a:rPr lang="en-GB" dirty="0"/>
+              <a:t>- </a:t>
+            </a:r>
+            <a:r>
+              <a:rPr lang="en-GB" dirty="0" smtClean="0"/>
+              <a:t>intermediate</a:t>
+            </a:r>
+          </a:p>
+          <a:p>
+            <a:pPr marL="285750" indent="-285750">
+              <a:buFont typeface="Arial" panose="020B0604020202020204" pitchFamily="34" charset="0"/>
+              <a:buChar char="•"/>
+            </a:pPr>
+            <a:r>
+              <a:rPr lang="en-US" dirty="0" smtClean="0"/>
+              <a:t>Cluster computing (University Cluster – intermediate, </a:t>
+            </a:r>
+            <a:r>
+              <a:rPr lang="en-US" dirty="0"/>
+              <a:t>Microsoft Azure </a:t>
+            </a:r>
+            <a:r>
+              <a:rPr lang="en-US" dirty="0" smtClean="0"/>
+              <a:t>- basic, AWS - basic)</a:t>
+            </a:r>
+            <a:endParaRPr lang="de-DE" dirty="0"/>
+          </a:p>
+          <a:p>
+            <a:pPr marL="285750" lvl="0" indent="-285750" algn="just">
+              <a:buFont typeface="Arial" panose="020B0604020202020204" pitchFamily="34" charset="0"/>
+              <a:buChar char="•"/>
+            </a:pPr>
+            <a:endParaRPr lang="de-DE" dirty="0"/>
+          </a:p>
+          <a:p>
+            <a:pPr marL="285750" indent="-285750">
+              <a:buFontTx/>
+              <a:buChar char="-"/>
+            </a:pPr>
+            <a:endParaRPr lang="de-DE" dirty="0"/>
+          </a:p>
+        </p:txBody>
+      </p:sp>
+      <p:sp>
+        <p:nvSpPr>
+          <p:cNvPr id="16" name="TextBox 15"/>
+          <p:cNvSpPr txBox="1"/>
+          <p:nvPr/>
+        </p:nvSpPr>
+        <p:spPr>
+          <a:xfrm>
+            <a:off x="2915816" y="4748951"/>
+            <a:ext cx="4212468" cy="1200329"/>
+          </a:xfrm>
+          <a:prstGeom prst="rect">
+            <a:avLst/>
+          </a:prstGeom>
+          <a:noFill/>
+        </p:spPr>
+        <p:txBody>
+          <a:bodyPr wrap="square" rtlCol="0">
+            <a:spAutoFit/>
+          </a:bodyPr>
+          <a:lstStyle/>
+          <a:p>
+            <a:pPr marL="285750" indent="-285750">
+              <a:buFont typeface="Arial" panose="020B0604020202020204" pitchFamily="34" charset="0"/>
+              <a:buChar char="•"/>
+            </a:pPr>
+            <a:r>
+              <a:rPr lang="en-GB" dirty="0" smtClean="0"/>
+              <a:t>PhD in Financial Economics (expected August 2019)</a:t>
+            </a:r>
+          </a:p>
+          <a:p>
+            <a:pPr marL="285750" indent="-285750">
+              <a:buFont typeface="Arial" panose="020B0604020202020204" pitchFamily="34" charset="0"/>
+              <a:buChar char="•"/>
+            </a:pPr>
+            <a:r>
+              <a:rPr lang="en-GB" dirty="0" smtClean="0"/>
+              <a:t>Internships in consumer goods analytics (Nielsen) and banking (RCI Bank)</a:t>
+            </a:r>
+            <a:endParaRPr lang="de-DE" dirty="0"/>
+          </a:p>
+        </p:txBody>
+      </p:sp>
     </p:spTree>
     <p:extLst>
       <p:ext uri="{BB962C8B-B14F-4D97-AF65-F5344CB8AC3E}">
-        <p14:creationId xmlns:p14="http://schemas.microsoft.com/office/powerpoint/2010/main" val="3294185196"/>
+        <p14:creationId xmlns:p14="http://schemas.microsoft.com/office/powerpoint/2010/main" val="3207714413"/>
       </p:ext>
     </p:extLst>
   </p:cSld>
@@ -3092,118 +3353,20 @@
             <p:ph type="title"/>
           </p:nvPr>
         </p:nvSpPr>
-        <p:spPr/>
+        <p:spPr>
+          <a:xfrm>
+            <a:off x="684000" y="260648"/>
+            <a:ext cx="5479200" cy="1141200"/>
+          </a:xfrm>
+        </p:spPr>
         <p:txBody>
           <a:bodyPr/>
           <a:lstStyle/>
           <a:p>
             <a:r>
               <a:rPr lang="en-US" dirty="0" smtClean="0"/>
-              <a:t>Conclusion</a:t>
-            </a:r>
-            <a:endParaRPr lang="en-US" dirty="0"/>
-          </a:p>
-        </p:txBody>
-      </p:sp>
-      <p:sp>
-        <p:nvSpPr>
-          <p:cNvPr id="3" name="Content Placeholder 2"/>
-          <p:cNvSpPr>
-            <a:spLocks noGrp="1"/>
-          </p:cNvSpPr>
-          <p:nvPr>
-            <p:ph idx="1"/>
-          </p:nvPr>
-        </p:nvSpPr>
-        <p:spPr/>
-        <p:txBody>
-          <a:bodyPr/>
-          <a:lstStyle/>
-          <a:p>
-            <a:r>
-              <a:rPr lang="x-none" dirty="0"/>
-              <a:t>M</a:t>
-            </a:r>
-            <a:r>
-              <a:rPr lang="x-none" dirty="0" smtClean="0"/>
-              <a:t>achine </a:t>
-            </a:r>
-            <a:r>
-              <a:rPr lang="x-none" dirty="0"/>
-              <a:t>l</a:t>
-            </a:r>
-            <a:r>
-              <a:rPr lang="x-none" dirty="0"/>
-              <a:t>earning </a:t>
-            </a:r>
-            <a:r>
-              <a:rPr lang="de-DE" dirty="0" err="1"/>
-              <a:t>techniques</a:t>
-            </a:r>
-            <a:r>
-              <a:rPr lang="x-none" dirty="0"/>
-              <a:t> </a:t>
-            </a:r>
-            <a:r>
-              <a:rPr lang="x-none" dirty="0" smtClean="0"/>
-              <a:t>improve </a:t>
-            </a:r>
-            <a:r>
-              <a:rPr lang="x-none" dirty="0" smtClean="0"/>
-              <a:t>the prediction accuracy of </a:t>
-            </a:r>
-            <a:r>
-              <a:rPr lang="en-US" dirty="0" smtClean="0"/>
-              <a:t>stock market</a:t>
-            </a:r>
-            <a:r>
-              <a:rPr lang="x-none" dirty="0" smtClean="0"/>
-              <a:t> returns</a:t>
-            </a:r>
-          </a:p>
-          <a:p>
-            <a:r>
-              <a:rPr lang="x-none" dirty="0" smtClean="0"/>
-              <a:t>Elastic </a:t>
-            </a:r>
-            <a:r>
-              <a:rPr lang="x-none" dirty="0" smtClean="0"/>
-              <a:t>Net show</a:t>
-            </a:r>
-            <a:r>
-              <a:rPr lang="en-US" dirty="0" smtClean="0"/>
-              <a:t>s</a:t>
-            </a:r>
-            <a:r>
-              <a:rPr lang="x-none" dirty="0" smtClean="0"/>
-              <a:t> the best predictive </a:t>
-            </a:r>
-            <a:r>
-              <a:rPr lang="x-none" dirty="0" smtClean="0"/>
-              <a:t>performance</a:t>
-            </a:r>
-            <a:endParaRPr lang="en-GB" dirty="0" smtClean="0"/>
-          </a:p>
-          <a:p>
-            <a:r>
-              <a:rPr lang="en-GB" dirty="0" smtClean="0"/>
-              <a:t>Regression trees, random forest, </a:t>
-            </a:r>
-            <a:r>
-              <a:rPr lang="en-GB" dirty="0" err="1" smtClean="0"/>
-              <a:t>xgboost</a:t>
-            </a:r>
-            <a:r>
-              <a:rPr lang="en-GB" dirty="0"/>
-              <a:t> </a:t>
-            </a:r>
-            <a:r>
-              <a:rPr lang="en-GB" dirty="0" smtClean="0"/>
-              <a:t>have poor predictive performance</a:t>
-            </a:r>
-            <a:endParaRPr lang="x-none" dirty="0" smtClean="0"/>
-          </a:p>
-          <a:p>
+              <a:t>10-Fold Cross-Validation</a:t>
+            </a:r>
             <a:endParaRPr lang="en-US" dirty="0"/>
           </a:p>
         </p:txBody>
@@ -3232,7 +3395,7 @@
           <a:lstStyle/>
           <a:p>
             <a:r>
-              <a:rPr lang="de-DE" dirty="0" smtClean="0"/>
+              <a:rPr lang="de-DE" smtClean="0"/>
               <a:t>06.12.2018</a:t>
             </a:r>
             <a:endParaRPr lang="de-DE" dirty="0"/>
@@ -3270,6 +3433,1394 @@
           </a:p>
         </p:txBody>
       </p:sp>
+      <p:pic>
+        <p:nvPicPr>
+          <p:cNvPr id="2051" name="Picture 3" descr="C:\Users\plesnevs\Desktop\k-fold_cross_validation.png"/>
+          <p:cNvPicPr>
+            <a:picLocks noChangeAspect="1" noChangeArrowheads="1"/>
+          </p:cNvPicPr>
+          <p:nvPr/>
+        </p:nvPicPr>
+        <p:blipFill>
+          <a:blip r:embed="rId2">
+            <a:extLst>
+              <a:ext uri="{28A0092B-C50C-407E-A947-70E740481C1C}">
+                <a14:useLocalDpi xmlns:a14="http://schemas.microsoft.com/office/drawing/2010/main" val="0"/>
+              </a:ext>
+            </a:extLst>
+          </a:blip>
+          <a:srcRect/>
+          <a:stretch>
+            <a:fillRect/>
+          </a:stretch>
+        </p:blipFill>
+        <p:spPr bwMode="auto">
+          <a:xfrm>
+            <a:off x="327844" y="3681028"/>
+            <a:ext cx="5256584" cy="2969699"/>
+          </a:xfrm>
+          <a:prstGeom prst="rect">
+            <a:avLst/>
+          </a:prstGeom>
+          <a:noFill/>
+          <a:extLst>
+            <a:ext uri="{909E8E84-426E-40DD-AFC4-6F175D3DCCD1}">
+              <a14:hiddenFill xmlns:a14="http://schemas.microsoft.com/office/drawing/2010/main">
+                <a:solidFill>
+                  <a:srgbClr val="FFFFFF"/>
+                </a:solidFill>
+              </a14:hiddenFill>
+            </a:ext>
+          </a:extLst>
+        </p:spPr>
+      </p:pic>
+      <p:sp>
+        <p:nvSpPr>
+          <p:cNvPr id="7" name="Right Arrow 6"/>
+          <p:cNvSpPr/>
+          <p:nvPr/>
+        </p:nvSpPr>
+        <p:spPr>
+          <a:xfrm>
+            <a:off x="5712629" y="5298560"/>
+            <a:ext cx="162018" cy="252028"/>
+          </a:xfrm>
+          <a:prstGeom prst="rightArrow">
+            <a:avLst/>
+          </a:prstGeom>
+        </p:spPr>
+        <p:style>
+          <a:lnRef idx="2">
+            <a:schemeClr val="accent1">
+              <a:shade val="50000"/>
+            </a:schemeClr>
+          </a:lnRef>
+          <a:fillRef idx="1">
+            <a:schemeClr val="accent1"/>
+          </a:fillRef>
+          <a:effectRef idx="0">
+            <a:schemeClr val="accent1"/>
+          </a:effectRef>
+          <a:fontRef idx="minor">
+            <a:schemeClr val="lt1"/>
+          </a:fontRef>
+        </p:style>
+        <p:txBody>
+          <a:bodyPr rtlCol="0" anchor="ctr"/>
+          <a:lstStyle/>
+          <a:p>
+            <a:pPr algn="ctr"/>
+            <a:endParaRPr lang="en-US"/>
+          </a:p>
+        </p:txBody>
+      </p:sp>
+      <mc:AlternateContent xmlns:mc="http://schemas.openxmlformats.org/markup-compatibility/2006" xmlns:a14="http://schemas.microsoft.com/office/drawing/2010/main">
+        <mc:Choice Requires="a14">
+          <p:sp>
+            <p:nvSpPr>
+              <p:cNvPr id="8" name="TextBox 7"/>
+              <p:cNvSpPr txBox="1"/>
+              <p:nvPr/>
+            </p:nvSpPr>
+            <p:spPr>
+              <a:xfrm>
+                <a:off x="6048164" y="4771498"/>
+                <a:ext cx="3168352" cy="1316194"/>
+              </a:xfrm>
+              <a:prstGeom prst="rect">
+                <a:avLst/>
+              </a:prstGeom>
+              <a:noFill/>
+            </p:spPr>
+            <p:txBody>
+              <a:bodyPr wrap="square" rtlCol="0">
+                <a:spAutoFit/>
+              </a:bodyPr>
+              <a:lstStyle/>
+              <a:p>
+                <a:r>
+                  <a:rPr lang="en-US" dirty="0" smtClean="0"/>
+                  <a:t>Model parameters</a:t>
+                </a:r>
+                <a:r>
+                  <a:rPr lang="x-none" dirty="0" smtClean="0"/>
+                  <a:t> (</a:t>
+                </a:r>
+                <a14:m>
+                  <m:oMath xmlns:m="http://schemas.openxmlformats.org/officeDocument/2006/math">
+                    <m:r>
+                      <m:rPr>
+                        <m:sty m:val="p"/>
+                      </m:rPr>
+                      <a:rPr lang="el-GR" i="1">
+                        <a:latin typeface="Cambria Math" panose="02040503050406030204" pitchFamily="18" charset="0"/>
+                      </a:rPr>
+                      <m:t>λ</m:t>
+                    </m:r>
+                  </m:oMath>
+                </a14:m>
+                <a:r>
+                  <a:rPr lang="x-none" dirty="0" smtClean="0"/>
+                  <a:t>)</a:t>
+                </a:r>
+                <a:r>
+                  <a:rPr lang="en-US" dirty="0" smtClean="0"/>
+                  <a:t>  are chosen that minimize :</a:t>
+                </a:r>
+              </a:p>
+              <a:p>
+                <a14:m>
+                  <m:oMath xmlns:m="http://schemas.openxmlformats.org/officeDocument/2006/math">
+                    <m:r>
+                      <a:rPr lang="en-US" b="0" i="1" smtClean="0">
+                        <a:latin typeface="Cambria Math"/>
+                      </a:rPr>
+                      <m:t>𝐶𝑉𝑀𝑆𝐸</m:t>
+                    </m:r>
+                    <m:r>
+                      <a:rPr lang="en-US" b="0" i="1" smtClean="0">
+                        <a:latin typeface="Cambria Math"/>
+                      </a:rPr>
+                      <m:t>(</m:t>
+                    </m:r>
+                    <m:r>
+                      <m:rPr>
+                        <m:sty m:val="p"/>
+                      </m:rPr>
+                      <a:rPr lang="el-GR" i="1">
+                        <a:latin typeface="Cambria Math" panose="02040503050406030204" pitchFamily="18" charset="0"/>
+                      </a:rPr>
+                      <m:t>λ</m:t>
+                    </m:r>
+                    <m:r>
+                      <a:rPr lang="en-US" b="0" i="1" smtClean="0">
+                        <a:latin typeface="Cambria Math"/>
+                      </a:rPr>
+                      <m:t>)</m:t>
+                    </m:r>
+                  </m:oMath>
+                </a14:m>
+                <a:r>
+                  <a:rPr lang="en-US" dirty="0" smtClean="0"/>
+                  <a:t>=</a:t>
+                </a:r>
+                <a14:m>
+                  <m:oMath xmlns:m="http://schemas.openxmlformats.org/officeDocument/2006/math">
+                    <m:f>
+                      <m:fPr>
+                        <m:ctrlPr>
+                          <a:rPr lang="en-US" i="1" dirty="0" smtClean="0">
+                            <a:latin typeface="Cambria Math" panose="02040503050406030204" pitchFamily="18" charset="0"/>
+                          </a:rPr>
+                        </m:ctrlPr>
+                      </m:fPr>
+                      <m:num>
+                        <m:r>
+                          <a:rPr lang="en-US" b="0" i="1" dirty="0" smtClean="0">
+                            <a:latin typeface="Cambria Math"/>
+                          </a:rPr>
+                          <m:t>1</m:t>
+                        </m:r>
+                      </m:num>
+                      <m:den>
+                        <m:r>
+                          <a:rPr lang="en-US" b="0" i="1" dirty="0" smtClean="0">
+                            <a:latin typeface="Cambria Math"/>
+                          </a:rPr>
+                          <m:t>10</m:t>
+                        </m:r>
+                      </m:den>
+                    </m:f>
+                    <m:nary>
+                      <m:naryPr>
+                        <m:chr m:val="∑"/>
+                        <m:ctrlPr>
+                          <a:rPr lang="en-US" i="1" dirty="0" smtClean="0">
+                            <a:latin typeface="Cambria Math" panose="02040503050406030204" pitchFamily="18" charset="0"/>
+                          </a:rPr>
+                        </m:ctrlPr>
+                      </m:naryPr>
+                      <m:sub>
+                        <m:r>
+                          <m:rPr>
+                            <m:brk m:alnAt="23"/>
+                          </m:rPr>
+                          <a:rPr lang="en-US" b="0" i="1" dirty="0" smtClean="0">
+                            <a:latin typeface="Cambria Math"/>
+                          </a:rPr>
+                          <m:t>𝑖</m:t>
+                        </m:r>
+                        <m:r>
+                          <a:rPr lang="en-US" b="0" i="1" dirty="0" smtClean="0">
+                            <a:latin typeface="Cambria Math"/>
+                          </a:rPr>
+                          <m:t>=1</m:t>
+                        </m:r>
+                      </m:sub>
+                      <m:sup>
+                        <m:r>
+                          <a:rPr lang="en-US" b="0" i="1" dirty="0" smtClean="0">
+                            <a:latin typeface="Cambria Math"/>
+                          </a:rPr>
+                          <m:t>10</m:t>
+                        </m:r>
+                      </m:sup>
+                      <m:e>
+                        <m:sSub>
+                          <m:sSubPr>
+                            <m:ctrlPr>
+                              <a:rPr lang="en-US" b="0" i="1" dirty="0" smtClean="0">
+                                <a:latin typeface="Cambria Math" panose="02040503050406030204" pitchFamily="18" charset="0"/>
+                              </a:rPr>
+                            </m:ctrlPr>
+                          </m:sSubPr>
+                          <m:e>
+                            <m:r>
+                              <a:rPr lang="x-none" b="0" i="1" dirty="0" smtClean="0">
+                                <a:latin typeface="Cambria Math" panose="02040503050406030204" pitchFamily="18" charset="0"/>
+                              </a:rPr>
+                              <m:t>𝑉</m:t>
+                            </m:r>
+                            <m:r>
+                              <a:rPr lang="en-US" i="1" dirty="0">
+                                <a:latin typeface="Cambria Math"/>
+                              </a:rPr>
+                              <m:t>𝑀𝑆𝐸</m:t>
+                            </m:r>
+                          </m:e>
+                          <m:sub>
+                            <m:r>
+                              <a:rPr lang="en-US" b="0" i="1" dirty="0" smtClean="0">
+                                <a:latin typeface="Cambria Math"/>
+                              </a:rPr>
+                              <m:t>𝑖</m:t>
+                            </m:r>
+                          </m:sub>
+                        </m:sSub>
+                        <m:r>
+                          <a:rPr lang="en-US" b="0" i="1" dirty="0" smtClean="0">
+                            <a:latin typeface="Cambria Math"/>
+                          </a:rPr>
+                          <m:t>(</m:t>
+                        </m:r>
+                        <m:r>
+                          <m:rPr>
+                            <m:sty m:val="p"/>
+                          </m:rPr>
+                          <a:rPr lang="el-GR" i="1">
+                            <a:latin typeface="Cambria Math" panose="02040503050406030204" pitchFamily="18" charset="0"/>
+                          </a:rPr>
+                          <m:t>λ</m:t>
+                        </m:r>
+                        <m:r>
+                          <a:rPr lang="en-US" b="0" i="1" dirty="0" smtClean="0">
+                            <a:latin typeface="Cambria Math"/>
+                          </a:rPr>
+                          <m:t>)</m:t>
+                        </m:r>
+                      </m:e>
+                    </m:nary>
+                  </m:oMath>
+                </a14:m>
+                <a:endParaRPr lang="en-US" dirty="0" smtClean="0"/>
+              </a:p>
+              <a:p>
+                <a:r>
+                  <a:rPr lang="en-US" dirty="0" smtClean="0"/>
+                  <a:t> </a:t>
+                </a:r>
+                <a:endParaRPr lang="en-US" dirty="0"/>
+              </a:p>
+            </p:txBody>
+          </p:sp>
+        </mc:Choice>
+        <mc:Fallback xmlns="">
+          <p:sp>
+            <p:nvSpPr>
+              <p:cNvPr id="8" name="TextBox 7"/>
+              <p:cNvSpPr txBox="1">
+                <a:spLocks noRot="1" noChangeAspect="1" noMove="1" noResize="1" noEditPoints="1" noAdjustHandles="1" noChangeArrowheads="1" noChangeShapeType="1" noTextEdit="1"/>
+              </p:cNvSpPr>
+              <p:nvPr/>
+            </p:nvSpPr>
+            <p:spPr>
+              <a:xfrm>
+                <a:off x="6048164" y="4771498"/>
+                <a:ext cx="3168352" cy="1316194"/>
+              </a:xfrm>
+              <a:prstGeom prst="rect">
+                <a:avLst/>
+              </a:prstGeom>
+              <a:blipFill>
+                <a:blip r:embed="rId4"/>
+                <a:stretch>
+                  <a:fillRect l="-1538" t="-2778" b="-26389"/>
+                </a:stretch>
+              </a:blipFill>
+            </p:spPr>
+            <p:txBody>
+              <a:bodyPr/>
+              <a:lstStyle/>
+              <a:p>
+                <a:r>
+                  <a:rPr lang="en-US">
+                    <a:noFill/>
+                  </a:rPr>
+                  <a:t> </a:t>
+                </a:r>
+              </a:p>
+            </p:txBody>
+          </p:sp>
+        </mc:Fallback>
+      </mc:AlternateContent>
+      <p:sp>
+        <p:nvSpPr>
+          <p:cNvPr id="10" name="TextBox 9"/>
+          <p:cNvSpPr txBox="1"/>
+          <p:nvPr/>
+        </p:nvSpPr>
+        <p:spPr>
+          <a:xfrm>
+            <a:off x="5979247" y="1268760"/>
+            <a:ext cx="3093253" cy="2031325"/>
+          </a:xfrm>
+          <a:prstGeom prst="rect">
+            <a:avLst/>
+          </a:prstGeom>
+          <a:noFill/>
+        </p:spPr>
+        <p:txBody>
+          <a:bodyPr wrap="square" rtlCol="0">
+            <a:spAutoFit/>
+          </a:bodyPr>
+          <a:lstStyle/>
+          <a:p>
+            <a:pPr marL="285750" indent="-285750">
+              <a:buFont typeface="Arial" panose="020B0604020202020204" pitchFamily="34" charset="0"/>
+              <a:buChar char="•"/>
+            </a:pPr>
+            <a:r>
+              <a:rPr lang="en-US" dirty="0"/>
+              <a:t>414 months </a:t>
+            </a:r>
+            <a:r>
+              <a:rPr lang="en-US" dirty="0" smtClean="0"/>
+              <a:t>for training</a:t>
+            </a:r>
+          </a:p>
+          <a:p>
+            <a:pPr marL="285750" indent="-285750">
+              <a:buFont typeface="Arial" panose="020B0604020202020204" pitchFamily="34" charset="0"/>
+              <a:buChar char="•"/>
+            </a:pPr>
+            <a:r>
+              <a:rPr lang="en-US" dirty="0" smtClean="0"/>
+              <a:t>Use the estimated model to predict future returns</a:t>
+            </a:r>
+          </a:p>
+          <a:p>
+            <a:pPr marL="285750" indent="-285750">
+              <a:buFont typeface="Arial" panose="020B0604020202020204" pitchFamily="34" charset="0"/>
+              <a:buChar char="•"/>
+            </a:pPr>
+            <a:r>
+              <a:rPr lang="en-US" dirty="0" smtClean="0"/>
+              <a:t>30 </a:t>
+            </a:r>
+            <a:r>
+              <a:rPr lang="en-US" dirty="0"/>
+              <a:t>months </a:t>
+            </a:r>
+            <a:r>
+              <a:rPr lang="en-US" dirty="0" smtClean="0"/>
+              <a:t>for testing</a:t>
+            </a:r>
+          </a:p>
+          <a:p>
+            <a:pPr marL="285750" indent="-285750">
+              <a:buFont typeface="Arial" panose="020B0604020202020204" pitchFamily="34" charset="0"/>
+              <a:buChar char="•"/>
+            </a:pPr>
+            <a:r>
+              <a:rPr lang="en-US" dirty="0" smtClean="0"/>
+              <a:t>MSE on the test set as a measure of prediction accuracy</a:t>
+            </a:r>
+            <a:endParaRPr lang="en-US" dirty="0"/>
+          </a:p>
+        </p:txBody>
+      </p:sp>
+      <p:sp>
+        <p:nvSpPr>
+          <p:cNvPr id="11" name="Rectangle 10"/>
+          <p:cNvSpPr/>
+          <p:nvPr/>
+        </p:nvSpPr>
+        <p:spPr>
+          <a:xfrm>
+            <a:off x="3461711" y="4077072"/>
+            <a:ext cx="819425" cy="360040"/>
+          </a:xfrm>
+          <a:prstGeom prst="rect">
+            <a:avLst/>
+          </a:prstGeom>
+        </p:spPr>
+        <p:style>
+          <a:lnRef idx="2">
+            <a:schemeClr val="accent1">
+              <a:shade val="50000"/>
+            </a:schemeClr>
+          </a:lnRef>
+          <a:fillRef idx="1">
+            <a:schemeClr val="accent1"/>
+          </a:fillRef>
+          <a:effectRef idx="0">
+            <a:schemeClr val="accent1"/>
+          </a:effectRef>
+          <a:fontRef idx="minor">
+            <a:schemeClr val="lt1"/>
+          </a:fontRef>
+        </p:style>
+        <p:txBody>
+          <a:bodyPr rtlCol="0" anchor="ctr"/>
+          <a:lstStyle/>
+          <a:p>
+            <a:pPr algn="ctr"/>
+            <a:r>
+              <a:rPr lang="en-US" sz="1000" dirty="0" smtClean="0"/>
+              <a:t>Validation</a:t>
+            </a:r>
+            <a:endParaRPr lang="en-US" sz="1000" dirty="0"/>
+          </a:p>
+        </p:txBody>
+      </p:sp>
+      <mc:AlternateContent xmlns:mc="http://schemas.openxmlformats.org/markup-compatibility/2006" xmlns:a14="http://schemas.microsoft.com/office/drawing/2010/main">
+        <mc:Choice Requires="a14">
+          <p:sp>
+            <p:nvSpPr>
+              <p:cNvPr id="3" name="TextBox 2"/>
+              <p:cNvSpPr txBox="1"/>
+              <p:nvPr/>
+            </p:nvSpPr>
+            <p:spPr>
+              <a:xfrm>
+                <a:off x="5512928" y="5827825"/>
+                <a:ext cx="3559572" cy="648575"/>
+              </a:xfrm>
+              <a:prstGeom prst="rect">
+                <a:avLst/>
+              </a:prstGeom>
+              <a:noFill/>
+            </p:spPr>
+            <p:txBody>
+              <a:bodyPr wrap="square" rtlCol="0">
+                <a:spAutoFit/>
+              </a:bodyPr>
+              <a:lstStyle/>
+              <a:p>
+                <a:pPr/>
+                <a14:m>
+                  <m:oMathPara xmlns:m="http://schemas.openxmlformats.org/officeDocument/2006/math">
+                    <m:oMathParaPr>
+                      <m:jc m:val="centerGroup"/>
+                    </m:oMathParaPr>
+                    <m:oMath xmlns:m="http://schemas.openxmlformats.org/officeDocument/2006/math">
+                      <m:sSub>
+                        <m:sSubPr>
+                          <m:ctrlPr>
+                            <a:rPr lang="en-US" i="1" dirty="0" smtClean="0">
+                              <a:latin typeface="Cambria Math" panose="02040503050406030204" pitchFamily="18" charset="0"/>
+                            </a:rPr>
+                          </m:ctrlPr>
+                        </m:sSubPr>
+                        <m:e>
+                          <m:r>
+                            <a:rPr lang="x-none" b="0" i="1" dirty="0" smtClean="0">
+                              <a:latin typeface="Cambria Math" panose="02040503050406030204" pitchFamily="18" charset="0"/>
+                            </a:rPr>
+                            <m:t>𝑉</m:t>
+                          </m:r>
+                          <m:r>
+                            <a:rPr lang="x-none" i="1">
+                              <a:latin typeface="Cambria Math" panose="02040503050406030204" pitchFamily="18" charset="0"/>
+                            </a:rPr>
+                            <m:t>𝑀𝑆𝐸</m:t>
+                          </m:r>
+                        </m:e>
+                        <m:sub>
+                          <m:r>
+                            <a:rPr lang="x-none" b="0" i="1" dirty="0" smtClean="0">
+                              <a:latin typeface="Cambria Math" panose="02040503050406030204" pitchFamily="18" charset="0"/>
+                            </a:rPr>
+                            <m:t>𝑖</m:t>
+                          </m:r>
+                        </m:sub>
+                      </m:sSub>
+                      <m:r>
+                        <a:rPr lang="en-US" i="1" dirty="0">
+                          <a:latin typeface="Cambria Math"/>
+                        </a:rPr>
+                        <m:t>(</m:t>
+                      </m:r>
+                      <m:r>
+                        <m:rPr>
+                          <m:sty m:val="p"/>
+                        </m:rPr>
+                        <a:rPr lang="el-GR" i="1">
+                          <a:latin typeface="Cambria Math" panose="02040503050406030204" pitchFamily="18" charset="0"/>
+                        </a:rPr>
+                        <m:t>λ</m:t>
+                      </m:r>
+                      <m:r>
+                        <a:rPr lang="en-US" i="1" dirty="0">
+                          <a:latin typeface="Cambria Math"/>
+                        </a:rPr>
+                        <m:t>)</m:t>
+                      </m:r>
+                      <m:r>
+                        <a:rPr lang="x-none" b="0" i="1" dirty="0" smtClean="0">
+                          <a:latin typeface="Cambria Math" panose="02040503050406030204" pitchFamily="18" charset="0"/>
+                        </a:rPr>
+                        <m:t>=</m:t>
+                      </m:r>
+                      <m:f>
+                        <m:fPr>
+                          <m:ctrlPr>
+                            <a:rPr lang="x-none" b="0" i="1" dirty="0" smtClean="0">
+                              <a:latin typeface="Cambria Math" panose="02040503050406030204" pitchFamily="18" charset="0"/>
+                            </a:rPr>
+                          </m:ctrlPr>
+                        </m:fPr>
+                        <m:num>
+                          <m:r>
+                            <a:rPr lang="x-none" b="0" i="1" dirty="0" smtClean="0">
+                              <a:latin typeface="Cambria Math" panose="02040503050406030204" pitchFamily="18" charset="0"/>
+                            </a:rPr>
+                            <m:t>1</m:t>
+                          </m:r>
+                        </m:num>
+                        <m:den>
+                          <m:r>
+                            <a:rPr lang="x-none" b="0" i="1" dirty="0" smtClean="0">
+                              <a:latin typeface="Cambria Math" panose="02040503050406030204" pitchFamily="18" charset="0"/>
+                            </a:rPr>
+                            <m:t>𝑛</m:t>
+                          </m:r>
+                        </m:den>
+                      </m:f>
+                      <m:nary>
+                        <m:naryPr>
+                          <m:chr m:val="∑"/>
+                          <m:limLoc m:val="subSup"/>
+                          <m:supHide m:val="on"/>
+                          <m:ctrlPr>
+                            <a:rPr lang="x-none" i="1" dirty="0">
+                              <a:latin typeface="Cambria Math" panose="02040503050406030204" pitchFamily="18" charset="0"/>
+                            </a:rPr>
+                          </m:ctrlPr>
+                        </m:naryPr>
+                        <m:sub>
+                          <m:r>
+                            <m:rPr>
+                              <m:brk m:alnAt="9"/>
+                            </m:rPr>
+                            <a:rPr lang="x-none" b="0" i="1" dirty="0" smtClean="0">
+                              <a:latin typeface="Cambria Math" panose="02040503050406030204" pitchFamily="18" charset="0"/>
+                            </a:rPr>
+                            <m:t>𝑘</m:t>
+                          </m:r>
+                        </m:sub>
+                        <m:sup/>
+                        <m:e>
+                          <m:sSup>
+                            <m:sSupPr>
+                              <m:ctrlPr>
+                                <a:rPr lang="x-none" i="1" dirty="0">
+                                  <a:latin typeface="Cambria Math" panose="02040503050406030204" pitchFamily="18" charset="0"/>
+                                </a:rPr>
+                              </m:ctrlPr>
+                            </m:sSupPr>
+                            <m:e>
+                              <m:r>
+                                <a:rPr lang="x-none" i="1" dirty="0">
+                                  <a:latin typeface="Cambria Math" panose="02040503050406030204" pitchFamily="18" charset="0"/>
+                                </a:rPr>
+                                <m:t> (</m:t>
+                              </m:r>
+                              <m:sSub>
+                                <m:sSubPr>
+                                  <m:ctrlPr>
+                                    <a:rPr lang="x-none" i="1" dirty="0">
+                                      <a:latin typeface="Cambria Math" panose="02040503050406030204" pitchFamily="18" charset="0"/>
+                                    </a:rPr>
+                                  </m:ctrlPr>
+                                </m:sSubPr>
+                                <m:e>
+                                  <m:r>
+                                    <a:rPr lang="x-none" i="1" dirty="0">
+                                      <a:latin typeface="Cambria Math" panose="02040503050406030204" pitchFamily="18" charset="0"/>
+                                    </a:rPr>
+                                    <m:t>𝑦</m:t>
+                                  </m:r>
+                                </m:e>
+                                <m:sub>
+                                  <m:r>
+                                    <a:rPr lang="x-none" i="1" dirty="0">
+                                      <a:latin typeface="Cambria Math" panose="02040503050406030204" pitchFamily="18" charset="0"/>
+                                    </a:rPr>
+                                    <m:t>𝑘</m:t>
+                                  </m:r>
+                                </m:sub>
+                              </m:sSub>
+                              <m:r>
+                                <a:rPr lang="x-none" i="1" dirty="0">
+                                  <a:latin typeface="Cambria Math" panose="02040503050406030204" pitchFamily="18" charset="0"/>
+                                </a:rPr>
+                                <m:t>−</m:t>
+                              </m:r>
+                              <m:sSub>
+                                <m:sSubPr>
+                                  <m:ctrlPr>
+                                    <a:rPr lang="x-none" i="1" dirty="0" smtClean="0">
+                                      <a:latin typeface="Cambria Math" panose="02040503050406030204" pitchFamily="18" charset="0"/>
+                                    </a:rPr>
+                                  </m:ctrlPr>
+                                </m:sSubPr>
+                                <m:e>
+                                  <m:acc>
+                                    <m:accPr>
+                                      <m:chr m:val="̂"/>
+                                      <m:ctrlPr>
+                                        <a:rPr lang="x-none" i="1" dirty="0">
+                                          <a:latin typeface="Cambria Math" panose="02040503050406030204" pitchFamily="18" charset="0"/>
+                                        </a:rPr>
+                                      </m:ctrlPr>
+                                    </m:accPr>
+                                    <m:e>
+                                      <m:r>
+                                        <a:rPr lang="x-none" i="1" dirty="0">
+                                          <a:latin typeface="Cambria Math" panose="02040503050406030204" pitchFamily="18" charset="0"/>
+                                        </a:rPr>
+                                        <m:t>𝑦</m:t>
+                                      </m:r>
+                                    </m:e>
+                                  </m:acc>
+                                </m:e>
+                                <m:sub>
+                                  <m:r>
+                                    <a:rPr lang="x-none" b="0" i="1" dirty="0" smtClean="0">
+                                      <a:latin typeface="Cambria Math" panose="02040503050406030204" pitchFamily="18" charset="0"/>
+                                    </a:rPr>
+                                    <m:t>𝑘</m:t>
+                                  </m:r>
+                                </m:sub>
+                              </m:sSub>
+                              <m:r>
+                                <a:rPr lang="en-US" i="1" dirty="0">
+                                  <a:latin typeface="Cambria Math"/>
+                                </a:rPr>
+                                <m:t>(</m:t>
+                              </m:r>
+                              <m:r>
+                                <m:rPr>
+                                  <m:sty m:val="p"/>
+                                </m:rPr>
+                                <a:rPr lang="el-GR" i="1">
+                                  <a:latin typeface="Cambria Math" panose="02040503050406030204" pitchFamily="18" charset="0"/>
+                                </a:rPr>
+                                <m:t>λ</m:t>
+                              </m:r>
+                              <m:r>
+                                <a:rPr lang="en-US" i="1" dirty="0">
+                                  <a:latin typeface="Cambria Math"/>
+                                </a:rPr>
+                                <m:t>)</m:t>
+                              </m:r>
+                              <m:r>
+                                <a:rPr lang="x-none" i="1" dirty="0">
+                                  <a:latin typeface="Cambria Math" panose="02040503050406030204" pitchFamily="18" charset="0"/>
+                                </a:rPr>
+                                <m:t>)</m:t>
+                              </m:r>
+                            </m:e>
+                            <m:sup>
+                              <m:r>
+                                <a:rPr lang="x-none" i="1" dirty="0">
+                                  <a:latin typeface="Cambria Math" panose="02040503050406030204" pitchFamily="18" charset="0"/>
+                                </a:rPr>
+                                <m:t>2</m:t>
+                              </m:r>
+                            </m:sup>
+                          </m:sSup>
+                        </m:e>
+                      </m:nary>
+                    </m:oMath>
+                  </m:oMathPara>
+                </a14:m>
+                <a:endParaRPr lang="en-US" dirty="0"/>
+              </a:p>
+            </p:txBody>
+          </p:sp>
+        </mc:Choice>
+        <mc:Fallback xmlns="">
+          <p:sp>
+            <p:nvSpPr>
+              <p:cNvPr id="3" name="TextBox 2"/>
+              <p:cNvSpPr txBox="1">
+                <a:spLocks noRot="1" noChangeAspect="1" noMove="1" noResize="1" noEditPoints="1" noAdjustHandles="1" noChangeArrowheads="1" noChangeShapeType="1" noTextEdit="1"/>
+              </p:cNvSpPr>
+              <p:nvPr/>
+            </p:nvSpPr>
+            <p:spPr>
+              <a:xfrm>
+                <a:off x="5512928" y="5827825"/>
+                <a:ext cx="3559572" cy="648575"/>
+              </a:xfrm>
+              <a:prstGeom prst="rect">
+                <a:avLst/>
+              </a:prstGeom>
+              <a:blipFill>
+                <a:blip r:embed="rId5"/>
+                <a:stretch>
+                  <a:fillRect/>
+                </a:stretch>
+              </a:blipFill>
+            </p:spPr>
+            <p:txBody>
+              <a:bodyPr/>
+              <a:lstStyle/>
+              <a:p>
+                <a:r>
+                  <a:rPr lang="en-US">
+                    <a:noFill/>
+                  </a:rPr>
+                  <a:t> </a:t>
+                </a:r>
+              </a:p>
+            </p:txBody>
+          </p:sp>
+        </mc:Fallback>
+      </mc:AlternateContent>
+      <mc:AlternateContent xmlns:mc="http://schemas.openxmlformats.org/markup-compatibility/2006" xmlns:a14="http://schemas.microsoft.com/office/drawing/2010/main">
+        <mc:Choice Requires="a14">
+          <p:sp>
+            <p:nvSpPr>
+              <p:cNvPr id="12" name="TextBox 11"/>
+              <p:cNvSpPr txBox="1"/>
+              <p:nvPr/>
+            </p:nvSpPr>
+            <p:spPr>
+              <a:xfrm>
+                <a:off x="215516" y="4077072"/>
+                <a:ext cx="1260140" cy="369332"/>
+              </a:xfrm>
+              <a:prstGeom prst="rect">
+                <a:avLst/>
+              </a:prstGeom>
+              <a:noFill/>
+            </p:spPr>
+            <p:txBody>
+              <a:bodyPr wrap="square" rtlCol="0">
+                <a:spAutoFit/>
+              </a:bodyPr>
+              <a:lstStyle/>
+              <a:p>
+                <a:r>
+                  <a:rPr lang="x-none" dirty="0" smtClean="0"/>
+                  <a:t>For each </a:t>
+                </a:r>
+                <a14:m>
+                  <m:oMath xmlns:m="http://schemas.openxmlformats.org/officeDocument/2006/math">
+                    <m:r>
+                      <m:rPr>
+                        <m:sty m:val="p"/>
+                      </m:rPr>
+                      <a:rPr lang="el-GR" i="1">
+                        <a:latin typeface="Cambria Math" panose="02040503050406030204" pitchFamily="18" charset="0"/>
+                      </a:rPr>
+                      <m:t>λ</m:t>
+                    </m:r>
+                    <m:r>
+                      <a:rPr lang="x-none" b="0" i="1" smtClean="0">
+                        <a:latin typeface="Cambria Math" panose="02040503050406030204" pitchFamily="18" charset="0"/>
+                      </a:rPr>
+                      <m:t>:</m:t>
+                    </m:r>
+                  </m:oMath>
+                </a14:m>
+                <a:r>
+                  <a:rPr lang="x-none" dirty="0" smtClean="0"/>
+                  <a:t> </a:t>
+                </a:r>
+              </a:p>
+            </p:txBody>
+          </p:sp>
+        </mc:Choice>
+        <mc:Fallback xmlns="">
+          <p:sp>
+            <p:nvSpPr>
+              <p:cNvPr id="12" name="TextBox 11"/>
+              <p:cNvSpPr txBox="1">
+                <a:spLocks noRot="1" noChangeAspect="1" noMove="1" noResize="1" noEditPoints="1" noAdjustHandles="1" noChangeArrowheads="1" noChangeShapeType="1" noTextEdit="1"/>
+              </p:cNvSpPr>
+              <p:nvPr/>
+            </p:nvSpPr>
+            <p:spPr>
+              <a:xfrm>
+                <a:off x="215516" y="4077072"/>
+                <a:ext cx="1260140" cy="369332"/>
+              </a:xfrm>
+              <a:prstGeom prst="rect">
+                <a:avLst/>
+              </a:prstGeom>
+              <a:blipFill>
+                <a:blip r:embed="rId6"/>
+                <a:stretch>
+                  <a:fillRect l="-3865" t="-10000" b="-26667"/>
+                </a:stretch>
+              </a:blipFill>
+            </p:spPr>
+            <p:txBody>
+              <a:bodyPr/>
+              <a:lstStyle/>
+              <a:p>
+                <a:r>
+                  <a:rPr lang="en-US">
+                    <a:noFill/>
+                  </a:rPr>
+                  <a:t> </a:t>
+                </a:r>
+              </a:p>
+            </p:txBody>
+          </p:sp>
+        </mc:Fallback>
+      </mc:AlternateContent>
+      <p:grpSp>
+        <p:nvGrpSpPr>
+          <p:cNvPr id="14" name="Group 13"/>
+          <p:cNvGrpSpPr/>
+          <p:nvPr/>
+        </p:nvGrpSpPr>
+        <p:grpSpPr>
+          <a:xfrm>
+            <a:off x="683568" y="1833921"/>
+            <a:ext cx="5395064" cy="1255923"/>
+            <a:chOff x="317565" y="1705026"/>
+            <a:chExt cx="5766603" cy="1255923"/>
+          </a:xfrm>
+        </p:grpSpPr>
+        <p:pic>
+          <p:nvPicPr>
+            <p:cNvPr id="6" name="Picture 5"/>
+            <p:cNvPicPr>
+              <a:picLocks noChangeAspect="1"/>
+            </p:cNvPicPr>
+            <p:nvPr/>
+          </p:nvPicPr>
+          <p:blipFill rotWithShape="1">
+            <a:blip r:embed="rId7">
+              <a:extLst>
+                <a:ext uri="{28A0092B-C50C-407E-A947-70E740481C1C}">
+                  <a14:useLocalDpi xmlns:a14="http://schemas.microsoft.com/office/drawing/2010/main" val="0"/>
+                </a:ext>
+              </a:extLst>
+            </a:blip>
+            <a:srcRect t="1" b="30842"/>
+            <a:stretch/>
+          </p:blipFill>
+          <p:spPr>
+            <a:xfrm>
+              <a:off x="317565" y="1705026"/>
+              <a:ext cx="5766603" cy="1255922"/>
+            </a:xfrm>
+            <a:prstGeom prst="rect">
+              <a:avLst/>
+            </a:prstGeom>
+          </p:spPr>
+        </p:pic>
+        <p:sp>
+          <p:nvSpPr>
+            <p:cNvPr id="9" name="Rectangle 8"/>
+            <p:cNvSpPr/>
+            <p:nvPr/>
+          </p:nvSpPr>
+          <p:spPr>
+            <a:xfrm>
+              <a:off x="3579600" y="2672917"/>
+              <a:ext cx="1352440" cy="288032"/>
+            </a:xfrm>
+            <a:prstGeom prst="rect">
+              <a:avLst/>
+            </a:prstGeom>
+            <a:solidFill>
+              <a:schemeClr val="bg1"/>
+            </a:solidFill>
+            <a:ln>
+              <a:solidFill>
+                <a:schemeClr val="bg1"/>
+              </a:solidFill>
+            </a:ln>
+          </p:spPr>
+          <p:style>
+            <a:lnRef idx="2">
+              <a:schemeClr val="accent1">
+                <a:shade val="50000"/>
+              </a:schemeClr>
+            </a:lnRef>
+            <a:fillRef idx="1">
+              <a:schemeClr val="accent1"/>
+            </a:fillRef>
+            <a:effectRef idx="0">
+              <a:schemeClr val="accent1"/>
+            </a:effectRef>
+            <a:fontRef idx="minor">
+              <a:schemeClr val="lt1"/>
+            </a:fontRef>
+          </p:style>
+          <p:txBody>
+            <a:bodyPr rtlCol="0" anchor="ctr"/>
+            <a:lstStyle/>
+            <a:p>
+              <a:pPr algn="ctr"/>
+              <a:endParaRPr lang="de-DE"/>
+            </a:p>
+          </p:txBody>
+        </p:sp>
+        <p:sp>
+          <p:nvSpPr>
+            <p:cNvPr id="13" name="Rectangle 12"/>
+            <p:cNvSpPr/>
+            <p:nvPr/>
+          </p:nvSpPr>
+          <p:spPr>
+            <a:xfrm>
+              <a:off x="5742130" y="1880828"/>
+              <a:ext cx="162018" cy="180020"/>
+            </a:xfrm>
+            <a:prstGeom prst="rect">
+              <a:avLst/>
+            </a:prstGeom>
+            <a:solidFill>
+              <a:schemeClr val="bg1"/>
+            </a:solidFill>
+            <a:ln>
+              <a:solidFill>
+                <a:schemeClr val="bg1"/>
+              </a:solidFill>
+            </a:ln>
+          </p:spPr>
+          <p:style>
+            <a:lnRef idx="2">
+              <a:schemeClr val="accent1">
+                <a:shade val="50000"/>
+              </a:schemeClr>
+            </a:lnRef>
+            <a:fillRef idx="1">
+              <a:schemeClr val="accent1"/>
+            </a:fillRef>
+            <a:effectRef idx="0">
+              <a:schemeClr val="accent1"/>
+            </a:effectRef>
+            <a:fontRef idx="minor">
+              <a:schemeClr val="lt1"/>
+            </a:fontRef>
+          </p:style>
+          <p:txBody>
+            <a:bodyPr rtlCol="0" anchor="ctr"/>
+            <a:lstStyle/>
+            <a:p>
+              <a:pPr algn="ctr"/>
+              <a:endParaRPr lang="de-DE"/>
+            </a:p>
+          </p:txBody>
+        </p:sp>
+      </p:grpSp>
+    </p:spTree>
+    <p:extLst>
+      <p:ext uri="{BB962C8B-B14F-4D97-AF65-F5344CB8AC3E}">
+        <p14:creationId xmlns:p14="http://schemas.microsoft.com/office/powerpoint/2010/main" val="3769935853"/>
+      </p:ext>
+    </p:extLst>
+  </p:cSld>
+  <p:clrMapOvr>
+    <a:masterClrMapping/>
+  </p:clrMapOvr>
+  <p:timing>
+    <p:tnLst>
+      <p:par>
+        <p:cTn id="1" dur="indefinite" restart="never" nodeType="tmRoot"/>
+      </p:par>
+    </p:tnLst>
+  </p:timing>
+</p:sld>
+</file>
+
+<file path=ppt/slides/slide12.xml><?xml version="1.0" encoding="utf-8"?>
+<p:sld xmlns:a="http://schemas.openxmlformats.org/drawingml/2006/main" xmlns:r="http://schemas.openxmlformats.org/officeDocument/2006/relationships" xmlns:p="http://schemas.openxmlformats.org/presentationml/2006/main">
+  <p:cSld>
+    <p:spTree>
+      <p:nvGrpSpPr>
+        <p:cNvPr id="1" name=""/>
+        <p:cNvGrpSpPr/>
+        <p:nvPr/>
+      </p:nvGrpSpPr>
+      <p:grpSpPr>
+        <a:xfrm>
+          <a:off x="0" y="0"/>
+          <a:ext cx="0" cy="0"/>
+          <a:chOff x="0" y="0"/>
+          <a:chExt cx="0" cy="0"/>
+        </a:xfrm>
+      </p:grpSpPr>
+      <p:sp>
+        <p:nvSpPr>
+          <p:cNvPr id="7" name="Title 6"/>
+          <p:cNvSpPr>
+            <a:spLocks noGrp="1"/>
+          </p:cNvSpPr>
+          <p:nvPr>
+            <p:ph type="ctrTitle"/>
+          </p:nvPr>
+        </p:nvSpPr>
+        <p:spPr>
+          <a:xfrm>
+            <a:off x="685800" y="2712584"/>
+            <a:ext cx="7772400" cy="468000"/>
+          </a:xfrm>
+        </p:spPr>
+        <p:txBody>
+          <a:bodyPr/>
+          <a:lstStyle/>
+          <a:p>
+            <a:r>
+              <a:rPr lang="en-GB" dirty="0" smtClean="0"/>
+              <a:t>Backup</a:t>
+            </a:r>
+            <a:endParaRPr lang="de-DE" dirty="0"/>
+          </a:p>
+        </p:txBody>
+      </p:sp>
+      <p:sp>
+        <p:nvSpPr>
+          <p:cNvPr id="8" name="Subtitle 7"/>
+          <p:cNvSpPr>
+            <a:spLocks noGrp="1"/>
+          </p:cNvSpPr>
+          <p:nvPr>
+            <p:ph type="subTitle" idx="1"/>
+          </p:nvPr>
+        </p:nvSpPr>
+        <p:spPr/>
+        <p:txBody>
+          <a:bodyPr/>
+          <a:lstStyle/>
+          <a:p>
+            <a:r>
+              <a:rPr lang="en-GB" dirty="0" smtClean="0"/>
+              <a:t>Additional Slides</a:t>
+            </a:r>
+            <a:endParaRPr lang="de-DE" dirty="0"/>
+          </a:p>
+        </p:txBody>
+      </p:sp>
+      <p:sp>
+        <p:nvSpPr>
+          <p:cNvPr id="4" name="Date Placeholder 3"/>
+          <p:cNvSpPr>
+            <a:spLocks noGrp="1"/>
+          </p:cNvSpPr>
+          <p:nvPr>
+            <p:ph type="dt" sz="half" idx="4294967295"/>
+          </p:nvPr>
+        </p:nvSpPr>
+        <p:spPr>
+          <a:xfrm>
+            <a:off x="683568" y="6386400"/>
+            <a:ext cx="2133600" cy="180000"/>
+          </a:xfrm>
+          <a:prstGeom prst="rect">
+            <a:avLst/>
+          </a:prstGeom>
+        </p:spPr>
+        <p:txBody>
+          <a:bodyPr/>
+          <a:lstStyle/>
+          <a:p>
+            <a:r>
+              <a:rPr lang="de-DE" smtClean="0"/>
+              <a:t>16.06.2019</a:t>
+            </a:r>
+            <a:endParaRPr lang="de-DE" dirty="0"/>
+          </a:p>
+        </p:txBody>
+      </p:sp>
+      <p:sp>
+        <p:nvSpPr>
+          <p:cNvPr id="5" name="Footer Placeholder 4"/>
+          <p:cNvSpPr>
+            <a:spLocks noGrp="1"/>
+          </p:cNvSpPr>
+          <p:nvPr>
+            <p:ph type="ftr" sz="quarter" idx="4294967295"/>
+          </p:nvPr>
+        </p:nvSpPr>
+        <p:spPr>
+          <a:xfrm>
+            <a:off x="684000" y="6134400"/>
+            <a:ext cx="2895600" cy="180000"/>
+          </a:xfrm>
+          <a:prstGeom prst="rect">
+            <a:avLst/>
+          </a:prstGeom>
+        </p:spPr>
+        <p:txBody>
+          <a:bodyPr/>
+          <a:lstStyle/>
+          <a:p>
+            <a:r>
+              <a:rPr lang="de-DE" smtClean="0"/>
+              <a:t>Pavel Lesnevski</a:t>
+            </a:r>
+            <a:endParaRPr lang="de-DE" dirty="0"/>
+          </a:p>
+        </p:txBody>
+      </p:sp>
+      <p:sp>
+        <p:nvSpPr>
+          <p:cNvPr id="6" name="Slide Number Placeholder 5"/>
+          <p:cNvSpPr>
+            <a:spLocks noGrp="1"/>
+          </p:cNvSpPr>
+          <p:nvPr>
+            <p:ph type="sldNum" sz="quarter" idx="12"/>
+          </p:nvPr>
+        </p:nvSpPr>
+        <p:spPr>
+          <a:xfrm>
+            <a:off x="7405972" y="6134400"/>
+            <a:ext cx="1054460" cy="180000"/>
+          </a:xfrm>
+        </p:spPr>
+        <p:txBody>
+          <a:bodyPr/>
+          <a:lstStyle/>
+          <a:p>
+            <a:fld id="{FC0CC166-4E39-43B8-AB91-BDD1C4C9E224}" type="slidenum">
+              <a:rPr lang="de-DE" smtClean="0"/>
+              <a:t>12</a:t>
+            </a:fld>
+            <a:endParaRPr lang="de-DE"/>
+          </a:p>
+        </p:txBody>
+      </p:sp>
+    </p:spTree>
+    <p:extLst>
+      <p:ext uri="{BB962C8B-B14F-4D97-AF65-F5344CB8AC3E}">
+        <p14:creationId xmlns:p14="http://schemas.microsoft.com/office/powerpoint/2010/main" val="3294185196"/>
+      </p:ext>
+    </p:extLst>
+  </p:cSld>
+  <p:clrMapOvr>
+    <a:masterClrMapping/>
+  </p:clrMapOvr>
+  <p:timing>
+    <p:tnLst>
+      <p:par>
+        <p:cTn id="1" dur="indefinite" restart="never" nodeType="tmRoot"/>
+      </p:par>
+    </p:tnLst>
+  </p:timing>
+</p:sld>
+</file>
+
+<file path=ppt/slides/slide13.xml><?xml version="1.0" encoding="utf-8"?>
+<p:sld xmlns:a="http://schemas.openxmlformats.org/drawingml/2006/main" xmlns:r="http://schemas.openxmlformats.org/officeDocument/2006/relationships" xmlns:p="http://schemas.openxmlformats.org/presentationml/2006/main">
+  <p:cSld>
+    <p:spTree>
+      <p:nvGrpSpPr>
+        <p:cNvPr id="1" name=""/>
+        <p:cNvGrpSpPr/>
+        <p:nvPr/>
+      </p:nvGrpSpPr>
+      <p:grpSpPr>
+        <a:xfrm>
+          <a:off x="0" y="0"/>
+          <a:ext cx="0" cy="0"/>
+          <a:chOff x="0" y="0"/>
+          <a:chExt cx="0" cy="0"/>
+        </a:xfrm>
+      </p:grpSpPr>
+      <p:sp>
+        <p:nvSpPr>
+          <p:cNvPr id="2" name="Title 1"/>
+          <p:cNvSpPr>
+            <a:spLocks noGrp="1"/>
+          </p:cNvSpPr>
+          <p:nvPr>
+            <p:ph type="title"/>
+          </p:nvPr>
+        </p:nvSpPr>
+        <p:spPr/>
+        <p:txBody>
+          <a:bodyPr/>
+          <a:lstStyle/>
+          <a:p>
+            <a:r>
+              <a:rPr lang="en-US" dirty="0" smtClean="0"/>
+              <a:t>Conclusion</a:t>
+            </a:r>
+            <a:endParaRPr lang="en-US" dirty="0"/>
+          </a:p>
+        </p:txBody>
+      </p:sp>
+      <p:sp>
+        <p:nvSpPr>
+          <p:cNvPr id="3" name="Content Placeholder 2"/>
+          <p:cNvSpPr>
+            <a:spLocks noGrp="1"/>
+          </p:cNvSpPr>
+          <p:nvPr>
+            <p:ph idx="1"/>
+          </p:nvPr>
+        </p:nvSpPr>
+        <p:spPr/>
+        <p:txBody>
+          <a:bodyPr/>
+          <a:lstStyle/>
+          <a:p>
+            <a:r>
+              <a:rPr lang="x-none" dirty="0"/>
+              <a:t>M</a:t>
+            </a:r>
+            <a:r>
+              <a:rPr lang="x-none" dirty="0" smtClean="0"/>
+              <a:t>achine </a:t>
+            </a:r>
+            <a:r>
+              <a:rPr lang="x-none" dirty="0"/>
+              <a:t>learning </a:t>
+            </a:r>
+            <a:r>
+              <a:rPr lang="de-DE" dirty="0" err="1"/>
+              <a:t>techniques</a:t>
+            </a:r>
+            <a:r>
+              <a:rPr lang="x-none" dirty="0"/>
+              <a:t> </a:t>
+            </a:r>
+            <a:r>
+              <a:rPr lang="x-none" dirty="0" smtClean="0"/>
+              <a:t>improve the prediction accuracy of </a:t>
+            </a:r>
+            <a:r>
+              <a:rPr lang="en-US" dirty="0" smtClean="0"/>
+              <a:t>stock market</a:t>
+            </a:r>
+            <a:r>
+              <a:rPr lang="x-none" dirty="0" smtClean="0"/>
+              <a:t> returns</a:t>
+            </a:r>
+          </a:p>
+          <a:p>
+            <a:r>
+              <a:rPr lang="x-none" dirty="0" smtClean="0"/>
+              <a:t>Elastic Net show</a:t>
+            </a:r>
+            <a:r>
+              <a:rPr lang="en-US" dirty="0" smtClean="0"/>
+              <a:t>s</a:t>
+            </a:r>
+            <a:r>
+              <a:rPr lang="x-none" dirty="0" smtClean="0"/>
+              <a:t> the best predictive performance</a:t>
+            </a:r>
+            <a:endParaRPr lang="en-GB" dirty="0" smtClean="0"/>
+          </a:p>
+          <a:p>
+            <a:r>
+              <a:rPr lang="en-GB" dirty="0" smtClean="0"/>
+              <a:t>Regression trees, random forest, </a:t>
+            </a:r>
+            <a:r>
+              <a:rPr lang="en-GB" dirty="0" err="1" smtClean="0"/>
+              <a:t>xgboost</a:t>
+            </a:r>
+            <a:r>
+              <a:rPr lang="en-GB" dirty="0"/>
+              <a:t> </a:t>
+            </a:r>
+            <a:r>
+              <a:rPr lang="en-GB" dirty="0" smtClean="0"/>
+              <a:t>have poor predictive performance</a:t>
+            </a:r>
+            <a:endParaRPr lang="x-none" dirty="0" smtClean="0"/>
+          </a:p>
+          <a:p>
+            <a:endParaRPr lang="en-US" dirty="0"/>
+          </a:p>
+        </p:txBody>
+      </p:sp>
+      <p:sp>
+        <p:nvSpPr>
+          <p:cNvPr id="4" name="Date Placeholder 3"/>
+          <p:cNvSpPr>
+            <a:spLocks noGrp="1"/>
+          </p:cNvSpPr>
+          <p:nvPr>
+            <p:ph type="dt" sz="half" idx="4294967295"/>
+          </p:nvPr>
+        </p:nvSpPr>
+        <p:spPr>
+          <a:xfrm>
+            <a:off x="683568" y="6386400"/>
+            <a:ext cx="2133600" cy="180000"/>
+          </a:xfrm>
+          <a:prstGeom prst="rect">
+            <a:avLst/>
+          </a:prstGeom>
+        </p:spPr>
+        <p:txBody>
+          <a:bodyPr/>
+          <a:lstStyle/>
+          <a:p>
+            <a:r>
+              <a:rPr lang="de-DE" dirty="0" smtClean="0"/>
+              <a:t>06.12.2018</a:t>
+            </a:r>
+            <a:endParaRPr lang="de-DE" dirty="0"/>
+          </a:p>
+        </p:txBody>
+      </p:sp>
+      <p:sp>
+        <p:nvSpPr>
+          <p:cNvPr id="5" name="Footer Placeholder 4"/>
+          <p:cNvSpPr>
+            <a:spLocks noGrp="1"/>
+          </p:cNvSpPr>
+          <p:nvPr>
+            <p:ph type="ftr" sz="quarter" idx="4294967295"/>
+          </p:nvPr>
+        </p:nvSpPr>
+        <p:spPr>
+          <a:xfrm>
+            <a:off x="684000" y="6134400"/>
+            <a:ext cx="2895600" cy="180000"/>
+          </a:xfrm>
+          <a:prstGeom prst="rect">
+            <a:avLst/>
+          </a:prstGeom>
+        </p:spPr>
+        <p:txBody>
+          <a:bodyPr/>
+          <a:lstStyle/>
+          <a:p>
+            <a:r>
+              <a:rPr lang="de-DE" smtClean="0"/>
+              <a:t>Pavel Lesnevski</a:t>
+            </a:r>
+            <a:endParaRPr lang="de-DE" dirty="0"/>
+          </a:p>
+        </p:txBody>
+      </p:sp>
       <p:sp>
         <p:nvSpPr>
           <p:cNvPr id="6" name="Slide Number Placeholder 5"/>
@@ -3287,7 +4838,7 @@
           <a:p>
             <a:fld id="{FC0CC166-4E39-43B8-AB91-BDD1C4C9E224}" type="slidenum">
               <a:rPr lang="de-DE" smtClean="0"/>
-              <a:t>11</a:t>
+              <a:t>13</a:t>
             </a:fld>
             <a:endParaRPr lang="de-DE"/>
           </a:p>
@@ -3382,7 +4933,7 @@
 </p:sld>
 </file>
 
-<file path=ppt/slides/slide12.xml><?xml version="1.0" encoding="utf-8"?>
+<file path=ppt/slides/slide14.xml><?xml version="1.0" encoding="utf-8"?>
 <p:sld xmlns:a="http://schemas.openxmlformats.org/drawingml/2006/main" xmlns:r="http://schemas.openxmlformats.org/officeDocument/2006/relationships" xmlns:p="http://schemas.openxmlformats.org/presentationml/2006/main">
   <p:cSld>
     <p:spTree>
@@ -4527,7 +6078,7 @@
           <a:p>
             <a:fld id="{FC0CC166-4E39-43B8-AB91-BDD1C4C9E224}" type="slidenum">
               <a:rPr lang="de-DE" smtClean="0"/>
-              <a:t>12</a:t>
+              <a:t>14</a:t>
             </a:fld>
             <a:endParaRPr lang="de-DE"/>
           </a:p>
@@ -4582,7 +6133,7 @@
 </p:sld>
 </file>
 
-<file path=ppt/slides/slide13.xml><?xml version="1.0" encoding="utf-8"?>
+<file path=ppt/slides/slide15.xml><?xml version="1.0" encoding="utf-8"?>
 <p:sld xmlns:a="http://schemas.openxmlformats.org/drawingml/2006/main" xmlns:r="http://schemas.openxmlformats.org/officeDocument/2006/relationships" xmlns:p="http://schemas.openxmlformats.org/presentationml/2006/main">
   <p:cSld>
     <p:spTree>
@@ -4766,7 +6317,7 @@
           <a:p>
             <a:fld id="{FC0CC166-4E39-43B8-AB91-BDD1C4C9E224}" type="slidenum">
               <a:rPr lang="de-DE" smtClean="0"/>
-              <a:t>13</a:t>
+              <a:t>15</a:t>
             </a:fld>
             <a:endParaRPr lang="de-DE"/>
           </a:p>
@@ -4792,7 +6343,7 @@
 </p:sld>
 </file>
 
-<file path=ppt/slides/slide14.xml><?xml version="1.0" encoding="utf-8"?>
+<file path=ppt/slides/slide16.xml><?xml version="1.0" encoding="utf-8"?>
 <p:sld xmlns:a="http://schemas.openxmlformats.org/drawingml/2006/main" xmlns:r="http://schemas.openxmlformats.org/officeDocument/2006/relationships" xmlns:p="http://schemas.openxmlformats.org/presentationml/2006/main">
   <p:cSld>
     <p:spTree>
@@ -4911,7 +6462,7 @@
           <a:p>
             <a:fld id="{FC0CC166-4E39-43B8-AB91-BDD1C4C9E224}" type="slidenum">
               <a:rPr lang="de-DE" smtClean="0"/>
-              <a:t>14</a:t>
+              <a:t>16</a:t>
             </a:fld>
             <a:endParaRPr lang="de-DE"/>
           </a:p>
@@ -6573,7 +8124,7 @@
 </p:sld>
 </file>
 
-<file path=ppt/slides/slide15.xml><?xml version="1.0" encoding="utf-8"?>
+<file path=ppt/slides/slide17.xml><?xml version="1.0" encoding="utf-8"?>
 <p:sld xmlns:a="http://schemas.openxmlformats.org/drawingml/2006/main" xmlns:r="http://schemas.openxmlformats.org/officeDocument/2006/relationships" xmlns:p="http://schemas.openxmlformats.org/presentationml/2006/main">
   <p:cSld>
     <p:spTree>
@@ -6613,8 +8164,8 @@
           </a:p>
         </p:txBody>
       </p:sp>
-      <mc:AlternateContent xmlns:mc="http://schemas.openxmlformats.org/markup-compatibility/2006">
-        <mc:Choice xmlns:a14="http://schemas.microsoft.com/office/drawing/2010/main" Requires="a14">
+      <mc:AlternateContent xmlns:mc="http://schemas.openxmlformats.org/markup-compatibility/2006" xmlns:a14="http://schemas.microsoft.com/office/drawing/2010/main">
+        <mc:Choice Requires="a14">
           <p:sp>
             <p:nvSpPr>
               <p:cNvPr id="3" name="Content Placeholder 2"/>
@@ -6653,25 +8204,13 @@
                 </a:r>
                 <a:r>
                   <a:rPr lang="en-US" sz="2400" dirty="0"/>
-                  <a:t>Neely et al. </a:t>
-                </a:r>
-                <a:r>
-                  <a:rPr lang="en-US" sz="2400" dirty="0"/>
-                  <a:t>(2014) + add </a:t>
-                </a:r>
-                <a:r>
-                  <a:rPr lang="en-US" sz="2400" dirty="0"/>
-                  <a:t>predictors</a:t>
+                  <a:t>Neely et al. (2014) + add predictors</a:t>
                 </a:r>
               </a:p>
               <a:p>
                 <a:r>
                   <a:rPr lang="en-US" dirty="0" smtClean="0"/>
-                  <a:t>14 </a:t>
-                </a:r>
-                <a:r>
-                  <a:rPr lang="en-US" dirty="0" smtClean="0"/>
-                  <a:t>Macro Variables + 14 Technical Indicators + Aggregate Short Interest + </a:t>
+                  <a:t>14 Macro Variables + 14 Technical Indicators + Aggregate Short Interest + </a:t>
                 </a:r>
                 <a:r>
                   <a:rPr lang="en-US" dirty="0"/>
@@ -6743,11 +8282,7 @@
                 </a:r>
                 <a:r>
                   <a:rPr lang="en-US" dirty="0" smtClean="0"/>
-                  <a:t>interaction </a:t>
-                </a:r>
-                <a:r>
-                  <a:rPr lang="en-US" dirty="0" smtClean="0"/>
-                  <a:t>term </a:t>
+                  <a:t>interaction term </a:t>
                 </a:r>
                 <a14:m>
                   <m:oMath xmlns:m="http://schemas.openxmlformats.org/officeDocument/2006/math">
@@ -6848,7 +8383,6 @@
                   <a:rPr lang="en-US" dirty="0" smtClean="0"/>
                   <a:t>Choose methods that perform well in high-dimensional </a:t>
                 </a:r>
-                <a:endParaRPr lang="en-US" dirty="0" smtClean="0"/>
               </a:p>
               <a:p>
                 <a:endParaRPr lang="en-US" dirty="0" smtClean="0"/>
@@ -6859,7 +8393,7 @@
             </p:txBody>
           </p:sp>
         </mc:Choice>
-        <mc:Fallback>
+        <mc:Fallback xmlns="">
           <p:sp>
             <p:nvSpPr>
               <p:cNvPr id="3" name="Content Placeholder 2"/>
@@ -6976,7 +8510,7 @@
           <a:p>
             <a:fld id="{FC0CC166-4E39-43B8-AB91-BDD1C4C9E224}" type="slidenum">
               <a:rPr lang="de-DE" smtClean="0"/>
-              <a:t>15</a:t>
+              <a:t>17</a:t>
             </a:fld>
             <a:endParaRPr lang="de-DE"/>
           </a:p>
@@ -7002,7 +8536,7 @@
 </p:sld>
 </file>
 
-<file path=ppt/slides/slide16.xml><?xml version="1.0" encoding="utf-8"?>
+<file path=ppt/slides/slide18.xml><?xml version="1.0" encoding="utf-8"?>
 <p:sld xmlns:a="http://schemas.openxmlformats.org/drawingml/2006/main" xmlns:r="http://schemas.openxmlformats.org/officeDocument/2006/relationships" xmlns:p="http://schemas.openxmlformats.org/presentationml/2006/main">
   <p:cSld>
     <p:spTree>
@@ -7121,7 +8655,7 @@
           <a:p>
             <a:fld id="{FC0CC166-4E39-43B8-AB91-BDD1C4C9E224}" type="slidenum">
               <a:rPr lang="de-DE" smtClean="0"/>
-              <a:t>16</a:t>
+              <a:t>18</a:t>
             </a:fld>
             <a:endParaRPr lang="de-DE"/>
           </a:p>
@@ -7176,7 +8710,7 @@
 </p:sld>
 </file>
 
-<file path=ppt/slides/slide17.xml><?xml version="1.0" encoding="utf-8"?>
+<file path=ppt/slides/slide19.xml><?xml version="1.0" encoding="utf-8"?>
 <p:sld xmlns:a="http://schemas.openxmlformats.org/drawingml/2006/main" xmlns:r="http://schemas.openxmlformats.org/officeDocument/2006/relationships" xmlns:p="http://schemas.openxmlformats.org/presentationml/2006/main">
   <p:cSld>
     <p:spTree>
@@ -7344,7 +8878,7 @@
           <a:p>
             <a:fld id="{FC0CC166-4E39-43B8-AB91-BDD1C4C9E224}" type="slidenum">
               <a:rPr lang="de-DE" smtClean="0"/>
-              <a:t>17</a:t>
+              <a:t>19</a:t>
             </a:fld>
             <a:endParaRPr lang="de-DE"/>
           </a:p>
@@ -7658,7 +9192,201 @@
 </p:sld>
 </file>
 
-<file path=ppt/slides/slide18.xml><?xml version="1.0" encoding="utf-8"?>
+<file path=ppt/slides/slide2.xml><?xml version="1.0" encoding="utf-8"?>
+<p:sld xmlns:a="http://schemas.openxmlformats.org/drawingml/2006/main" xmlns:r="http://schemas.openxmlformats.org/officeDocument/2006/relationships" xmlns:p="http://schemas.openxmlformats.org/presentationml/2006/main">
+  <p:cSld>
+    <p:spTree>
+      <p:nvGrpSpPr>
+        <p:cNvPr id="1" name=""/>
+        <p:cNvGrpSpPr/>
+        <p:nvPr/>
+      </p:nvGrpSpPr>
+      <p:grpSpPr>
+        <a:xfrm>
+          <a:off x="0" y="0"/>
+          <a:ext cx="0" cy="0"/>
+          <a:chOff x="0" y="0"/>
+          <a:chExt cx="0" cy="0"/>
+        </a:xfrm>
+      </p:grpSpPr>
+      <p:sp>
+        <p:nvSpPr>
+          <p:cNvPr id="2" name="Title 1"/>
+          <p:cNvSpPr>
+            <a:spLocks noGrp="1"/>
+          </p:cNvSpPr>
+          <p:nvPr>
+            <p:ph type="title"/>
+          </p:nvPr>
+        </p:nvSpPr>
+        <p:spPr/>
+        <p:txBody>
+          <a:bodyPr/>
+          <a:lstStyle/>
+          <a:p>
+            <a:r>
+              <a:rPr lang="en-US" dirty="0" smtClean="0"/>
+              <a:t>Predicting </a:t>
+            </a:r>
+            <a:r>
+              <a:rPr lang="en-US" dirty="0" smtClean="0"/>
+              <a:t>Stock Market Returns</a:t>
+            </a:r>
+            <a:endParaRPr lang="en-US" dirty="0"/>
+          </a:p>
+        </p:txBody>
+      </p:sp>
+      <p:sp>
+        <p:nvSpPr>
+          <p:cNvPr id="3" name="Content Placeholder 2"/>
+          <p:cNvSpPr>
+            <a:spLocks noGrp="1"/>
+          </p:cNvSpPr>
+          <p:nvPr>
+            <p:ph idx="1"/>
+          </p:nvPr>
+        </p:nvSpPr>
+        <p:spPr>
+          <a:xfrm>
+            <a:off x="575556" y="1155284"/>
+            <a:ext cx="7776000" cy="4824536"/>
+          </a:xfrm>
+        </p:spPr>
+        <p:txBody>
+          <a:bodyPr/>
+          <a:lstStyle/>
+          <a:p>
+            <a:r>
+              <a:rPr lang="en-US" sz="2200" dirty="0" smtClean="0"/>
+              <a:t>Predicting monthly S&amp;P 500 </a:t>
+            </a:r>
+            <a:r>
+              <a:rPr lang="en-US" sz="2200" dirty="0"/>
+              <a:t>index returns </a:t>
+            </a:r>
+            <a:r>
+              <a:rPr lang="en-US" sz="2200" dirty="0" smtClean="0"/>
+              <a:t>using </a:t>
+            </a:r>
+            <a:r>
+              <a:rPr lang="en-US" sz="2200" dirty="0"/>
+              <a:t>historical </a:t>
+            </a:r>
+            <a:r>
+              <a:rPr lang="en-US" sz="2200" dirty="0" smtClean="0"/>
+              <a:t>macroeconomic data and </a:t>
+            </a:r>
+            <a:r>
+              <a:rPr lang="en-US" sz="2200" dirty="0"/>
+              <a:t>technical </a:t>
+            </a:r>
+            <a:r>
+              <a:rPr lang="en-US" sz="2200" dirty="0" smtClean="0"/>
+              <a:t>indicators</a:t>
+            </a:r>
+          </a:p>
+          <a:p>
+            <a:r>
+              <a:rPr lang="en-US" sz="2200" dirty="0" smtClean="0"/>
+              <a:t>Interesting from both academic and practical perspectives</a:t>
+            </a:r>
+          </a:p>
+          <a:p>
+            <a:r>
+              <a:rPr lang="en-US" sz="2200" dirty="0" smtClean="0"/>
+              <a:t>A </a:t>
+            </a:r>
+            <a:r>
+              <a:rPr lang="en-US" sz="2200" dirty="0"/>
+              <a:t>task with high noise-to-signal ratio</a:t>
+            </a:r>
+          </a:p>
+          <a:p>
+            <a:pPr lvl="1"/>
+            <a:r>
+              <a:rPr lang="en-US" sz="1800" dirty="0"/>
+              <a:t>Very few models are able to outperform the simple historical mean </a:t>
+            </a:r>
+            <a:r>
+              <a:rPr lang="en-US" sz="1800" dirty="0" smtClean="0"/>
+              <a:t>return</a:t>
+            </a:r>
+            <a:endParaRPr lang="en-US" sz="2200" dirty="0" smtClean="0"/>
+          </a:p>
+          <a:p>
+            <a:r>
+              <a:rPr lang="en-US" sz="2200" dirty="0" smtClean="0"/>
+              <a:t>High-dimensional </a:t>
+            </a:r>
+            <a:r>
+              <a:rPr lang="en-US" sz="2200" dirty="0"/>
+              <a:t>setting with </a:t>
+            </a:r>
+            <a:r>
+              <a:rPr lang="en-US" sz="2200" dirty="0" smtClean="0"/>
+              <a:t>lack of </a:t>
+            </a:r>
+            <a:r>
+              <a:rPr lang="en-US" sz="2200" dirty="0"/>
+              <a:t>data (number of predictors is comparable to the number of observations)</a:t>
+            </a:r>
+          </a:p>
+          <a:p>
+            <a:pPr lvl="1"/>
+            <a:r>
+              <a:rPr lang="en-US" sz="1800" dirty="0"/>
+              <a:t>Use models that perform well in this setting</a:t>
+            </a:r>
+          </a:p>
+          <a:p>
+            <a:endParaRPr lang="en-US" sz="2200" dirty="0" smtClean="0"/>
+          </a:p>
+        </p:txBody>
+      </p:sp>
+      <p:sp>
+        <p:nvSpPr>
+          <p:cNvPr id="6" name="Slide Number Placeholder 5"/>
+          <p:cNvSpPr>
+            <a:spLocks noGrp="1"/>
+          </p:cNvSpPr>
+          <p:nvPr>
+            <p:ph type="sldNum" sz="quarter" idx="12"/>
+          </p:nvPr>
+        </p:nvSpPr>
+        <p:spPr/>
+        <p:txBody>
+          <a:bodyPr/>
+          <a:lstStyle/>
+          <a:p>
+            <a:fld id="{FC0CC166-4E39-43B8-AB91-BDD1C4C9E224}" type="slidenum">
+              <a:rPr lang="de-DE" smtClean="0"/>
+              <a:t>2</a:t>
+            </a:fld>
+            <a:endParaRPr lang="de-DE"/>
+          </a:p>
+        </p:txBody>
+      </p:sp>
+    </p:spTree>
+    <p:extLst>
+      <p:ext uri="{BB962C8B-B14F-4D97-AF65-F5344CB8AC3E}">
+        <p14:creationId xmlns:p14="http://schemas.microsoft.com/office/powerpoint/2010/main" val="1126378101"/>
+      </p:ext>
+    </p:extLst>
+  </p:cSld>
+  <p:clrMapOvr>
+    <a:masterClrMapping/>
+  </p:clrMapOvr>
+  <p:timing>
+    <p:tnLst>
+      <p:par>
+        <p:cTn id="1" dur="indefinite" restart="never" nodeType="tmRoot"/>
+      </p:par>
+    </p:tnLst>
+  </p:timing>
+</p:sld>
+</file>
+
+<file path=ppt/slides/slide20.xml><?xml version="1.0" encoding="utf-8"?>
 <p:sld xmlns:a="http://schemas.openxmlformats.org/drawingml/2006/main" xmlns:r="http://schemas.openxmlformats.org/officeDocument/2006/relationships" xmlns:p="http://schemas.openxmlformats.org/presentationml/2006/main">
   <p:cSld>
     <p:spTree>
@@ -8654,7 +10382,7 @@
           <a:p>
             <a:fld id="{FC0CC166-4E39-43B8-AB91-BDD1C4C9E224}" type="slidenum">
               <a:rPr lang="de-DE" smtClean="0"/>
-              <a:t>18</a:t>
+              <a:t>20</a:t>
             </a:fld>
             <a:endParaRPr lang="de-DE"/>
           </a:p>
@@ -8680,7 +10408,7 @@
 </p:sld>
 </file>
 
-<file path=ppt/slides/slide19.xml><?xml version="1.0" encoding="utf-8"?>
+<file path=ppt/slides/slide21.xml><?xml version="1.0" encoding="utf-8"?>
 <p:sld xmlns:a="http://schemas.openxmlformats.org/drawingml/2006/main" xmlns:r="http://schemas.openxmlformats.org/officeDocument/2006/relationships" xmlns:p="http://schemas.openxmlformats.org/presentationml/2006/main">
   <p:cSld>
     <p:spTree>
@@ -8714,11 +10442,7 @@
           <a:p>
             <a:r>
               <a:rPr lang="en-US" dirty="0" smtClean="0"/>
-              <a:t>Possible Future </a:t>
-            </a:r>
-            <a:r>
-              <a:rPr lang="en-US" dirty="0" smtClean="0"/>
-              <a:t>Research</a:t>
+              <a:t>Possible Future Research</a:t>
             </a:r>
             <a:endParaRPr lang="en-US" dirty="0"/>
           </a:p>
@@ -8756,21 +10480,13 @@
             </a:r>
             <a:r>
               <a:rPr lang="x-none" dirty="0" smtClean="0"/>
-              <a:t>data </a:t>
-            </a:r>
+              <a:t>data frequency</a:t>
+            </a:r>
+          </a:p>
+          <a:p>
             <a:r>
               <a:rPr lang="x-none" dirty="0" smtClean="0"/>
-              <a:t>frequency</a:t>
-            </a:r>
-          </a:p>
-          <a:p>
-            <a:r>
-              <a:rPr lang="x-none" dirty="0" smtClean="0"/>
-              <a:t>Advanced ML methods, such </a:t>
-            </a:r>
-            <a:r>
-              <a:rPr lang="x-none" dirty="0" smtClean="0"/>
-              <a:t>as</a:t>
+              <a:t>Advanced ML methods, such as</a:t>
             </a:r>
             <a:r>
               <a:rPr lang="en-GB" dirty="0" smtClean="0"/>
@@ -8778,15 +10494,7 @@
             </a:r>
             <a:r>
               <a:rPr lang="x-none" dirty="0" smtClean="0"/>
-              <a:t>Recurrent </a:t>
-            </a:r>
-            <a:r>
-              <a:rPr lang="x-none" dirty="0" smtClean="0"/>
-              <a:t>Neural </a:t>
-            </a:r>
-            <a:r>
-              <a:rPr lang="x-none" dirty="0" smtClean="0"/>
-              <a:t>Networks</a:t>
+              <a:t>Recurrent Neural Networks</a:t>
             </a:r>
             <a:r>
               <a:rPr lang="en-GB" dirty="0"/>
@@ -8889,7 +10597,7 @@
           <a:p>
             <a:fld id="{FC0CC166-4E39-43B8-AB91-BDD1C4C9E224}" type="slidenum">
               <a:rPr lang="de-DE" smtClean="0"/>
-              <a:t>19</a:t>
+              <a:t>21</a:t>
             </a:fld>
             <a:endParaRPr lang="de-DE"/>
           </a:p>
@@ -8915,7 +10623,7 @@
 </p:sld>
 </file>
 
-<file path=ppt/slides/slide2.xml><?xml version="1.0" encoding="utf-8"?>
+<file path=ppt/slides/slide22.xml><?xml version="1.0" encoding="utf-8"?>
 <p:sld xmlns:a="http://schemas.openxmlformats.org/drawingml/2006/main" xmlns:r="http://schemas.openxmlformats.org/officeDocument/2006/relationships" xmlns:p="http://schemas.openxmlformats.org/presentationml/2006/main">
   <p:cSld>
     <p:spTree>
@@ -8948,305 +10656,8 @@
           <a:lstStyle/>
           <a:p>
             <a:r>
-              <a:rPr lang="en-GB" dirty="0" smtClean="0"/>
-              <a:t>Project Highlights</a:t>
-            </a:r>
-            <a:endParaRPr lang="de-DE" dirty="0"/>
-          </a:p>
-        </p:txBody>
-      </p:sp>
-      <p:sp>
-        <p:nvSpPr>
-          <p:cNvPr id="3" name="Content Placeholder 2"/>
-          <p:cNvSpPr>
-            <a:spLocks noGrp="1"/>
-          </p:cNvSpPr>
-          <p:nvPr>
-            <p:ph idx="1"/>
-          </p:nvPr>
-        </p:nvSpPr>
-        <p:spPr>
-          <a:xfrm>
-            <a:off x="539552" y="1268760"/>
-            <a:ext cx="8424936" cy="4793640"/>
-          </a:xfrm>
-        </p:spPr>
-        <p:txBody>
-          <a:bodyPr/>
-          <a:lstStyle/>
-          <a:p>
-            <a:pPr marL="0" indent="0">
-              <a:buNone/>
-            </a:pPr>
-            <a:r>
-              <a:rPr lang="en-US" b="1" dirty="0" smtClean="0"/>
-              <a:t>A time-series predictive framework that </a:t>
-            </a:r>
-            <a:r>
-              <a:rPr lang="en-US" b="1" dirty="0"/>
-              <a:t>features:</a:t>
-            </a:r>
-            <a:endParaRPr lang="en-US" dirty="0"/>
-          </a:p>
-          <a:p>
-            <a:pPr marL="0" indent="0">
-              <a:buNone/>
-            </a:pPr>
-            <a:r>
-              <a:rPr lang="en-US" sz="2000" dirty="0"/>
-              <a:t>- Clear project structure based on </a:t>
-            </a:r>
-            <a:r>
-              <a:rPr lang="en-US" sz="2000" b="1" i="1" dirty="0" err="1"/>
-              <a:t>cookiecutter</a:t>
-            </a:r>
-            <a:r>
-              <a:rPr lang="en-US" sz="2000" b="1" i="1" dirty="0"/>
-              <a:t> </a:t>
-            </a:r>
-            <a:r>
-              <a:rPr lang="en-US" sz="2000" b="1" i="1" dirty="0" smtClean="0"/>
-              <a:t>data science</a:t>
-            </a:r>
-            <a:r>
-              <a:rPr lang="en-US" sz="2000" dirty="0" smtClean="0"/>
-              <a:t> </a:t>
-            </a:r>
-            <a:r>
-              <a:rPr lang="en-US" sz="2000" dirty="0"/>
-              <a:t>template</a:t>
-            </a:r>
-          </a:p>
-          <a:p>
-            <a:pPr marL="0" indent="0">
-              <a:buNone/>
-            </a:pPr>
-            <a:r>
-              <a:rPr lang="en-US" sz="2000" dirty="0"/>
-              <a:t>- Usage of </a:t>
-            </a:r>
-            <a:r>
-              <a:rPr lang="en-US" sz="2000" b="1" i="1" dirty="0" err="1" smtClean="0"/>
-              <a:t>scikit</a:t>
-            </a:r>
-            <a:r>
-              <a:rPr lang="en-US" sz="2000" b="1" i="1" dirty="0" smtClean="0"/>
-              <a:t>-learn </a:t>
-            </a:r>
-            <a:r>
-              <a:rPr lang="en-US" sz="2000" b="1" i="1" dirty="0"/>
-              <a:t>pipelines </a:t>
-            </a:r>
-            <a:r>
-              <a:rPr lang="en-US" sz="2000" dirty="0"/>
-              <a:t>that simplify automation of the </a:t>
-            </a:r>
-            <a:r>
-              <a:rPr lang="en-US" sz="2000" dirty="0" smtClean="0"/>
-              <a:t>analysis</a:t>
-            </a:r>
-            <a:endParaRPr lang="en-US" sz="2000" dirty="0"/>
-          </a:p>
-          <a:p>
-            <a:pPr marL="0" indent="0">
-              <a:buNone/>
-            </a:pPr>
-            <a:r>
-              <a:rPr lang="en-US" sz="2000" dirty="0"/>
-              <a:t>- New manual </a:t>
-            </a:r>
-            <a:r>
-              <a:rPr lang="en-US" sz="2000" b="1" i="1" dirty="0" err="1"/>
-              <a:t>scikit</a:t>
-            </a:r>
-            <a:r>
-              <a:rPr lang="en-US" sz="2000" b="1" i="1" dirty="0"/>
-              <a:t>-learn estimators</a:t>
-            </a:r>
-          </a:p>
-          <a:p>
-            <a:pPr marL="0" indent="0">
-              <a:buNone/>
-            </a:pPr>
-            <a:r>
-              <a:rPr lang="en-US" sz="2000" dirty="0" smtClean="0"/>
-              <a:t>- New </a:t>
-            </a:r>
-            <a:r>
-              <a:rPr lang="en-US" sz="2000" b="1" i="1" dirty="0" err="1" smtClean="0"/>
-              <a:t>scikit</a:t>
-            </a:r>
-            <a:r>
-              <a:rPr lang="en-US" sz="2000" b="1" i="1" dirty="0" smtClean="0"/>
-              <a:t>-learn time-series cross-validation methods</a:t>
-            </a:r>
-            <a:r>
-              <a:rPr lang="en-US" sz="2000" dirty="0" smtClean="0"/>
-              <a:t> (nested cross-validation)</a:t>
-            </a:r>
-          </a:p>
-          <a:p>
-            <a:pPr marL="0" indent="0">
-              <a:buNone/>
-            </a:pPr>
-            <a:r>
-              <a:rPr lang="en-US" sz="2000" dirty="0" smtClean="0"/>
-              <a:t>- </a:t>
-            </a:r>
-            <a:r>
-              <a:rPr lang="en-US" sz="2000" b="1" i="1" dirty="0" smtClean="0"/>
-              <a:t>Domain-tailored</a:t>
-            </a:r>
-            <a:r>
-              <a:rPr lang="en-US" sz="2000" dirty="0" smtClean="0"/>
-              <a:t> prediction accuracy </a:t>
-            </a:r>
-            <a:r>
-              <a:rPr lang="en-US" sz="2000" b="1" i="1" dirty="0" smtClean="0"/>
-              <a:t>statistical</a:t>
-            </a:r>
-            <a:r>
-              <a:rPr lang="en-US" sz="2000" dirty="0" smtClean="0"/>
-              <a:t> </a:t>
-            </a:r>
-            <a:r>
-              <a:rPr lang="en-US" sz="2000" b="1" i="1" dirty="0" smtClean="0"/>
-              <a:t>tests</a:t>
-            </a:r>
-            <a:r>
-              <a:rPr lang="en-US" sz="2000" dirty="0" smtClean="0"/>
-              <a:t> </a:t>
-            </a:r>
-          </a:p>
-          <a:p>
-            <a:pPr marL="0" indent="0">
-              <a:buNone/>
-            </a:pPr>
-            <a:r>
-              <a:rPr lang="en-US" sz="2000" dirty="0" smtClean="0"/>
-              <a:t>- </a:t>
-            </a:r>
-            <a:r>
-              <a:rPr lang="en-US" sz="2000" b="1" i="1" dirty="0" err="1" smtClean="0"/>
-              <a:t>Jupyter</a:t>
-            </a:r>
-            <a:r>
-              <a:rPr lang="en-US" sz="2000" b="1" i="1" dirty="0" smtClean="0"/>
-              <a:t> notebooks</a:t>
-            </a:r>
-            <a:r>
-              <a:rPr lang="en-US" sz="2000" i="1" dirty="0" smtClean="0"/>
-              <a:t> </a:t>
-            </a:r>
-            <a:r>
-              <a:rPr lang="en-US" sz="2000" dirty="0" smtClean="0"/>
-              <a:t>and presentations </a:t>
-            </a:r>
-            <a:r>
-              <a:rPr lang="en-US" sz="2000" dirty="0"/>
-              <a:t>that </a:t>
-            </a:r>
-            <a:r>
-              <a:rPr lang="en-US" sz="2000" dirty="0" smtClean="0"/>
-              <a:t>explain </a:t>
-            </a:r>
-            <a:r>
-              <a:rPr lang="en-US" sz="2000" dirty="0"/>
-              <a:t>and </a:t>
-            </a:r>
-            <a:r>
-              <a:rPr lang="en-US" sz="2000" dirty="0" smtClean="0"/>
-              <a:t>visualize </a:t>
-            </a:r>
-            <a:r>
-              <a:rPr lang="en-US" sz="2000" dirty="0"/>
-              <a:t>obtained findings</a:t>
-            </a:r>
-          </a:p>
-        </p:txBody>
-      </p:sp>
-      <p:sp>
-        <p:nvSpPr>
-          <p:cNvPr id="6" name="Slide Number Placeholder 5"/>
-          <p:cNvSpPr>
-            <a:spLocks noGrp="1"/>
-          </p:cNvSpPr>
-          <p:nvPr>
-            <p:ph type="sldNum" sz="quarter" idx="12"/>
-          </p:nvPr>
-        </p:nvSpPr>
-        <p:spPr/>
-        <p:txBody>
-          <a:bodyPr/>
-          <a:lstStyle/>
-          <a:p>
-            <a:fld id="{FC0CC166-4E39-43B8-AB91-BDD1C4C9E224}" type="slidenum">
-              <a:rPr lang="de-DE" smtClean="0"/>
-              <a:t>2</a:t>
-            </a:fld>
-            <a:endParaRPr lang="de-DE"/>
-          </a:p>
-        </p:txBody>
-      </p:sp>
-    </p:spTree>
-    <p:extLst>
-      <p:ext uri="{BB962C8B-B14F-4D97-AF65-F5344CB8AC3E}">
-        <p14:creationId xmlns:p14="http://schemas.microsoft.com/office/powerpoint/2010/main" val="2621975477"/>
-      </p:ext>
-    </p:extLst>
-  </p:cSld>
-  <p:clrMapOvr>
-    <a:masterClrMapping/>
-  </p:clrMapOvr>
-  <p:timing>
-    <p:tnLst>
-      <p:par>
-        <p:cTn id="1" dur="indefinite" restart="never" nodeType="tmRoot"/>
-      </p:par>
-    </p:tnLst>
-  </p:timing>
-</p:sld>
-</file>
-
-<file path=ppt/slides/slide20.xml><?xml version="1.0" encoding="utf-8"?>
-<p:sld xmlns:a="http://schemas.openxmlformats.org/drawingml/2006/main" xmlns:r="http://schemas.openxmlformats.org/officeDocument/2006/relationships" xmlns:p="http://schemas.openxmlformats.org/presentationml/2006/main">
-  <p:cSld>
-    <p:spTree>
-      <p:nvGrpSpPr>
-        <p:cNvPr id="1" name=""/>
-        <p:cNvGrpSpPr/>
-        <p:nvPr/>
-      </p:nvGrpSpPr>
-      <p:grpSpPr>
-        <a:xfrm>
-          <a:off x="0" y="0"/>
-          <a:ext cx="0" cy="0"/>
-          <a:chOff x="0" y="0"/>
-          <a:chExt cx="0" cy="0"/>
-        </a:xfrm>
-      </p:grpSpPr>
-      <p:sp>
-        <p:nvSpPr>
-          <p:cNvPr id="2" name="Title 1"/>
-          <p:cNvSpPr>
-            <a:spLocks noGrp="1"/>
-          </p:cNvSpPr>
-          <p:nvPr>
-            <p:ph type="title"/>
-          </p:nvPr>
-        </p:nvSpPr>
-        <p:spPr/>
-        <p:txBody>
-          <a:bodyPr/>
-          <a:lstStyle/>
-          <a:p>
-            <a:r>
               <a:rPr lang="en-US" dirty="0" smtClean="0"/>
-              <a:t>Predicting </a:t>
-            </a:r>
-            <a:r>
-              <a:rPr lang="en-US" dirty="0" smtClean="0"/>
-              <a:t>Stock Market</a:t>
+              <a:t>Predicting Stock Market</a:t>
             </a:r>
             <a:endParaRPr lang="en-US" dirty="0"/>
           </a:p>
@@ -9588,7 +10999,7 @@
           <a:p>
             <a:fld id="{FC0CC166-4E39-43B8-AB91-BDD1C4C9E224}" type="slidenum">
               <a:rPr lang="de-DE" smtClean="0"/>
-              <a:t>20</a:t>
+              <a:t>22</a:t>
             </a:fld>
             <a:endParaRPr lang="de-DE"/>
           </a:p>
@@ -9614,7 +11025,7 @@
 </p:sld>
 </file>
 
-<file path=ppt/slides/slide21.xml><?xml version="1.0" encoding="utf-8"?>
+<file path=ppt/slides/slide23.xml><?xml version="1.0" encoding="utf-8"?>
 <p:sld xmlns:a="http://schemas.openxmlformats.org/drawingml/2006/main" xmlns:r="http://schemas.openxmlformats.org/officeDocument/2006/relationships" xmlns:p="http://schemas.openxmlformats.org/presentationml/2006/main">
   <p:cSld>
     <p:spTree>
@@ -9764,7 +11175,7 @@
           <a:p>
             <a:fld id="{FC0CC166-4E39-43B8-AB91-BDD1C4C9E224}" type="slidenum">
               <a:rPr lang="de-DE" smtClean="0"/>
-              <a:t>21</a:t>
+              <a:t>23</a:t>
             </a:fld>
             <a:endParaRPr lang="de-DE"/>
           </a:p>
@@ -9862,7 +11273,7 @@
 </p:sld>
 </file>
 
-<file path=ppt/slides/slide22.xml><?xml version="1.0" encoding="utf-8"?>
+<file path=ppt/slides/slide24.xml><?xml version="1.0" encoding="utf-8"?>
 <p:sld xmlns:a="http://schemas.openxmlformats.org/drawingml/2006/main" xmlns:r="http://schemas.openxmlformats.org/officeDocument/2006/relationships" xmlns:p="http://schemas.openxmlformats.org/presentationml/2006/main">
   <p:cSld>
     <p:spTree>
@@ -10137,7 +11548,7 @@
           <a:p>
             <a:fld id="{FC0CC166-4E39-43B8-AB91-BDD1C4C9E224}" type="slidenum">
               <a:rPr lang="de-DE" smtClean="0"/>
-              <a:t>22</a:t>
+              <a:t>24</a:t>
             </a:fld>
             <a:endParaRPr lang="de-DE"/>
           </a:p>
@@ -10147,815 +11558,6 @@
     <p:extLst>
       <p:ext uri="{BB962C8B-B14F-4D97-AF65-F5344CB8AC3E}">
         <p14:creationId xmlns:p14="http://schemas.microsoft.com/office/powerpoint/2010/main" val="2595448066"/>
-      </p:ext>
-    </p:extLst>
-  </p:cSld>
-  <p:clrMapOvr>
-    <a:masterClrMapping/>
-  </p:clrMapOvr>
-  <p:timing>
-    <p:tnLst>
-      <p:par>
-        <p:cTn id="1" dur="indefinite" restart="never" nodeType="tmRoot"/>
-      </p:par>
-    </p:tnLst>
-  </p:timing>
-</p:sld>
-</file>
-
-<file path=ppt/slides/slide23.xml><?xml version="1.0" encoding="utf-8"?>
-<p:sld xmlns:a="http://schemas.openxmlformats.org/drawingml/2006/main" xmlns:r="http://schemas.openxmlformats.org/officeDocument/2006/relationships" xmlns:p="http://schemas.openxmlformats.org/presentationml/2006/main">
-  <p:cSld>
-    <p:spTree>
-      <p:nvGrpSpPr>
-        <p:cNvPr id="1" name=""/>
-        <p:cNvGrpSpPr/>
-        <p:nvPr/>
-      </p:nvGrpSpPr>
-      <p:grpSpPr>
-        <a:xfrm>
-          <a:off x="0" y="0"/>
-          <a:ext cx="0" cy="0"/>
-          <a:chOff x="0" y="0"/>
-          <a:chExt cx="0" cy="0"/>
-        </a:xfrm>
-      </p:grpSpPr>
-      <p:sp>
-        <p:nvSpPr>
-          <p:cNvPr id="2" name="Title 1"/>
-          <p:cNvSpPr>
-            <a:spLocks noGrp="1"/>
-          </p:cNvSpPr>
-          <p:nvPr>
-            <p:ph type="title"/>
-          </p:nvPr>
-        </p:nvSpPr>
-        <p:spPr/>
-        <p:txBody>
-          <a:bodyPr/>
-          <a:lstStyle/>
-          <a:p>
-            <a:r>
-              <a:rPr lang="en-US" dirty="0" smtClean="0"/>
-              <a:t>ML Methods for Explanatory Modeling (Inference)</a:t>
-            </a:r>
-            <a:endParaRPr lang="en-US" dirty="0"/>
-          </a:p>
-        </p:txBody>
-      </p:sp>
-      <p:sp>
-        <p:nvSpPr>
-          <p:cNvPr id="3" name="Content Placeholder 2"/>
-          <p:cNvSpPr>
-            <a:spLocks noGrp="1"/>
-          </p:cNvSpPr>
-          <p:nvPr>
-            <p:ph idx="1"/>
-          </p:nvPr>
-        </p:nvSpPr>
-        <p:spPr/>
-        <p:txBody>
-          <a:bodyPr/>
-          <a:lstStyle/>
-          <a:p>
-            <a:r>
-              <a:rPr lang="de-DE" sz="1400" dirty="0"/>
-              <a:t>Belloni, A., Chen, D., Chernozhukov, V., and C. Hansen (2012). „Sparse Models and Methods </a:t>
-            </a:r>
-            <a:r>
-              <a:rPr lang="de-DE" sz="1400" dirty="0" err="1"/>
-              <a:t>for</a:t>
-            </a:r>
-            <a:r>
-              <a:rPr lang="de-DE" sz="1400" dirty="0"/>
-              <a:t> Optimal Instruments with Application to Eminent Domain“. </a:t>
-            </a:r>
-            <a:r>
-              <a:rPr lang="de-DE" sz="1400" i="1" dirty="0"/>
-              <a:t>Econometrica </a:t>
-            </a:r>
-            <a:r>
-              <a:rPr lang="de-DE" sz="1400" dirty="0"/>
-              <a:t>80(6), 2269-2429</a:t>
-            </a:r>
-          </a:p>
-          <a:p>
-            <a:r>
-              <a:rPr lang="de-DE" sz="1400" dirty="0"/>
-              <a:t>Belloni, A., Chernozhukov, V., Fernandez-Val, I., and C. Hansen (2017). „Program Evaluation and Causal Inference with High-Dimensional Data“. </a:t>
-            </a:r>
-            <a:r>
-              <a:rPr lang="de-DE" sz="1400" i="1" dirty="0"/>
-              <a:t>Econometrica</a:t>
-            </a:r>
-            <a:r>
-              <a:rPr lang="de-DE" sz="1400" dirty="0"/>
-              <a:t> 85(1), 233-298</a:t>
-            </a:r>
-          </a:p>
-          <a:p>
-            <a:r>
-              <a:rPr lang="de-DE" sz="1400" dirty="0"/>
-              <a:t>Belloni, A., Chernozhukov, V., and C. Hansen (2014). „Inference on Treatment Effects after Selection among High-Dimensional Controls“. </a:t>
-            </a:r>
-            <a:r>
-              <a:rPr lang="de-DE" sz="1400" i="1" dirty="0"/>
-              <a:t>Review of Economic Studies</a:t>
-            </a:r>
-            <a:r>
-              <a:rPr lang="de-DE" sz="1400" dirty="0"/>
-              <a:t> 81, 608-650</a:t>
-            </a:r>
-          </a:p>
-          <a:p>
-            <a:r>
-              <a:rPr lang="de-DE" sz="1400" dirty="0"/>
-              <a:t>Chernozhukov, V., Chetverikov, D., Demirer, M., Duflo, E., Hansen, C., Newey, W., and J. Robins (2018). „Double/Debiased Machine Learning </a:t>
-            </a:r>
-            <a:r>
-              <a:rPr lang="de-DE" sz="1400" dirty="0" err="1"/>
-              <a:t>for</a:t>
-            </a:r>
-            <a:r>
-              <a:rPr lang="de-DE" sz="1400" dirty="0"/>
-              <a:t> Treatment and Structural Parameters“. </a:t>
-            </a:r>
-            <a:r>
-              <a:rPr lang="de-DE" sz="1400" i="1" dirty="0"/>
-              <a:t>Econometrics Journal </a:t>
-            </a:r>
-            <a:r>
-              <a:rPr lang="de-DE" sz="1400" dirty="0"/>
-              <a:t>21, </a:t>
-            </a:r>
-            <a:r>
-              <a:rPr lang="de-DE" sz="1400" dirty="0" smtClean="0"/>
-              <a:t>1-68</a:t>
-            </a:r>
-            <a:endParaRPr lang="x-none" sz="1400" dirty="0" smtClean="0"/>
-          </a:p>
-          <a:p>
-            <a:r>
-              <a:rPr lang="de-DE" sz="1400" dirty="0" err="1"/>
-              <a:t>Wager</a:t>
-            </a:r>
-            <a:r>
-              <a:rPr lang="de-DE" sz="1400" dirty="0"/>
-              <a:t>, S., and S. </a:t>
-            </a:r>
-            <a:r>
-              <a:rPr lang="de-DE" sz="1400" dirty="0" err="1"/>
-              <a:t>Athey</a:t>
-            </a:r>
-            <a:r>
-              <a:rPr lang="de-DE" sz="1400" dirty="0"/>
-              <a:t> (2018). „</a:t>
-            </a:r>
-            <a:r>
-              <a:rPr lang="de-DE" sz="1400" dirty="0" err="1"/>
-              <a:t>Estimation</a:t>
-            </a:r>
-            <a:r>
-              <a:rPr lang="de-DE" sz="1400" dirty="0"/>
-              <a:t> and </a:t>
-            </a:r>
-            <a:r>
-              <a:rPr lang="de-DE" sz="1400" dirty="0" err="1"/>
-              <a:t>Inference</a:t>
-            </a:r>
-            <a:r>
-              <a:rPr lang="de-DE" sz="1400" dirty="0"/>
-              <a:t> of </a:t>
-            </a:r>
-            <a:r>
-              <a:rPr lang="de-DE" sz="1400" dirty="0" err="1"/>
-              <a:t>Heterogeneous</a:t>
-            </a:r>
-            <a:r>
-              <a:rPr lang="de-DE" sz="1400" dirty="0"/>
-              <a:t> Treatment </a:t>
-            </a:r>
-            <a:r>
-              <a:rPr lang="de-DE" sz="1400" dirty="0" err="1"/>
-              <a:t>Effects</a:t>
-            </a:r>
-            <a:r>
-              <a:rPr lang="de-DE" sz="1400" dirty="0"/>
-              <a:t> </a:t>
-            </a:r>
-            <a:r>
-              <a:rPr lang="de-DE" sz="1400" dirty="0" err="1"/>
-              <a:t>using</a:t>
-            </a:r>
-            <a:r>
-              <a:rPr lang="de-DE" sz="1400" dirty="0"/>
-              <a:t> Random </a:t>
-            </a:r>
-            <a:r>
-              <a:rPr lang="de-DE" sz="1400" dirty="0" err="1"/>
-              <a:t>Forests</a:t>
-            </a:r>
-            <a:r>
-              <a:rPr lang="de-DE" sz="1400" dirty="0"/>
-              <a:t>“. </a:t>
-            </a:r>
-            <a:r>
-              <a:rPr lang="de-DE" sz="1400" i="1" dirty="0"/>
-              <a:t>Journal </a:t>
-            </a:r>
-            <a:r>
-              <a:rPr lang="de-DE" sz="1400" i="1" dirty="0" err="1"/>
-              <a:t>of</a:t>
-            </a:r>
-            <a:r>
-              <a:rPr lang="de-DE" sz="1400" i="1" dirty="0"/>
-              <a:t> </a:t>
-            </a:r>
-            <a:r>
-              <a:rPr lang="de-DE" sz="1400" i="1" dirty="0" err="1"/>
-              <a:t>the</a:t>
-            </a:r>
-            <a:r>
-              <a:rPr lang="de-DE" sz="1400" i="1" dirty="0"/>
-              <a:t> American Statistical </a:t>
-            </a:r>
-            <a:r>
-              <a:rPr lang="de-DE" sz="1400" i="1" dirty="0" err="1"/>
-              <a:t>Association</a:t>
-            </a:r>
-            <a:r>
-              <a:rPr lang="de-DE" sz="1400" dirty="0"/>
-              <a:t>, 1-15</a:t>
-            </a:r>
-          </a:p>
-          <a:p>
-            <a:pPr marL="0" indent="0">
-              <a:buNone/>
-            </a:pPr>
-            <a:endParaRPr lang="de-DE" sz="1400" dirty="0"/>
-          </a:p>
-        </p:txBody>
-      </p:sp>
-      <p:sp>
-        <p:nvSpPr>
-          <p:cNvPr id="4" name="Date Placeholder 3"/>
-          <p:cNvSpPr>
-            <a:spLocks noGrp="1"/>
-          </p:cNvSpPr>
-          <p:nvPr>
-            <p:ph type="dt" sz="half" idx="4294967295"/>
-          </p:nvPr>
-        </p:nvSpPr>
-        <p:spPr>
-          <a:xfrm>
-            <a:off x="683568" y="6386400"/>
-            <a:ext cx="2133600" cy="180000"/>
-          </a:xfrm>
-          <a:prstGeom prst="rect">
-            <a:avLst/>
-          </a:prstGeom>
-        </p:spPr>
-        <p:txBody>
-          <a:bodyPr/>
-          <a:lstStyle/>
-          <a:p>
-            <a:r>
-              <a:rPr lang="de-DE" smtClean="0"/>
-              <a:t>06.12.2018</a:t>
-            </a:r>
-            <a:endParaRPr lang="de-DE" dirty="0"/>
-          </a:p>
-        </p:txBody>
-      </p:sp>
-      <p:sp>
-        <p:nvSpPr>
-          <p:cNvPr id="5" name="Footer Placeholder 4"/>
-          <p:cNvSpPr>
-            <a:spLocks noGrp="1"/>
-          </p:cNvSpPr>
-          <p:nvPr>
-            <p:ph type="ftr" sz="quarter" idx="4294967295"/>
-          </p:nvPr>
-        </p:nvSpPr>
-        <p:spPr>
-          <a:xfrm>
-            <a:off x="684000" y="6134400"/>
-            <a:ext cx="2895600" cy="180000"/>
-          </a:xfrm>
-          <a:prstGeom prst="rect">
-            <a:avLst/>
-          </a:prstGeom>
-        </p:spPr>
-        <p:txBody>
-          <a:bodyPr/>
-          <a:lstStyle/>
-          <a:p>
-            <a:r>
-              <a:rPr lang="de-DE" smtClean="0"/>
-              <a:t>Pavel Lesnevski</a:t>
-            </a:r>
-            <a:endParaRPr lang="de-DE" dirty="0"/>
-          </a:p>
-        </p:txBody>
-      </p:sp>
-      <p:sp>
-        <p:nvSpPr>
-          <p:cNvPr id="6" name="Slide Number Placeholder 5"/>
-          <p:cNvSpPr>
-            <a:spLocks noGrp="1"/>
-          </p:cNvSpPr>
-          <p:nvPr>
-            <p:ph type="sldNum" sz="quarter" idx="12"/>
-          </p:nvPr>
-        </p:nvSpPr>
-        <p:spPr/>
-        <p:txBody>
-          <a:bodyPr/>
-          <a:lstStyle/>
-          <a:p>
-            <a:fld id="{FC0CC166-4E39-43B8-AB91-BDD1C4C9E224}" type="slidenum">
-              <a:rPr lang="de-DE" smtClean="0"/>
-              <a:t>23</a:t>
-            </a:fld>
-            <a:endParaRPr lang="de-DE"/>
-          </a:p>
-        </p:txBody>
-      </p:sp>
-    </p:spTree>
-    <p:extLst>
-      <p:ext uri="{BB962C8B-B14F-4D97-AF65-F5344CB8AC3E}">
-        <p14:creationId xmlns:p14="http://schemas.microsoft.com/office/powerpoint/2010/main" val="2197955917"/>
-      </p:ext>
-    </p:extLst>
-  </p:cSld>
-  <p:clrMapOvr>
-    <a:masterClrMapping/>
-  </p:clrMapOvr>
-  <p:timing>
-    <p:tnLst>
-      <p:par>
-        <p:cTn id="1" dur="indefinite" restart="never" nodeType="tmRoot"/>
-      </p:par>
-    </p:tnLst>
-  </p:timing>
-</p:sld>
-</file>
-
-<file path=ppt/slides/slide24.xml><?xml version="1.0" encoding="utf-8"?>
-<p:sld xmlns:a="http://schemas.openxmlformats.org/drawingml/2006/main" xmlns:r="http://schemas.openxmlformats.org/officeDocument/2006/relationships" xmlns:p="http://schemas.openxmlformats.org/presentationml/2006/main">
-  <p:cSld>
-    <p:spTree>
-      <p:nvGrpSpPr>
-        <p:cNvPr id="1" name=""/>
-        <p:cNvGrpSpPr/>
-        <p:nvPr/>
-      </p:nvGrpSpPr>
-      <p:grpSpPr>
-        <a:xfrm>
-          <a:off x="0" y="0"/>
-          <a:ext cx="0" cy="0"/>
-          <a:chOff x="0" y="0"/>
-          <a:chExt cx="0" cy="0"/>
-        </a:xfrm>
-      </p:grpSpPr>
-      <p:sp>
-        <p:nvSpPr>
-          <p:cNvPr id="2" name="Title 1"/>
-          <p:cNvSpPr>
-            <a:spLocks noGrp="1"/>
-          </p:cNvSpPr>
-          <p:nvPr>
-            <p:ph type="title"/>
-          </p:nvPr>
-        </p:nvSpPr>
-        <p:spPr/>
-        <p:txBody>
-          <a:bodyPr/>
-          <a:lstStyle/>
-          <a:p>
-            <a:r>
-              <a:rPr lang="en-US" dirty="0" smtClean="0"/>
-              <a:t>ML Methods in Finance</a:t>
-            </a:r>
-            <a:endParaRPr lang="en-US" dirty="0"/>
-          </a:p>
-        </p:txBody>
-      </p:sp>
-      <p:sp>
-        <p:nvSpPr>
-          <p:cNvPr id="3" name="Content Placeholder 2"/>
-          <p:cNvSpPr>
-            <a:spLocks noGrp="1"/>
-          </p:cNvSpPr>
-          <p:nvPr>
-            <p:ph idx="1"/>
-          </p:nvPr>
-        </p:nvSpPr>
-        <p:spPr>
-          <a:xfrm>
-            <a:off x="684000" y="1556792"/>
-            <a:ext cx="7776000" cy="3834000"/>
-          </a:xfrm>
-        </p:spPr>
-        <p:txBody>
-          <a:bodyPr/>
-          <a:lstStyle/>
-          <a:p>
-            <a:pPr lvl="1"/>
-            <a:r>
-              <a:rPr lang="en-US" sz="1400" dirty="0" err="1" smtClean="0"/>
-              <a:t>Chinco</a:t>
-            </a:r>
-            <a:r>
-              <a:rPr lang="en-US" sz="1400" dirty="0"/>
-              <a:t>, A., Clark-Joseph, A. D., and M. </a:t>
-            </a:r>
-            <a:r>
-              <a:rPr lang="en-US" sz="1400" dirty="0" err="1" smtClean="0"/>
-              <a:t>Ye.„Sparse</a:t>
-            </a:r>
-            <a:r>
-              <a:rPr lang="en-US" sz="1400" dirty="0" smtClean="0"/>
-              <a:t> </a:t>
-            </a:r>
-            <a:r>
-              <a:rPr lang="en-US" sz="1400" dirty="0"/>
-              <a:t>Signals in the Cross-Section of Returns“. </a:t>
-            </a:r>
-            <a:r>
-              <a:rPr lang="en-US" sz="1400" i="1" dirty="0"/>
-              <a:t>Journal of Finance</a:t>
-            </a:r>
-            <a:r>
-              <a:rPr lang="en-US" sz="1400" dirty="0"/>
-              <a:t> (forthcoming</a:t>
-            </a:r>
-            <a:r>
-              <a:rPr lang="en-US" sz="1400" dirty="0" smtClean="0"/>
-              <a:t>)</a:t>
-            </a:r>
-          </a:p>
-          <a:p>
-            <a:pPr lvl="1"/>
-            <a:r>
-              <a:rPr lang="en-US" sz="1400" dirty="0" err="1"/>
-              <a:t>Freyberger</a:t>
-            </a:r>
-            <a:r>
-              <a:rPr lang="en-US" sz="1400" dirty="0"/>
-              <a:t>, Joachim, Andreas </a:t>
-            </a:r>
-            <a:r>
-              <a:rPr lang="en-US" sz="1400" dirty="0" err="1"/>
-              <a:t>Neuhierl</a:t>
-            </a:r>
-            <a:r>
-              <a:rPr lang="en-US" sz="1400" dirty="0"/>
-              <a:t>, and Michael Weber, 2017, Dissecting Characteristics </a:t>
-            </a:r>
-            <a:r>
-              <a:rPr lang="en-US" sz="1400" dirty="0" err="1"/>
-              <a:t>Nonparametrically</a:t>
-            </a:r>
-            <a:r>
-              <a:rPr lang="en-US" sz="1400" dirty="0"/>
-              <a:t>. (R&amp;R Review of Financial Studies)</a:t>
-            </a:r>
-            <a:endParaRPr lang="en-US" sz="1400" dirty="0" smtClean="0"/>
-          </a:p>
-          <a:p>
-            <a:pPr lvl="1"/>
-            <a:r>
-              <a:rPr lang="en-US" sz="1400" dirty="0"/>
-              <a:t>Moritz, Benjamin, and Tom Zimmermann, 2016, Tree-Based Conditional Portfolio Sorts: The Relation between Past and Future Stock Returns, </a:t>
-            </a:r>
-            <a:r>
-              <a:rPr lang="en-US" sz="1400" i="1" dirty="0" err="1"/>
-              <a:t>Ssrn</a:t>
-            </a:r>
-            <a:r>
-              <a:rPr lang="en-US" sz="1400" dirty="0"/>
-              <a:t>.(R&amp;R Review of Financial Studies</a:t>
-            </a:r>
-            <a:r>
-              <a:rPr lang="en-US" sz="1400" dirty="0" smtClean="0"/>
-              <a:t>)</a:t>
-            </a:r>
-            <a:endParaRPr lang="en-US" sz="1400" dirty="0"/>
-          </a:p>
-          <a:p>
-            <a:pPr lvl="1"/>
-            <a:r>
-              <a:rPr lang="en-US" sz="1400" dirty="0" smtClean="0"/>
-              <a:t>Feng</a:t>
-            </a:r>
-            <a:r>
-              <a:rPr lang="en-US" sz="1400" dirty="0"/>
-              <a:t>, </a:t>
-            </a:r>
-            <a:r>
-              <a:rPr lang="en-US" sz="1400" dirty="0" err="1"/>
-              <a:t>Guanhao</a:t>
-            </a:r>
-            <a:r>
-              <a:rPr lang="en-US" sz="1400" dirty="0"/>
-              <a:t>, and Stefano </a:t>
-            </a:r>
-            <a:r>
-              <a:rPr lang="en-US" sz="1400" dirty="0" err="1"/>
-              <a:t>Giglio</a:t>
-            </a:r>
-            <a:r>
-              <a:rPr lang="en-US" sz="1400" dirty="0"/>
-              <a:t>, 2017, Taming the Factor Zoo, </a:t>
-            </a:r>
-            <a:r>
-              <a:rPr lang="en-US" sz="1400" i="1" dirty="0"/>
-              <a:t>SSRN Electronic Journal</a:t>
-            </a:r>
-            <a:r>
-              <a:rPr lang="en-US" sz="1400" dirty="0"/>
-              <a:t>, 1–69. (Under Revision)</a:t>
-            </a:r>
-          </a:p>
-          <a:p>
-            <a:pPr lvl="1"/>
-            <a:r>
-              <a:rPr lang="en-US" sz="1400" dirty="0" err="1" smtClean="0"/>
-              <a:t>Brogaard</a:t>
-            </a:r>
-            <a:r>
-              <a:rPr lang="en-US" sz="1400" dirty="0"/>
-              <a:t>, Jonathan, and </a:t>
-            </a:r>
-            <a:r>
-              <a:rPr lang="en-US" sz="1400" dirty="0" err="1"/>
-              <a:t>Abalfazl</a:t>
-            </a:r>
-            <a:r>
-              <a:rPr lang="en-US" sz="1400" dirty="0"/>
-              <a:t> </a:t>
-            </a:r>
-            <a:r>
-              <a:rPr lang="en-US" sz="1400" dirty="0" err="1"/>
-              <a:t>Zareei</a:t>
-            </a:r>
-            <a:r>
-              <a:rPr lang="en-US" sz="1400" dirty="0"/>
-              <a:t>, 2018, Machine Learning and the Stock Market, </a:t>
-            </a:r>
-            <a:r>
-              <a:rPr lang="en-US" sz="1400" i="1" dirty="0"/>
-              <a:t>SSRN Electronic Journal</a:t>
-            </a:r>
-            <a:r>
-              <a:rPr lang="en-US" sz="1400" dirty="0"/>
-              <a:t>, 1–57. </a:t>
-            </a:r>
-          </a:p>
-          <a:p>
-            <a:pPr lvl="1"/>
-            <a:r>
-              <a:rPr lang="en-US" sz="1400" dirty="0" err="1"/>
-              <a:t>Chinco</a:t>
-            </a:r>
-            <a:r>
-              <a:rPr lang="en-US" sz="1400" dirty="0"/>
-              <a:t>, Alex, Andreas </a:t>
-            </a:r>
-            <a:r>
-              <a:rPr lang="en-US" sz="1400" dirty="0" err="1"/>
-              <a:t>Neuhierl</a:t>
-            </a:r>
-            <a:r>
-              <a:rPr lang="en-US" sz="1400" dirty="0"/>
-              <a:t>, and Michael Weber, 2018, Estimating the Anomaly </a:t>
-            </a:r>
-            <a:r>
-              <a:rPr lang="en-US" sz="1400" dirty="0" err="1"/>
-              <a:t>Baserate</a:t>
-            </a:r>
-            <a:r>
-              <a:rPr lang="en-US" sz="1400" dirty="0"/>
-              <a:t>, , 1–30.</a:t>
-            </a:r>
-          </a:p>
-          <a:p>
-            <a:pPr lvl="1"/>
-            <a:r>
-              <a:rPr lang="en-US" sz="1400" dirty="0" err="1"/>
-              <a:t>Gu</a:t>
-            </a:r>
-            <a:r>
-              <a:rPr lang="en-US" sz="1400" dirty="0"/>
-              <a:t>, </a:t>
-            </a:r>
-            <a:r>
-              <a:rPr lang="en-US" sz="1400" dirty="0" err="1"/>
-              <a:t>Shihao</a:t>
-            </a:r>
-            <a:r>
-              <a:rPr lang="en-US" sz="1400" dirty="0"/>
-              <a:t>, Bryan T. Kelly, and </a:t>
-            </a:r>
-            <a:r>
-              <a:rPr lang="en-US" sz="1400" dirty="0" err="1"/>
-              <a:t>Dacheng</a:t>
-            </a:r>
-            <a:r>
-              <a:rPr lang="en-US" sz="1400" dirty="0"/>
-              <a:t> </a:t>
-            </a:r>
-            <a:r>
-              <a:rPr lang="en-US" sz="1400" dirty="0" err="1"/>
-              <a:t>Xiu</a:t>
-            </a:r>
-            <a:r>
-              <a:rPr lang="en-US" sz="1400" dirty="0"/>
-              <a:t>, 2018, Empirical Asset Pricing via Machine Learning, </a:t>
-            </a:r>
-            <a:r>
-              <a:rPr lang="en-US" sz="1400" i="1" dirty="0" err="1"/>
-              <a:t>Ssrn</a:t>
-            </a:r>
-            <a:r>
-              <a:rPr lang="en-US" sz="1400" dirty="0"/>
-              <a:t>. </a:t>
-            </a:r>
-          </a:p>
-          <a:p>
-            <a:pPr lvl="1"/>
-            <a:r>
-              <a:rPr lang="en-US" sz="1400" dirty="0" err="1"/>
-              <a:t>Kozak</a:t>
-            </a:r>
-            <a:r>
-              <a:rPr lang="en-US" sz="1400" dirty="0"/>
-              <a:t>, </a:t>
-            </a:r>
-            <a:r>
-              <a:rPr lang="en-US" sz="1400" dirty="0" err="1"/>
-              <a:t>Serhiy</a:t>
-            </a:r>
-            <a:r>
-              <a:rPr lang="en-US" sz="1400" dirty="0"/>
-              <a:t>, Stefan Nagel, and </a:t>
-            </a:r>
-            <a:r>
-              <a:rPr lang="en-US" sz="1400" dirty="0" err="1"/>
-              <a:t>Shrihari</a:t>
-            </a:r>
-            <a:r>
-              <a:rPr lang="en-US" sz="1400" dirty="0"/>
-              <a:t> Santosh, 2017, Shrinking the Cross Section, </a:t>
-            </a:r>
-            <a:r>
-              <a:rPr lang="en-US" sz="1400" i="1" dirty="0" err="1"/>
-              <a:t>Ssrn</a:t>
-            </a:r>
-            <a:r>
-              <a:rPr lang="en-US" sz="1400" dirty="0"/>
-              <a:t>, 1–69</a:t>
-            </a:r>
-            <a:r>
-              <a:rPr lang="en-US" sz="1400" dirty="0" smtClean="0"/>
-              <a:t>.</a:t>
-            </a:r>
-          </a:p>
-          <a:p>
-            <a:pPr lvl="1"/>
-            <a:r>
-              <a:rPr lang="en-US" sz="1400" dirty="0"/>
-              <a:t>Han, </a:t>
-            </a:r>
-            <a:r>
-              <a:rPr lang="en-US" sz="1400" dirty="0" err="1"/>
-              <a:t>Yufeng</a:t>
-            </a:r>
-            <a:r>
-              <a:rPr lang="en-US" sz="1400" dirty="0"/>
-              <a:t>, Ai He, David E </a:t>
-            </a:r>
-            <a:r>
-              <a:rPr lang="en-US" sz="1400" dirty="0" err="1"/>
-              <a:t>Rapach</a:t>
-            </a:r>
-            <a:r>
-              <a:rPr lang="en-US" sz="1400" dirty="0"/>
-              <a:t>, and </a:t>
-            </a:r>
-            <a:r>
-              <a:rPr lang="en-US" sz="1400" dirty="0" err="1"/>
-              <a:t>Guofu</a:t>
-            </a:r>
-            <a:r>
-              <a:rPr lang="en-US" sz="1400" dirty="0"/>
-              <a:t> Zhou, 2018, What Firm Characteristics Drive US Stock Returns?, </a:t>
-            </a:r>
-            <a:r>
-              <a:rPr lang="en-US" sz="1400" i="1" dirty="0"/>
-              <a:t>Baruch </a:t>
-            </a:r>
-            <a:r>
-              <a:rPr lang="en-US" sz="1400" i="1" dirty="0" smtClean="0"/>
-              <a:t>CUNY</a:t>
-            </a:r>
-            <a:r>
-              <a:rPr lang="en-US" sz="1400" dirty="0" smtClean="0"/>
-              <a:t>.</a:t>
-            </a:r>
-          </a:p>
-        </p:txBody>
-      </p:sp>
-      <p:sp>
-        <p:nvSpPr>
-          <p:cNvPr id="4" name="Date Placeholder 3"/>
-          <p:cNvSpPr>
-            <a:spLocks noGrp="1"/>
-          </p:cNvSpPr>
-          <p:nvPr>
-            <p:ph type="dt" sz="half" idx="4294967295"/>
-          </p:nvPr>
-        </p:nvSpPr>
-        <p:spPr>
-          <a:xfrm>
-            <a:off x="683568" y="6386400"/>
-            <a:ext cx="2133600" cy="180000"/>
-          </a:xfrm>
-          <a:prstGeom prst="rect">
-            <a:avLst/>
-          </a:prstGeom>
-        </p:spPr>
-        <p:txBody>
-          <a:bodyPr/>
-          <a:lstStyle/>
-          <a:p>
-            <a:r>
-              <a:rPr lang="de-DE" dirty="0" smtClean="0"/>
-              <a:t>06.12.2018</a:t>
-            </a:r>
-            <a:endParaRPr lang="de-DE" dirty="0"/>
-          </a:p>
-        </p:txBody>
-      </p:sp>
-      <p:sp>
-        <p:nvSpPr>
-          <p:cNvPr id="5" name="Footer Placeholder 4"/>
-          <p:cNvSpPr>
-            <a:spLocks noGrp="1"/>
-          </p:cNvSpPr>
-          <p:nvPr>
-            <p:ph type="ftr" sz="quarter" idx="4294967295"/>
-          </p:nvPr>
-        </p:nvSpPr>
-        <p:spPr>
-          <a:xfrm>
-            <a:off x="684000" y="6134400"/>
-            <a:ext cx="2895600" cy="180000"/>
-          </a:xfrm>
-          <a:prstGeom prst="rect">
-            <a:avLst/>
-          </a:prstGeom>
-        </p:spPr>
-        <p:txBody>
-          <a:bodyPr/>
-          <a:lstStyle/>
-          <a:p>
-            <a:r>
-              <a:rPr lang="de-DE" dirty="0" smtClean="0"/>
-              <a:t>Pavel Lesnevski</a:t>
-            </a:r>
-            <a:endParaRPr lang="de-DE" dirty="0"/>
-          </a:p>
-        </p:txBody>
-      </p:sp>
-      <p:sp>
-        <p:nvSpPr>
-          <p:cNvPr id="6" name="Slide Number Placeholder 5"/>
-          <p:cNvSpPr>
-            <a:spLocks noGrp="1"/>
-          </p:cNvSpPr>
-          <p:nvPr>
-            <p:ph type="sldNum" sz="quarter" idx="12"/>
-          </p:nvPr>
-        </p:nvSpPr>
-        <p:spPr/>
-        <p:txBody>
-          <a:bodyPr/>
-          <a:lstStyle/>
-          <a:p>
-            <a:fld id="{FC0CC166-4E39-43B8-AB91-BDD1C4C9E224}" type="slidenum">
-              <a:rPr lang="de-DE" smtClean="0"/>
-              <a:t>24</a:t>
-            </a:fld>
-            <a:endParaRPr lang="de-DE"/>
-          </a:p>
-        </p:txBody>
-      </p:sp>
-    </p:spTree>
-    <p:extLst>
-      <p:ext uri="{BB962C8B-B14F-4D97-AF65-F5344CB8AC3E}">
-        <p14:creationId xmlns:p14="http://schemas.microsoft.com/office/powerpoint/2010/main" val="411557258"/>
       </p:ext>
     </p:extLst>
   </p:cSld>
@@ -10999,6 +11601,799 @@
             <p:ph type="title"/>
           </p:nvPr>
         </p:nvSpPr>
+        <p:spPr/>
+        <p:txBody>
+          <a:bodyPr/>
+          <a:lstStyle/>
+          <a:p>
+            <a:r>
+              <a:rPr lang="en-US" dirty="0" smtClean="0"/>
+              <a:t>ML Methods for Explanatory Modeling (Inference)</a:t>
+            </a:r>
+            <a:endParaRPr lang="en-US" dirty="0"/>
+          </a:p>
+        </p:txBody>
+      </p:sp>
+      <p:sp>
+        <p:nvSpPr>
+          <p:cNvPr id="3" name="Content Placeholder 2"/>
+          <p:cNvSpPr>
+            <a:spLocks noGrp="1"/>
+          </p:cNvSpPr>
+          <p:nvPr>
+            <p:ph idx="1"/>
+          </p:nvPr>
+        </p:nvSpPr>
+        <p:spPr/>
+        <p:txBody>
+          <a:bodyPr/>
+          <a:lstStyle/>
+          <a:p>
+            <a:r>
+              <a:rPr lang="de-DE" sz="1400" dirty="0"/>
+              <a:t>Belloni, A., Chen, D., Chernozhukov, V., and C. Hansen (2012). „Sparse Models and Methods for Optimal Instruments with Application to Eminent Domain“. </a:t>
+            </a:r>
+            <a:r>
+              <a:rPr lang="de-DE" sz="1400" i="1" dirty="0"/>
+              <a:t>Econometrica </a:t>
+            </a:r>
+            <a:r>
+              <a:rPr lang="de-DE" sz="1400" dirty="0"/>
+              <a:t>80(6), 2269-2429</a:t>
+            </a:r>
+          </a:p>
+          <a:p>
+            <a:r>
+              <a:rPr lang="de-DE" sz="1400" dirty="0"/>
+              <a:t>Belloni, A., Chernozhukov, V., Fernandez-Val, I., and C. Hansen (2017). „Program Evaluation and Causal Inference with High-Dimensional Data“. </a:t>
+            </a:r>
+            <a:r>
+              <a:rPr lang="de-DE" sz="1400" i="1" dirty="0"/>
+              <a:t>Econometrica</a:t>
+            </a:r>
+            <a:r>
+              <a:rPr lang="de-DE" sz="1400" dirty="0"/>
+              <a:t> 85(1), 233-298</a:t>
+            </a:r>
+          </a:p>
+          <a:p>
+            <a:r>
+              <a:rPr lang="de-DE" sz="1400" dirty="0"/>
+              <a:t>Belloni, A., Chernozhukov, V., and C. Hansen (2014). „Inference on Treatment Effects after Selection among High-Dimensional Controls“. </a:t>
+            </a:r>
+            <a:r>
+              <a:rPr lang="de-DE" sz="1400" i="1" dirty="0"/>
+              <a:t>Review of Economic Studies</a:t>
+            </a:r>
+            <a:r>
+              <a:rPr lang="de-DE" sz="1400" dirty="0"/>
+              <a:t> 81, 608-650</a:t>
+            </a:r>
+          </a:p>
+          <a:p>
+            <a:r>
+              <a:rPr lang="de-DE" sz="1400" dirty="0"/>
+              <a:t>Chernozhukov, V., Chetverikov, D., Demirer, M., Duflo, E., Hansen, C., Newey, W., and J. Robins (2018). „Double/Debiased Machine Learning for Treatment and Structural Parameters“. </a:t>
+            </a:r>
+            <a:r>
+              <a:rPr lang="de-DE" sz="1400" i="1" dirty="0"/>
+              <a:t>Econometrics Journal </a:t>
+            </a:r>
+            <a:r>
+              <a:rPr lang="de-DE" sz="1400" dirty="0"/>
+              <a:t>21, </a:t>
+            </a:r>
+            <a:r>
+              <a:rPr lang="de-DE" sz="1400" dirty="0" smtClean="0"/>
+              <a:t>1-68</a:t>
+            </a:r>
+            <a:endParaRPr lang="x-none" sz="1400" dirty="0" smtClean="0"/>
+          </a:p>
+          <a:p>
+            <a:r>
+              <a:rPr lang="de-DE" sz="1400" dirty="0" err="1"/>
+              <a:t>Wager</a:t>
+            </a:r>
+            <a:r>
+              <a:rPr lang="de-DE" sz="1400" dirty="0"/>
+              <a:t>, S., and S. </a:t>
+            </a:r>
+            <a:r>
+              <a:rPr lang="de-DE" sz="1400" dirty="0" err="1"/>
+              <a:t>Athey</a:t>
+            </a:r>
+            <a:r>
+              <a:rPr lang="de-DE" sz="1400" dirty="0"/>
+              <a:t> (2018). „</a:t>
+            </a:r>
+            <a:r>
+              <a:rPr lang="de-DE" sz="1400" dirty="0" err="1"/>
+              <a:t>Estimation</a:t>
+            </a:r>
+            <a:r>
+              <a:rPr lang="de-DE" sz="1400" dirty="0"/>
+              <a:t> and </a:t>
+            </a:r>
+            <a:r>
+              <a:rPr lang="de-DE" sz="1400" dirty="0" err="1"/>
+              <a:t>Inference</a:t>
+            </a:r>
+            <a:r>
+              <a:rPr lang="de-DE" sz="1400" dirty="0"/>
+              <a:t> of </a:t>
+            </a:r>
+            <a:r>
+              <a:rPr lang="de-DE" sz="1400" dirty="0" err="1"/>
+              <a:t>Heterogeneous</a:t>
+            </a:r>
+            <a:r>
+              <a:rPr lang="de-DE" sz="1400" dirty="0"/>
+              <a:t> Treatment </a:t>
+            </a:r>
+            <a:r>
+              <a:rPr lang="de-DE" sz="1400" dirty="0" err="1"/>
+              <a:t>Effects</a:t>
+            </a:r>
+            <a:r>
+              <a:rPr lang="de-DE" sz="1400" dirty="0"/>
+              <a:t> </a:t>
+            </a:r>
+            <a:r>
+              <a:rPr lang="de-DE" sz="1400" dirty="0" err="1"/>
+              <a:t>using</a:t>
+            </a:r>
+            <a:r>
+              <a:rPr lang="de-DE" sz="1400" dirty="0"/>
+              <a:t> Random </a:t>
+            </a:r>
+            <a:r>
+              <a:rPr lang="de-DE" sz="1400" dirty="0" err="1"/>
+              <a:t>Forests</a:t>
+            </a:r>
+            <a:r>
+              <a:rPr lang="de-DE" sz="1400" dirty="0"/>
+              <a:t>“. </a:t>
+            </a:r>
+            <a:r>
+              <a:rPr lang="de-DE" sz="1400" i="1" dirty="0"/>
+              <a:t>Journal </a:t>
+            </a:r>
+            <a:r>
+              <a:rPr lang="de-DE" sz="1400" i="1" dirty="0" err="1"/>
+              <a:t>of</a:t>
+            </a:r>
+            <a:r>
+              <a:rPr lang="de-DE" sz="1400" i="1" dirty="0"/>
+              <a:t> </a:t>
+            </a:r>
+            <a:r>
+              <a:rPr lang="de-DE" sz="1400" i="1" dirty="0" err="1"/>
+              <a:t>the</a:t>
+            </a:r>
+            <a:r>
+              <a:rPr lang="de-DE" sz="1400" i="1" dirty="0"/>
+              <a:t> American Statistical </a:t>
+            </a:r>
+            <a:r>
+              <a:rPr lang="de-DE" sz="1400" i="1" dirty="0" err="1"/>
+              <a:t>Association</a:t>
+            </a:r>
+            <a:r>
+              <a:rPr lang="de-DE" sz="1400" dirty="0"/>
+              <a:t>, 1-15</a:t>
+            </a:r>
+          </a:p>
+          <a:p>
+            <a:pPr marL="0" indent="0">
+              <a:buNone/>
+            </a:pPr>
+            <a:endParaRPr lang="de-DE" sz="1400" dirty="0"/>
+          </a:p>
+        </p:txBody>
+      </p:sp>
+      <p:sp>
+        <p:nvSpPr>
+          <p:cNvPr id="4" name="Date Placeholder 3"/>
+          <p:cNvSpPr>
+            <a:spLocks noGrp="1"/>
+          </p:cNvSpPr>
+          <p:nvPr>
+            <p:ph type="dt" sz="half" idx="4294967295"/>
+          </p:nvPr>
+        </p:nvSpPr>
+        <p:spPr>
+          <a:xfrm>
+            <a:off x="683568" y="6386400"/>
+            <a:ext cx="2133600" cy="180000"/>
+          </a:xfrm>
+          <a:prstGeom prst="rect">
+            <a:avLst/>
+          </a:prstGeom>
+        </p:spPr>
+        <p:txBody>
+          <a:bodyPr/>
+          <a:lstStyle/>
+          <a:p>
+            <a:r>
+              <a:rPr lang="de-DE" smtClean="0"/>
+              <a:t>06.12.2018</a:t>
+            </a:r>
+            <a:endParaRPr lang="de-DE" dirty="0"/>
+          </a:p>
+        </p:txBody>
+      </p:sp>
+      <p:sp>
+        <p:nvSpPr>
+          <p:cNvPr id="5" name="Footer Placeholder 4"/>
+          <p:cNvSpPr>
+            <a:spLocks noGrp="1"/>
+          </p:cNvSpPr>
+          <p:nvPr>
+            <p:ph type="ftr" sz="quarter" idx="4294967295"/>
+          </p:nvPr>
+        </p:nvSpPr>
+        <p:spPr>
+          <a:xfrm>
+            <a:off x="684000" y="6134400"/>
+            <a:ext cx="2895600" cy="180000"/>
+          </a:xfrm>
+          <a:prstGeom prst="rect">
+            <a:avLst/>
+          </a:prstGeom>
+        </p:spPr>
+        <p:txBody>
+          <a:bodyPr/>
+          <a:lstStyle/>
+          <a:p>
+            <a:r>
+              <a:rPr lang="de-DE" smtClean="0"/>
+              <a:t>Pavel Lesnevski</a:t>
+            </a:r>
+            <a:endParaRPr lang="de-DE" dirty="0"/>
+          </a:p>
+        </p:txBody>
+      </p:sp>
+      <p:sp>
+        <p:nvSpPr>
+          <p:cNvPr id="6" name="Slide Number Placeholder 5"/>
+          <p:cNvSpPr>
+            <a:spLocks noGrp="1"/>
+          </p:cNvSpPr>
+          <p:nvPr>
+            <p:ph type="sldNum" sz="quarter" idx="12"/>
+          </p:nvPr>
+        </p:nvSpPr>
+        <p:spPr/>
+        <p:txBody>
+          <a:bodyPr/>
+          <a:lstStyle/>
+          <a:p>
+            <a:fld id="{FC0CC166-4E39-43B8-AB91-BDD1C4C9E224}" type="slidenum">
+              <a:rPr lang="de-DE" smtClean="0"/>
+              <a:t>25</a:t>
+            </a:fld>
+            <a:endParaRPr lang="de-DE"/>
+          </a:p>
+        </p:txBody>
+      </p:sp>
+    </p:spTree>
+    <p:extLst>
+      <p:ext uri="{BB962C8B-B14F-4D97-AF65-F5344CB8AC3E}">
+        <p14:creationId xmlns:p14="http://schemas.microsoft.com/office/powerpoint/2010/main" val="2197955917"/>
+      </p:ext>
+    </p:extLst>
+  </p:cSld>
+  <p:clrMapOvr>
+    <a:masterClrMapping/>
+  </p:clrMapOvr>
+  <p:timing>
+    <p:tnLst>
+      <p:par>
+        <p:cTn id="1" dur="indefinite" restart="never" nodeType="tmRoot"/>
+      </p:par>
+    </p:tnLst>
+  </p:timing>
+</p:sld>
+</file>
+
+<file path=ppt/slides/slide26.xml><?xml version="1.0" encoding="utf-8"?>
+<p:sld xmlns:a="http://schemas.openxmlformats.org/drawingml/2006/main" xmlns:r="http://schemas.openxmlformats.org/officeDocument/2006/relationships" xmlns:p="http://schemas.openxmlformats.org/presentationml/2006/main">
+  <p:cSld>
+    <p:spTree>
+      <p:nvGrpSpPr>
+        <p:cNvPr id="1" name=""/>
+        <p:cNvGrpSpPr/>
+        <p:nvPr/>
+      </p:nvGrpSpPr>
+      <p:grpSpPr>
+        <a:xfrm>
+          <a:off x="0" y="0"/>
+          <a:ext cx="0" cy="0"/>
+          <a:chOff x="0" y="0"/>
+          <a:chExt cx="0" cy="0"/>
+        </a:xfrm>
+      </p:grpSpPr>
+      <p:sp>
+        <p:nvSpPr>
+          <p:cNvPr id="2" name="Title 1"/>
+          <p:cNvSpPr>
+            <a:spLocks noGrp="1"/>
+          </p:cNvSpPr>
+          <p:nvPr>
+            <p:ph type="title"/>
+          </p:nvPr>
+        </p:nvSpPr>
+        <p:spPr/>
+        <p:txBody>
+          <a:bodyPr/>
+          <a:lstStyle/>
+          <a:p>
+            <a:r>
+              <a:rPr lang="en-US" dirty="0" smtClean="0"/>
+              <a:t>ML Methods in Finance</a:t>
+            </a:r>
+            <a:endParaRPr lang="en-US" dirty="0"/>
+          </a:p>
+        </p:txBody>
+      </p:sp>
+      <p:sp>
+        <p:nvSpPr>
+          <p:cNvPr id="3" name="Content Placeholder 2"/>
+          <p:cNvSpPr>
+            <a:spLocks noGrp="1"/>
+          </p:cNvSpPr>
+          <p:nvPr>
+            <p:ph idx="1"/>
+          </p:nvPr>
+        </p:nvSpPr>
+        <p:spPr>
+          <a:xfrm>
+            <a:off x="684000" y="1556792"/>
+            <a:ext cx="7776000" cy="3834000"/>
+          </a:xfrm>
+        </p:spPr>
+        <p:txBody>
+          <a:bodyPr/>
+          <a:lstStyle/>
+          <a:p>
+            <a:pPr lvl="1"/>
+            <a:r>
+              <a:rPr lang="en-US" sz="1400" dirty="0" err="1" smtClean="0"/>
+              <a:t>Chinco</a:t>
+            </a:r>
+            <a:r>
+              <a:rPr lang="en-US" sz="1400" dirty="0"/>
+              <a:t>, A., Clark-Joseph, A. D., and M. </a:t>
+            </a:r>
+            <a:r>
+              <a:rPr lang="en-US" sz="1400" dirty="0" err="1" smtClean="0"/>
+              <a:t>Ye.„Sparse</a:t>
+            </a:r>
+            <a:r>
+              <a:rPr lang="en-US" sz="1400" dirty="0" smtClean="0"/>
+              <a:t> </a:t>
+            </a:r>
+            <a:r>
+              <a:rPr lang="en-US" sz="1400" dirty="0"/>
+              <a:t>Signals in the Cross-Section of Returns“. </a:t>
+            </a:r>
+            <a:r>
+              <a:rPr lang="en-US" sz="1400" i="1" dirty="0"/>
+              <a:t>Journal of Finance</a:t>
+            </a:r>
+            <a:r>
+              <a:rPr lang="en-US" sz="1400" dirty="0"/>
+              <a:t> (forthcoming</a:t>
+            </a:r>
+            <a:r>
+              <a:rPr lang="en-US" sz="1400" dirty="0" smtClean="0"/>
+              <a:t>)</a:t>
+            </a:r>
+          </a:p>
+          <a:p>
+            <a:pPr lvl="1"/>
+            <a:r>
+              <a:rPr lang="en-US" sz="1400" dirty="0" err="1"/>
+              <a:t>Freyberger</a:t>
+            </a:r>
+            <a:r>
+              <a:rPr lang="en-US" sz="1400" dirty="0"/>
+              <a:t>, Joachim, Andreas </a:t>
+            </a:r>
+            <a:r>
+              <a:rPr lang="en-US" sz="1400" dirty="0" err="1"/>
+              <a:t>Neuhierl</a:t>
+            </a:r>
+            <a:r>
+              <a:rPr lang="en-US" sz="1400" dirty="0"/>
+              <a:t>, and Michael Weber, 2017, Dissecting Characteristics </a:t>
+            </a:r>
+            <a:r>
+              <a:rPr lang="en-US" sz="1400" dirty="0" err="1"/>
+              <a:t>Nonparametrically</a:t>
+            </a:r>
+            <a:r>
+              <a:rPr lang="en-US" sz="1400" dirty="0"/>
+              <a:t>. (R&amp;R Review of Financial Studies)</a:t>
+            </a:r>
+            <a:endParaRPr lang="en-US" sz="1400" dirty="0" smtClean="0"/>
+          </a:p>
+          <a:p>
+            <a:pPr lvl="1"/>
+            <a:r>
+              <a:rPr lang="en-US" sz="1400" dirty="0"/>
+              <a:t>Moritz, Benjamin, and Tom Zimmermann, 2016, Tree-Based Conditional Portfolio Sorts: The Relation between Past and Future Stock Returns, </a:t>
+            </a:r>
+            <a:r>
+              <a:rPr lang="en-US" sz="1400" i="1" dirty="0" err="1"/>
+              <a:t>Ssrn</a:t>
+            </a:r>
+            <a:r>
+              <a:rPr lang="en-US" sz="1400" dirty="0"/>
+              <a:t>.(R&amp;R Review of Financial Studies</a:t>
+            </a:r>
+            <a:r>
+              <a:rPr lang="en-US" sz="1400" dirty="0" smtClean="0"/>
+              <a:t>)</a:t>
+            </a:r>
+            <a:endParaRPr lang="en-US" sz="1400" dirty="0"/>
+          </a:p>
+          <a:p>
+            <a:pPr lvl="1"/>
+            <a:r>
+              <a:rPr lang="en-US" sz="1400" dirty="0" smtClean="0"/>
+              <a:t>Feng</a:t>
+            </a:r>
+            <a:r>
+              <a:rPr lang="en-US" sz="1400" dirty="0"/>
+              <a:t>, </a:t>
+            </a:r>
+            <a:r>
+              <a:rPr lang="en-US" sz="1400" dirty="0" err="1"/>
+              <a:t>Guanhao</a:t>
+            </a:r>
+            <a:r>
+              <a:rPr lang="en-US" sz="1400" dirty="0"/>
+              <a:t>, and Stefano </a:t>
+            </a:r>
+            <a:r>
+              <a:rPr lang="en-US" sz="1400" dirty="0" err="1"/>
+              <a:t>Giglio</a:t>
+            </a:r>
+            <a:r>
+              <a:rPr lang="en-US" sz="1400" dirty="0"/>
+              <a:t>, 2017, Taming the Factor Zoo, </a:t>
+            </a:r>
+            <a:r>
+              <a:rPr lang="en-US" sz="1400" i="1" dirty="0"/>
+              <a:t>SSRN Electronic Journal</a:t>
+            </a:r>
+            <a:r>
+              <a:rPr lang="en-US" sz="1400" dirty="0"/>
+              <a:t>, 1–69. (Under Revision)</a:t>
+            </a:r>
+          </a:p>
+          <a:p>
+            <a:pPr lvl="1"/>
+            <a:r>
+              <a:rPr lang="en-US" sz="1400" dirty="0" err="1" smtClean="0"/>
+              <a:t>Brogaard</a:t>
+            </a:r>
+            <a:r>
+              <a:rPr lang="en-US" sz="1400" dirty="0"/>
+              <a:t>, Jonathan, and </a:t>
+            </a:r>
+            <a:r>
+              <a:rPr lang="en-US" sz="1400" dirty="0" err="1"/>
+              <a:t>Abalfazl</a:t>
+            </a:r>
+            <a:r>
+              <a:rPr lang="en-US" sz="1400" dirty="0"/>
+              <a:t> </a:t>
+            </a:r>
+            <a:r>
+              <a:rPr lang="en-US" sz="1400" dirty="0" err="1"/>
+              <a:t>Zareei</a:t>
+            </a:r>
+            <a:r>
+              <a:rPr lang="en-US" sz="1400" dirty="0"/>
+              <a:t>, 2018, Machine Learning and the Stock Market, </a:t>
+            </a:r>
+            <a:r>
+              <a:rPr lang="en-US" sz="1400" i="1" dirty="0"/>
+              <a:t>SSRN Electronic Journal</a:t>
+            </a:r>
+            <a:r>
+              <a:rPr lang="en-US" sz="1400" dirty="0"/>
+              <a:t>, 1–57. </a:t>
+            </a:r>
+          </a:p>
+          <a:p>
+            <a:pPr lvl="1"/>
+            <a:r>
+              <a:rPr lang="en-US" sz="1400" dirty="0" err="1"/>
+              <a:t>Chinco</a:t>
+            </a:r>
+            <a:r>
+              <a:rPr lang="en-US" sz="1400" dirty="0"/>
+              <a:t>, Alex, Andreas </a:t>
+            </a:r>
+            <a:r>
+              <a:rPr lang="en-US" sz="1400" dirty="0" err="1"/>
+              <a:t>Neuhierl</a:t>
+            </a:r>
+            <a:r>
+              <a:rPr lang="en-US" sz="1400" dirty="0"/>
+              <a:t>, and Michael Weber, 2018, Estimating the Anomaly </a:t>
+            </a:r>
+            <a:r>
+              <a:rPr lang="en-US" sz="1400" dirty="0" err="1"/>
+              <a:t>Baserate</a:t>
+            </a:r>
+            <a:r>
+              <a:rPr lang="en-US" sz="1400" dirty="0"/>
+              <a:t>, , 1–30.</a:t>
+            </a:r>
+          </a:p>
+          <a:p>
+            <a:pPr lvl="1"/>
+            <a:r>
+              <a:rPr lang="en-US" sz="1400" dirty="0" err="1"/>
+              <a:t>Gu</a:t>
+            </a:r>
+            <a:r>
+              <a:rPr lang="en-US" sz="1400" dirty="0"/>
+              <a:t>, </a:t>
+            </a:r>
+            <a:r>
+              <a:rPr lang="en-US" sz="1400" dirty="0" err="1"/>
+              <a:t>Shihao</a:t>
+            </a:r>
+            <a:r>
+              <a:rPr lang="en-US" sz="1400" dirty="0"/>
+              <a:t>, Bryan T. Kelly, and </a:t>
+            </a:r>
+            <a:r>
+              <a:rPr lang="en-US" sz="1400" dirty="0" err="1"/>
+              <a:t>Dacheng</a:t>
+            </a:r>
+            <a:r>
+              <a:rPr lang="en-US" sz="1400" dirty="0"/>
+              <a:t> </a:t>
+            </a:r>
+            <a:r>
+              <a:rPr lang="en-US" sz="1400" dirty="0" err="1"/>
+              <a:t>Xiu</a:t>
+            </a:r>
+            <a:r>
+              <a:rPr lang="en-US" sz="1400" dirty="0"/>
+              <a:t>, 2018, Empirical Asset Pricing via Machine Learning, </a:t>
+            </a:r>
+            <a:r>
+              <a:rPr lang="en-US" sz="1400" i="1" dirty="0" err="1"/>
+              <a:t>Ssrn</a:t>
+            </a:r>
+            <a:r>
+              <a:rPr lang="en-US" sz="1400" dirty="0"/>
+              <a:t>. </a:t>
+            </a:r>
+          </a:p>
+          <a:p>
+            <a:pPr lvl="1"/>
+            <a:r>
+              <a:rPr lang="en-US" sz="1400" dirty="0" err="1"/>
+              <a:t>Kozak</a:t>
+            </a:r>
+            <a:r>
+              <a:rPr lang="en-US" sz="1400" dirty="0"/>
+              <a:t>, </a:t>
+            </a:r>
+            <a:r>
+              <a:rPr lang="en-US" sz="1400" dirty="0" err="1"/>
+              <a:t>Serhiy</a:t>
+            </a:r>
+            <a:r>
+              <a:rPr lang="en-US" sz="1400" dirty="0"/>
+              <a:t>, Stefan Nagel, and </a:t>
+            </a:r>
+            <a:r>
+              <a:rPr lang="en-US" sz="1400" dirty="0" err="1"/>
+              <a:t>Shrihari</a:t>
+            </a:r>
+            <a:r>
+              <a:rPr lang="en-US" sz="1400" dirty="0"/>
+              <a:t> Santosh, 2017, Shrinking the Cross Section, </a:t>
+            </a:r>
+            <a:r>
+              <a:rPr lang="en-US" sz="1400" i="1" dirty="0" err="1"/>
+              <a:t>Ssrn</a:t>
+            </a:r>
+            <a:r>
+              <a:rPr lang="en-US" sz="1400" dirty="0"/>
+              <a:t>, 1–69</a:t>
+            </a:r>
+            <a:r>
+              <a:rPr lang="en-US" sz="1400" dirty="0" smtClean="0"/>
+              <a:t>.</a:t>
+            </a:r>
+          </a:p>
+          <a:p>
+            <a:pPr lvl="1"/>
+            <a:r>
+              <a:rPr lang="en-US" sz="1400" dirty="0"/>
+              <a:t>Han, </a:t>
+            </a:r>
+            <a:r>
+              <a:rPr lang="en-US" sz="1400" dirty="0" err="1"/>
+              <a:t>Yufeng</a:t>
+            </a:r>
+            <a:r>
+              <a:rPr lang="en-US" sz="1400" dirty="0"/>
+              <a:t>, Ai He, David E </a:t>
+            </a:r>
+            <a:r>
+              <a:rPr lang="en-US" sz="1400" dirty="0" err="1"/>
+              <a:t>Rapach</a:t>
+            </a:r>
+            <a:r>
+              <a:rPr lang="en-US" sz="1400" dirty="0"/>
+              <a:t>, and </a:t>
+            </a:r>
+            <a:r>
+              <a:rPr lang="en-US" sz="1400" dirty="0" err="1"/>
+              <a:t>Guofu</a:t>
+            </a:r>
+            <a:r>
+              <a:rPr lang="en-US" sz="1400" dirty="0"/>
+              <a:t> Zhou, 2018, What Firm Characteristics Drive US Stock Returns?, </a:t>
+            </a:r>
+            <a:r>
+              <a:rPr lang="en-US" sz="1400" i="1" dirty="0"/>
+              <a:t>Baruch </a:t>
+            </a:r>
+            <a:r>
+              <a:rPr lang="en-US" sz="1400" i="1" dirty="0" smtClean="0"/>
+              <a:t>CUNY</a:t>
+            </a:r>
+            <a:r>
+              <a:rPr lang="en-US" sz="1400" dirty="0" smtClean="0"/>
+              <a:t>.</a:t>
+            </a:r>
+          </a:p>
+        </p:txBody>
+      </p:sp>
+      <p:sp>
+        <p:nvSpPr>
+          <p:cNvPr id="4" name="Date Placeholder 3"/>
+          <p:cNvSpPr>
+            <a:spLocks noGrp="1"/>
+          </p:cNvSpPr>
+          <p:nvPr>
+            <p:ph type="dt" sz="half" idx="4294967295"/>
+          </p:nvPr>
+        </p:nvSpPr>
+        <p:spPr>
+          <a:xfrm>
+            <a:off x="683568" y="6386400"/>
+            <a:ext cx="2133600" cy="180000"/>
+          </a:xfrm>
+          <a:prstGeom prst="rect">
+            <a:avLst/>
+          </a:prstGeom>
+        </p:spPr>
+        <p:txBody>
+          <a:bodyPr/>
+          <a:lstStyle/>
+          <a:p>
+            <a:r>
+              <a:rPr lang="de-DE" dirty="0" smtClean="0"/>
+              <a:t>06.12.2018</a:t>
+            </a:r>
+            <a:endParaRPr lang="de-DE" dirty="0"/>
+          </a:p>
+        </p:txBody>
+      </p:sp>
+      <p:sp>
+        <p:nvSpPr>
+          <p:cNvPr id="5" name="Footer Placeholder 4"/>
+          <p:cNvSpPr>
+            <a:spLocks noGrp="1"/>
+          </p:cNvSpPr>
+          <p:nvPr>
+            <p:ph type="ftr" sz="quarter" idx="4294967295"/>
+          </p:nvPr>
+        </p:nvSpPr>
+        <p:spPr>
+          <a:xfrm>
+            <a:off x="684000" y="6134400"/>
+            <a:ext cx="2895600" cy="180000"/>
+          </a:xfrm>
+          <a:prstGeom prst="rect">
+            <a:avLst/>
+          </a:prstGeom>
+        </p:spPr>
+        <p:txBody>
+          <a:bodyPr/>
+          <a:lstStyle/>
+          <a:p>
+            <a:r>
+              <a:rPr lang="de-DE" dirty="0" smtClean="0"/>
+              <a:t>Pavel Lesnevski</a:t>
+            </a:r>
+            <a:endParaRPr lang="de-DE" dirty="0"/>
+          </a:p>
+        </p:txBody>
+      </p:sp>
+      <p:sp>
+        <p:nvSpPr>
+          <p:cNvPr id="6" name="Slide Number Placeholder 5"/>
+          <p:cNvSpPr>
+            <a:spLocks noGrp="1"/>
+          </p:cNvSpPr>
+          <p:nvPr>
+            <p:ph type="sldNum" sz="quarter" idx="12"/>
+          </p:nvPr>
+        </p:nvSpPr>
+        <p:spPr/>
+        <p:txBody>
+          <a:bodyPr/>
+          <a:lstStyle/>
+          <a:p>
+            <a:fld id="{FC0CC166-4E39-43B8-AB91-BDD1C4C9E224}" type="slidenum">
+              <a:rPr lang="de-DE" smtClean="0"/>
+              <a:t>26</a:t>
+            </a:fld>
+            <a:endParaRPr lang="de-DE"/>
+          </a:p>
+        </p:txBody>
+      </p:sp>
+    </p:spTree>
+    <p:extLst>
+      <p:ext uri="{BB962C8B-B14F-4D97-AF65-F5344CB8AC3E}">
+        <p14:creationId xmlns:p14="http://schemas.microsoft.com/office/powerpoint/2010/main" val="411557258"/>
+      </p:ext>
+    </p:extLst>
+  </p:cSld>
+  <p:clrMapOvr>
+    <a:masterClrMapping/>
+  </p:clrMapOvr>
+  <p:timing>
+    <p:tnLst>
+      <p:par>
+        <p:cTn id="1" dur="indefinite" restart="never" nodeType="tmRoot"/>
+      </p:par>
+    </p:tnLst>
+  </p:timing>
+</p:sld>
+</file>
+
+<file path=ppt/slides/slide27.xml><?xml version="1.0" encoding="utf-8"?>
+<p:sld xmlns:a="http://schemas.openxmlformats.org/drawingml/2006/main" xmlns:r="http://schemas.openxmlformats.org/officeDocument/2006/relationships" xmlns:p="http://schemas.openxmlformats.org/presentationml/2006/main">
+  <p:cSld>
+    <p:spTree>
+      <p:nvGrpSpPr>
+        <p:cNvPr id="1" name=""/>
+        <p:cNvGrpSpPr/>
+        <p:nvPr/>
+      </p:nvGrpSpPr>
+      <p:grpSpPr>
+        <a:xfrm>
+          <a:off x="0" y="0"/>
+          <a:ext cx="0" cy="0"/>
+          <a:chOff x="0" y="0"/>
+          <a:chExt cx="0" cy="0"/>
+        </a:xfrm>
+      </p:grpSpPr>
+      <p:sp>
+        <p:nvSpPr>
+          <p:cNvPr id="2" name="Title 1"/>
+          <p:cNvSpPr>
+            <a:spLocks noGrp="1"/>
+          </p:cNvSpPr>
+          <p:nvPr>
+            <p:ph type="title"/>
+          </p:nvPr>
+        </p:nvSpPr>
         <p:spPr>
           <a:xfrm>
             <a:off x="684000" y="584684"/>
@@ -11020,8 +12415,8 @@
           </a:p>
         </p:txBody>
       </p:sp>
-      <mc:AlternateContent xmlns:mc="http://schemas.openxmlformats.org/markup-compatibility/2006">
-        <mc:Choice xmlns:a14="http://schemas.microsoft.com/office/drawing/2010/main" Requires="a14">
+      <mc:AlternateContent xmlns:mc="http://schemas.openxmlformats.org/markup-compatibility/2006" xmlns:a14="http://schemas.microsoft.com/office/drawing/2010/main">
+        <mc:Choice Requires="a14">
           <p:sp>
             <p:nvSpPr>
               <p:cNvPr id="3" name="Content Placeholder 2"/>
@@ -11051,11 +12446,7 @@
                 </a:r>
                 <a:r>
                   <a:rPr lang="en-US" dirty="0" smtClean="0"/>
-                  <a:t>L2 (Ridge) </a:t>
-                </a:r>
-                <a:r>
-                  <a:rPr lang="en-US" dirty="0" smtClean="0"/>
-                  <a:t>penalty terms:</a:t>
+                  <a:t>L2 (Ridge) penalty terms:</a:t>
                 </a:r>
               </a:p>
               <a:p>
@@ -11616,7 +13007,7 @@
             </p:txBody>
           </p:sp>
         </mc:Choice>
-        <mc:Fallback>
+        <mc:Fallback xmlns="">
           <p:sp>
             <p:nvSpPr>
               <p:cNvPr id="3" name="Content Placeholder 2"/>
@@ -11667,7 +13058,7 @@
           <a:p>
             <a:fld id="{FC0CC166-4E39-43B8-AB91-BDD1C4C9E224}" type="slidenum">
               <a:rPr lang="de-DE" smtClean="0"/>
-              <a:t>25</a:t>
+              <a:t>27</a:t>
             </a:fld>
             <a:endParaRPr lang="de-DE"/>
           </a:p>
@@ -11693,7 +13084,7 @@
 </p:sld>
 </file>
 
-<file path=ppt/slides/slide26.xml><?xml version="1.0" encoding="utf-8"?>
+<file path=ppt/slides/slide28.xml><?xml version="1.0" encoding="utf-8"?>
 <p:sld xmlns:a="http://schemas.openxmlformats.org/drawingml/2006/main" xmlns:r="http://schemas.openxmlformats.org/officeDocument/2006/relationships" xmlns:p="http://schemas.openxmlformats.org/presentationml/2006/main">
   <p:cSld>
     <p:spTree>
@@ -12246,7 +13637,7 @@
           <a:p>
             <a:fld id="{FC0CC166-4E39-43B8-AB91-BDD1C4C9E224}" type="slidenum">
               <a:rPr lang="de-DE" smtClean="0"/>
-              <a:t>26</a:t>
+              <a:t>28</a:t>
             </a:fld>
             <a:endParaRPr lang="de-DE"/>
           </a:p>
@@ -12522,7 +13913,7 @@
 </p:sld>
 </file>
 
-<file path=ppt/slides/slide27.xml><?xml version="1.0" encoding="utf-8"?>
+<file path=ppt/slides/slide29.xml><?xml version="1.0" encoding="utf-8"?>
 <p:sld xmlns:a="http://schemas.openxmlformats.org/drawingml/2006/main" xmlns:r="http://schemas.openxmlformats.org/officeDocument/2006/relationships" xmlns:p="http://schemas.openxmlformats.org/presentationml/2006/main">
   <p:cSld>
     <p:spTree>
@@ -13108,7 +14499,7 @@
           <a:p>
             <a:fld id="{FC0CC166-4E39-43B8-AB91-BDD1C4C9E224}" type="slidenum">
               <a:rPr lang="de-DE" smtClean="0"/>
-              <a:t>27</a:t>
+              <a:t>29</a:t>
             </a:fld>
             <a:endParaRPr lang="de-DE"/>
           </a:p>
@@ -13196,7 +14587,7 @@
 </p:sld>
 </file>
 
-<file path=ppt/slides/slide28.xml><?xml version="1.0" encoding="utf-8"?>
+<file path=ppt/slides/slide3.xml><?xml version="1.0" encoding="utf-8"?>
 <p:sld xmlns:a="http://schemas.openxmlformats.org/drawingml/2006/main" xmlns:r="http://schemas.openxmlformats.org/officeDocument/2006/relationships" xmlns:p="http://schemas.openxmlformats.org/presentationml/2006/main">
   <p:cSld>
     <p:spTree>
@@ -13229,6 +14620,303 @@
           <a:lstStyle/>
           <a:p>
             <a:r>
+              <a:rPr lang="en-GB" dirty="0" smtClean="0"/>
+              <a:t>Project Highlights</a:t>
+            </a:r>
+            <a:endParaRPr lang="de-DE" dirty="0"/>
+          </a:p>
+        </p:txBody>
+      </p:sp>
+      <p:sp>
+        <p:nvSpPr>
+          <p:cNvPr id="3" name="Content Placeholder 2"/>
+          <p:cNvSpPr>
+            <a:spLocks noGrp="1"/>
+          </p:cNvSpPr>
+          <p:nvPr>
+            <p:ph idx="1"/>
+          </p:nvPr>
+        </p:nvSpPr>
+        <p:spPr>
+          <a:xfrm>
+            <a:off x="539552" y="1268760"/>
+            <a:ext cx="8424936" cy="4793640"/>
+          </a:xfrm>
+        </p:spPr>
+        <p:txBody>
+          <a:bodyPr/>
+          <a:lstStyle/>
+          <a:p>
+            <a:pPr marL="0" indent="0">
+              <a:buNone/>
+            </a:pPr>
+            <a:r>
+              <a:rPr lang="en-US" b="1" dirty="0" smtClean="0"/>
+              <a:t>A time-series predictive framework that </a:t>
+            </a:r>
+            <a:r>
+              <a:rPr lang="en-US" b="1" dirty="0"/>
+              <a:t>features:</a:t>
+            </a:r>
+            <a:endParaRPr lang="en-US" dirty="0"/>
+          </a:p>
+          <a:p>
+            <a:pPr marL="0" indent="0">
+              <a:buNone/>
+            </a:pPr>
+            <a:r>
+              <a:rPr lang="en-US" sz="2000" dirty="0"/>
+              <a:t>- Clear project structure based on </a:t>
+            </a:r>
+            <a:r>
+              <a:rPr lang="en-US" sz="2000" b="1" i="1" dirty="0" err="1"/>
+              <a:t>cookiecutter</a:t>
+            </a:r>
+            <a:r>
+              <a:rPr lang="en-US" sz="2000" b="1" i="1" dirty="0"/>
+              <a:t> </a:t>
+            </a:r>
+            <a:r>
+              <a:rPr lang="en-US" sz="2000" b="1" i="1" dirty="0" smtClean="0"/>
+              <a:t>data science</a:t>
+            </a:r>
+            <a:r>
+              <a:rPr lang="en-US" sz="2000" dirty="0" smtClean="0"/>
+              <a:t> </a:t>
+            </a:r>
+            <a:r>
+              <a:rPr lang="en-US" sz="2000" dirty="0"/>
+              <a:t>template</a:t>
+            </a:r>
+          </a:p>
+          <a:p>
+            <a:pPr marL="0" indent="0">
+              <a:buNone/>
+            </a:pPr>
+            <a:r>
+              <a:rPr lang="en-US" sz="2000" dirty="0"/>
+              <a:t>- Usage of </a:t>
+            </a:r>
+            <a:r>
+              <a:rPr lang="en-US" sz="2000" b="1" i="1" dirty="0" err="1" smtClean="0"/>
+              <a:t>scikit</a:t>
+            </a:r>
+            <a:r>
+              <a:rPr lang="en-US" sz="2000" b="1" i="1" dirty="0" smtClean="0"/>
+              <a:t>-learn </a:t>
+            </a:r>
+            <a:r>
+              <a:rPr lang="en-US" sz="2000" b="1" i="1" dirty="0"/>
+              <a:t>pipelines </a:t>
+            </a:r>
+            <a:r>
+              <a:rPr lang="en-US" sz="2000" dirty="0"/>
+              <a:t>that simplify automation of the </a:t>
+            </a:r>
+            <a:r>
+              <a:rPr lang="en-US" sz="2000" dirty="0" smtClean="0"/>
+              <a:t>analysis</a:t>
+            </a:r>
+            <a:endParaRPr lang="en-US" sz="2000" dirty="0"/>
+          </a:p>
+          <a:p>
+            <a:pPr marL="0" indent="0">
+              <a:buNone/>
+            </a:pPr>
+            <a:r>
+              <a:rPr lang="en-US" sz="2000" dirty="0"/>
+              <a:t>- New </a:t>
+            </a:r>
+            <a:r>
+              <a:rPr lang="en-US" sz="2000" b="1" i="1" dirty="0" err="1" smtClean="0"/>
+              <a:t>scikit</a:t>
+            </a:r>
+            <a:r>
+              <a:rPr lang="en-US" sz="2000" b="1" i="1" dirty="0" smtClean="0"/>
+              <a:t>-learn </a:t>
+            </a:r>
+            <a:r>
+              <a:rPr lang="en-US" sz="2000" b="1" i="1" dirty="0"/>
+              <a:t>estimators</a:t>
+            </a:r>
+          </a:p>
+          <a:p>
+            <a:pPr marL="0" indent="0">
+              <a:buNone/>
+            </a:pPr>
+            <a:r>
+              <a:rPr lang="en-US" sz="2000" dirty="0" smtClean="0"/>
+              <a:t>- New </a:t>
+            </a:r>
+            <a:r>
+              <a:rPr lang="en-US" sz="2000" b="1" i="1" dirty="0" err="1" smtClean="0"/>
+              <a:t>scikit</a:t>
+            </a:r>
+            <a:r>
+              <a:rPr lang="en-US" sz="2000" b="1" i="1" dirty="0" smtClean="0"/>
+              <a:t>-learn time-series cross-validation methods</a:t>
+            </a:r>
+            <a:r>
+              <a:rPr lang="en-US" sz="2000" dirty="0" smtClean="0"/>
+              <a:t> (nested cross-validation)</a:t>
+            </a:r>
+          </a:p>
+          <a:p>
+            <a:pPr marL="0" indent="0">
+              <a:buNone/>
+            </a:pPr>
+            <a:r>
+              <a:rPr lang="en-US" sz="2000" dirty="0" smtClean="0"/>
+              <a:t>- </a:t>
+            </a:r>
+            <a:r>
+              <a:rPr lang="en-US" sz="2000" b="1" i="1" dirty="0" smtClean="0"/>
+              <a:t>Domain-tailored</a:t>
+            </a:r>
+            <a:r>
+              <a:rPr lang="en-US" sz="2000" dirty="0" smtClean="0"/>
+              <a:t> prediction accuracy </a:t>
+            </a:r>
+            <a:r>
+              <a:rPr lang="en-US" sz="2000" b="1" i="1" dirty="0" smtClean="0"/>
+              <a:t>statistical</a:t>
+            </a:r>
+            <a:r>
+              <a:rPr lang="en-US" sz="2000" dirty="0" smtClean="0"/>
+              <a:t> </a:t>
+            </a:r>
+            <a:r>
+              <a:rPr lang="en-US" sz="2000" b="1" i="1" dirty="0" smtClean="0"/>
+              <a:t>tests</a:t>
+            </a:r>
+            <a:r>
+              <a:rPr lang="en-US" sz="2000" dirty="0" smtClean="0"/>
+              <a:t> </a:t>
+            </a:r>
+          </a:p>
+          <a:p>
+            <a:pPr marL="0" indent="0">
+              <a:buNone/>
+            </a:pPr>
+            <a:r>
+              <a:rPr lang="en-US" sz="2000" dirty="0" smtClean="0"/>
+              <a:t>- </a:t>
+            </a:r>
+            <a:r>
+              <a:rPr lang="en-US" sz="2000" b="1" i="1" dirty="0" err="1" smtClean="0"/>
+              <a:t>Jupyter</a:t>
+            </a:r>
+            <a:r>
+              <a:rPr lang="en-US" sz="2000" b="1" i="1" dirty="0" smtClean="0"/>
+              <a:t> notebooks</a:t>
+            </a:r>
+            <a:r>
+              <a:rPr lang="en-US" sz="2000" i="1" dirty="0" smtClean="0"/>
+              <a:t> </a:t>
+            </a:r>
+            <a:r>
+              <a:rPr lang="en-US" sz="2000" dirty="0" smtClean="0"/>
+              <a:t>and presentations </a:t>
+            </a:r>
+            <a:r>
+              <a:rPr lang="en-US" sz="2000" dirty="0"/>
+              <a:t>that </a:t>
+            </a:r>
+            <a:r>
+              <a:rPr lang="en-US" sz="2000" dirty="0" smtClean="0"/>
+              <a:t>explain </a:t>
+            </a:r>
+            <a:r>
+              <a:rPr lang="en-US" sz="2000" dirty="0"/>
+              <a:t>and </a:t>
+            </a:r>
+            <a:r>
+              <a:rPr lang="en-US" sz="2000" dirty="0" smtClean="0"/>
+              <a:t>visualize </a:t>
+            </a:r>
+            <a:r>
+              <a:rPr lang="en-US" sz="2000" dirty="0"/>
+              <a:t>obtained findings</a:t>
+            </a:r>
+          </a:p>
+        </p:txBody>
+      </p:sp>
+      <p:sp>
+        <p:nvSpPr>
+          <p:cNvPr id="6" name="Slide Number Placeholder 5"/>
+          <p:cNvSpPr>
+            <a:spLocks noGrp="1"/>
+          </p:cNvSpPr>
+          <p:nvPr>
+            <p:ph type="sldNum" sz="quarter" idx="12"/>
+          </p:nvPr>
+        </p:nvSpPr>
+        <p:spPr/>
+        <p:txBody>
+          <a:bodyPr/>
+          <a:lstStyle/>
+          <a:p>
+            <a:fld id="{FC0CC166-4E39-43B8-AB91-BDD1C4C9E224}" type="slidenum">
+              <a:rPr lang="de-DE" smtClean="0"/>
+              <a:t>3</a:t>
+            </a:fld>
+            <a:endParaRPr lang="de-DE"/>
+          </a:p>
+        </p:txBody>
+      </p:sp>
+    </p:spTree>
+    <p:extLst>
+      <p:ext uri="{BB962C8B-B14F-4D97-AF65-F5344CB8AC3E}">
+        <p14:creationId xmlns:p14="http://schemas.microsoft.com/office/powerpoint/2010/main" val="2621975477"/>
+      </p:ext>
+    </p:extLst>
+  </p:cSld>
+  <p:clrMapOvr>
+    <a:masterClrMapping/>
+  </p:clrMapOvr>
+  <p:timing>
+    <p:tnLst>
+      <p:par>
+        <p:cTn id="1" dur="indefinite" restart="never" nodeType="tmRoot"/>
+      </p:par>
+    </p:tnLst>
+  </p:timing>
+</p:sld>
+</file>
+
+<file path=ppt/slides/slide30.xml><?xml version="1.0" encoding="utf-8"?>
+<p:sld xmlns:a="http://schemas.openxmlformats.org/drawingml/2006/main" xmlns:r="http://schemas.openxmlformats.org/officeDocument/2006/relationships" xmlns:p="http://schemas.openxmlformats.org/presentationml/2006/main">
+  <p:cSld>
+    <p:spTree>
+      <p:nvGrpSpPr>
+        <p:cNvPr id="1" name=""/>
+        <p:cNvGrpSpPr/>
+        <p:nvPr/>
+      </p:nvGrpSpPr>
+      <p:grpSpPr>
+        <a:xfrm>
+          <a:off x="0" y="0"/>
+          <a:ext cx="0" cy="0"/>
+          <a:chOff x="0" y="0"/>
+          <a:chExt cx="0" cy="0"/>
+        </a:xfrm>
+      </p:grpSpPr>
+      <p:sp>
+        <p:nvSpPr>
+          <p:cNvPr id="2" name="Title 1"/>
+          <p:cNvSpPr>
+            <a:spLocks noGrp="1"/>
+          </p:cNvSpPr>
+          <p:nvPr>
+            <p:ph type="title"/>
+          </p:nvPr>
+        </p:nvSpPr>
+        <p:spPr/>
+        <p:txBody>
+          <a:bodyPr/>
+          <a:lstStyle/>
+          <a:p>
+            <a:r>
               <a:rPr lang="x-none" dirty="0" smtClean="0"/>
               <a:t>Cross-Validation Result for </a:t>
             </a:r>
@@ -13319,7 +15007,7 @@
           <a:p>
             <a:fld id="{FC0CC166-4E39-43B8-AB91-BDD1C4C9E224}" type="slidenum">
               <a:rPr lang="de-DE" smtClean="0"/>
-              <a:t>28</a:t>
+              <a:t>30</a:t>
             </a:fld>
             <a:endParaRPr lang="de-DE"/>
           </a:p>
@@ -13371,7 +15059,7 @@
 </p:sld>
 </file>
 
-<file path=ppt/slides/slide29.xml><?xml version="1.0" encoding="utf-8"?>
+<file path=ppt/slides/slide31.xml><?xml version="1.0" encoding="utf-8"?>
 <p:sld xmlns:a="http://schemas.openxmlformats.org/drawingml/2006/main" xmlns:r="http://schemas.openxmlformats.org/officeDocument/2006/relationships" xmlns:p="http://schemas.openxmlformats.org/presentationml/2006/main">
   <p:cSld>
     <p:spTree>
@@ -13405,11 +15093,7 @@
           <a:p>
             <a:r>
               <a:rPr lang="en-US" dirty="0" smtClean="0"/>
-              <a:t>Path for </a:t>
-            </a:r>
-            <a:r>
-              <a:rPr lang="en-US" dirty="0" smtClean="0"/>
-              <a:t>Elastic Net</a:t>
+              <a:t>Path for Elastic Net</a:t>
             </a:r>
             <a:endParaRPr lang="en-US" dirty="0"/>
           </a:p>
@@ -13432,7 +15116,7 @@
           <a:p>
             <a:fld id="{FC0CC166-4E39-43B8-AB91-BDD1C4C9E224}" type="slidenum">
               <a:rPr lang="de-DE" smtClean="0"/>
-              <a:t>29</a:t>
+              <a:t>31</a:t>
             </a:fld>
             <a:endParaRPr lang="de-DE"/>
           </a:p>
@@ -13484,186 +15168,7 @@
 </p:sld>
 </file>
 
-<file path=ppt/slides/slide3.xml><?xml version="1.0" encoding="utf-8"?>
-<p:sld xmlns:a="http://schemas.openxmlformats.org/drawingml/2006/main" xmlns:r="http://schemas.openxmlformats.org/officeDocument/2006/relationships" xmlns:p="http://schemas.openxmlformats.org/presentationml/2006/main">
-  <p:cSld>
-    <p:spTree>
-      <p:nvGrpSpPr>
-        <p:cNvPr id="1" name=""/>
-        <p:cNvGrpSpPr/>
-        <p:nvPr/>
-      </p:nvGrpSpPr>
-      <p:grpSpPr>
-        <a:xfrm>
-          <a:off x="0" y="0"/>
-          <a:ext cx="0" cy="0"/>
-          <a:chOff x="0" y="0"/>
-          <a:chExt cx="0" cy="0"/>
-        </a:xfrm>
-      </p:grpSpPr>
-      <p:sp>
-        <p:nvSpPr>
-          <p:cNvPr id="2" name="Title 1"/>
-          <p:cNvSpPr>
-            <a:spLocks noGrp="1"/>
-          </p:cNvSpPr>
-          <p:nvPr>
-            <p:ph type="title"/>
-          </p:nvPr>
-        </p:nvSpPr>
-        <p:spPr/>
-        <p:txBody>
-          <a:bodyPr/>
-          <a:lstStyle/>
-          <a:p>
-            <a:r>
-              <a:rPr lang="en-US" dirty="0" smtClean="0"/>
-              <a:t>Predicting </a:t>
-            </a:r>
-            <a:r>
-              <a:rPr lang="en-US" dirty="0" smtClean="0"/>
-              <a:t>Stock Market Returns</a:t>
-            </a:r>
-            <a:endParaRPr lang="en-US" dirty="0"/>
-          </a:p>
-        </p:txBody>
-      </p:sp>
-      <p:sp>
-        <p:nvSpPr>
-          <p:cNvPr id="3" name="Content Placeholder 2"/>
-          <p:cNvSpPr>
-            <a:spLocks noGrp="1"/>
-          </p:cNvSpPr>
-          <p:nvPr>
-            <p:ph idx="1"/>
-          </p:nvPr>
-        </p:nvSpPr>
-        <p:spPr>
-          <a:xfrm>
-            <a:off x="575556" y="1155284"/>
-            <a:ext cx="7776000" cy="4824536"/>
-          </a:xfrm>
-        </p:spPr>
-        <p:txBody>
-          <a:bodyPr/>
-          <a:lstStyle/>
-          <a:p>
-            <a:r>
-              <a:rPr lang="en-US" sz="2200" dirty="0"/>
-              <a:t>Predicting </a:t>
-            </a:r>
-            <a:r>
-              <a:rPr lang="en-US" sz="2200" dirty="0" smtClean="0"/>
-              <a:t>S&amp;P500 </a:t>
-            </a:r>
-            <a:r>
-              <a:rPr lang="en-US" sz="2200" dirty="0"/>
-              <a:t>index </a:t>
-            </a:r>
-            <a:r>
-              <a:rPr lang="en-US" sz="2200" dirty="0" smtClean="0"/>
-              <a:t>returns </a:t>
-            </a:r>
-            <a:r>
-              <a:rPr lang="en-US" sz="2200" dirty="0"/>
-              <a:t>is a task with high noise-to-signal ratio</a:t>
-            </a:r>
-          </a:p>
-          <a:p>
-            <a:pPr lvl="1"/>
-            <a:r>
-              <a:rPr lang="en-US" sz="1800" dirty="0"/>
-              <a:t>Very few models </a:t>
-            </a:r>
-            <a:r>
-              <a:rPr lang="en-US" sz="1800" dirty="0"/>
-              <a:t>are able to outperform the simple historical </a:t>
-            </a:r>
-            <a:r>
-              <a:rPr lang="en-US" sz="1800" dirty="0" smtClean="0"/>
-              <a:t>mean return</a:t>
-            </a:r>
-            <a:endParaRPr lang="en-US" sz="1800" dirty="0"/>
-          </a:p>
-          <a:p>
-            <a:r>
-              <a:rPr lang="en-US" sz="2200" dirty="0"/>
-              <a:t>Use historical data on macroeconomic </a:t>
-            </a:r>
-            <a:r>
-              <a:rPr lang="en-US" sz="2200" dirty="0"/>
-              <a:t>variables and technical indicators</a:t>
-            </a:r>
-            <a:endParaRPr lang="en-US" sz="2200" dirty="0"/>
-          </a:p>
-          <a:p>
-            <a:r>
-              <a:rPr lang="en-US" sz="2200" dirty="0" smtClean="0"/>
-              <a:t>High-dimensional setting with little </a:t>
-            </a:r>
-            <a:r>
-              <a:rPr lang="en-US" sz="2200" dirty="0"/>
-              <a:t>data (33 predictors </a:t>
-            </a:r>
-            <a:r>
-              <a:rPr lang="en-US" sz="2200" dirty="0" smtClean="0"/>
-              <a:t>over 444 months)</a:t>
-            </a:r>
-            <a:endParaRPr lang="en-US" sz="2200" dirty="0" smtClean="0"/>
-          </a:p>
-          <a:p>
-            <a:pPr lvl="1"/>
-            <a:r>
-              <a:rPr lang="en-US" sz="1800" dirty="0" smtClean="0"/>
-              <a:t>Use models that perform well in this setting</a:t>
-            </a:r>
-          </a:p>
-        </p:txBody>
-      </p:sp>
-      <p:sp>
-        <p:nvSpPr>
-          <p:cNvPr id="6" name="Slide Number Placeholder 5"/>
-          <p:cNvSpPr>
-            <a:spLocks noGrp="1"/>
-          </p:cNvSpPr>
-          <p:nvPr>
-            <p:ph type="sldNum" sz="quarter" idx="12"/>
-          </p:nvPr>
-        </p:nvSpPr>
-        <p:spPr/>
-        <p:txBody>
-          <a:bodyPr/>
-          <a:lstStyle/>
-          <a:p>
-            <a:fld id="{FC0CC166-4E39-43B8-AB91-BDD1C4C9E224}" type="slidenum">
-              <a:rPr lang="de-DE" smtClean="0"/>
-              <a:t>3</a:t>
-            </a:fld>
-            <a:endParaRPr lang="de-DE"/>
-          </a:p>
-        </p:txBody>
-      </p:sp>
-    </p:spTree>
-    <p:extLst>
-      <p:ext uri="{BB962C8B-B14F-4D97-AF65-F5344CB8AC3E}">
-        <p14:creationId xmlns:p14="http://schemas.microsoft.com/office/powerpoint/2010/main" val="1126378101"/>
-      </p:ext>
-    </p:extLst>
-  </p:cSld>
-  <p:clrMapOvr>
-    <a:masterClrMapping/>
-  </p:clrMapOvr>
-  <p:timing>
-    <p:tnLst>
-      <p:par>
-        <p:cTn id="1" dur="indefinite" restart="never" nodeType="tmRoot"/>
-      </p:par>
-    </p:tnLst>
-  </p:timing>
-</p:sld>
-</file>
-
-<file path=ppt/slides/slide30.xml><?xml version="1.0" encoding="utf-8"?>
+<file path=ppt/slides/slide32.xml><?xml version="1.0" encoding="utf-8"?>
 <p:sld xmlns:a="http://schemas.openxmlformats.org/drawingml/2006/main" xmlns:r="http://schemas.openxmlformats.org/officeDocument/2006/relationships" xmlns:p="http://schemas.openxmlformats.org/presentationml/2006/main">
   <p:cSld>
     <p:spTree>
@@ -13783,7 +15288,7 @@
           <a:p>
             <a:fld id="{FC0CC166-4E39-43B8-AB91-BDD1C4C9E224}" type="slidenum">
               <a:rPr lang="de-DE" smtClean="0"/>
-              <a:t>30</a:t>
+              <a:t>32</a:t>
             </a:fld>
             <a:endParaRPr lang="de-DE"/>
           </a:p>
@@ -13875,8 +15380,12 @@
           <a:lstStyle/>
           <a:p>
             <a:r>
+              <a:rPr lang="en-US" dirty="0" smtClean="0"/>
+              <a:t>Machine </a:t>
+            </a:r>
+            <a:r>
               <a:rPr lang="en-US" dirty="0"/>
-              <a:t>Some Machine Learning </a:t>
+              <a:t>Learning </a:t>
             </a:r>
             <a:r>
               <a:rPr lang="en-US" dirty="0" smtClean="0"/>
@@ -14055,6 +15564,56 @@
           </a:p>
         </p:txBody>
       </p:sp>
+      <p:sp>
+        <p:nvSpPr>
+          <p:cNvPr id="8" name="Rectangle 7"/>
+          <p:cNvSpPr/>
+          <p:nvPr/>
+        </p:nvSpPr>
+        <p:spPr>
+          <a:xfrm>
+            <a:off x="2142011" y="4941168"/>
+            <a:ext cx="5498713" cy="1003550"/>
+          </a:xfrm>
+          <a:prstGeom prst="rect">
+            <a:avLst/>
+          </a:prstGeom>
+          <a:solidFill>
+            <a:srgbClr val="92D050">
+              <a:alpha val="0"/>
+            </a:srgbClr>
+          </a:solidFill>
+          <a:ln>
+            <a:solidFill>
+              <a:srgbClr val="92D050"/>
+            </a:solidFill>
+          </a:ln>
+        </p:spPr>
+        <p:style>
+          <a:lnRef idx="2">
+            <a:schemeClr val="accent1">
+              <a:shade val="50000"/>
+            </a:schemeClr>
+          </a:lnRef>
+          <a:fillRef idx="1">
+            <a:schemeClr val="accent1"/>
+          </a:fillRef>
+          <a:effectRef idx="0">
+            <a:schemeClr val="accent1"/>
+          </a:effectRef>
+          <a:fontRef idx="minor">
+            <a:schemeClr val="lt1"/>
+          </a:fontRef>
+        </p:style>
+        <p:txBody>
+          <a:bodyPr rtlCol="0" anchor="ctr"/>
+          <a:lstStyle/>
+          <a:p>
+            <a:pPr algn="ctr"/>
+            <a:endParaRPr lang="en-US"/>
+          </a:p>
+        </p:txBody>
+      </p:sp>
     </p:spTree>
     <p:extLst>
       <p:ext uri="{BB962C8B-B14F-4D97-AF65-F5344CB8AC3E}">
@@ -14102,1134 +15661,6 @@
             <p:ph type="title"/>
           </p:nvPr>
         </p:nvSpPr>
-        <p:spPr>
-          <a:xfrm>
-            <a:off x="684000" y="260648"/>
-            <a:ext cx="5479200" cy="1141200"/>
-          </a:xfrm>
-        </p:spPr>
-        <p:txBody>
-          <a:bodyPr/>
-          <a:lstStyle/>
-          <a:p>
-            <a:r>
-              <a:rPr lang="en-US" dirty="0" smtClean="0"/>
-              <a:t>10-Fold Cross-Validation</a:t>
-            </a:r>
-            <a:endParaRPr lang="en-US" dirty="0"/>
-          </a:p>
-        </p:txBody>
-      </p:sp>
-      <p:sp>
-        <p:nvSpPr>
-          <p:cNvPr id="4" name="Date Placeholder 3"/>
-          <p:cNvSpPr>
-            <a:spLocks noGrp="1"/>
-          </p:cNvSpPr>
-          <p:nvPr>
-            <p:ph type="dt" sz="half" idx="4294967295"/>
-          </p:nvPr>
-        </p:nvSpPr>
-        <p:spPr>
-          <a:xfrm>
-            <a:off x="683568" y="6386400"/>
-            <a:ext cx="2133600" cy="180000"/>
-          </a:xfrm>
-          <a:prstGeom prst="rect">
-            <a:avLst/>
-          </a:prstGeom>
-        </p:spPr>
-        <p:txBody>
-          <a:bodyPr/>
-          <a:lstStyle/>
-          <a:p>
-            <a:r>
-              <a:rPr lang="de-DE" smtClean="0"/>
-              <a:t>06.12.2018</a:t>
-            </a:r>
-            <a:endParaRPr lang="de-DE" dirty="0"/>
-          </a:p>
-        </p:txBody>
-      </p:sp>
-      <p:sp>
-        <p:nvSpPr>
-          <p:cNvPr id="5" name="Footer Placeholder 4"/>
-          <p:cNvSpPr>
-            <a:spLocks noGrp="1"/>
-          </p:cNvSpPr>
-          <p:nvPr>
-            <p:ph type="ftr" sz="quarter" idx="4294967295"/>
-          </p:nvPr>
-        </p:nvSpPr>
-        <p:spPr>
-          <a:xfrm>
-            <a:off x="684000" y="6134400"/>
-            <a:ext cx="2895600" cy="180000"/>
-          </a:xfrm>
-          <a:prstGeom prst="rect">
-            <a:avLst/>
-          </a:prstGeom>
-        </p:spPr>
-        <p:txBody>
-          <a:bodyPr/>
-          <a:lstStyle/>
-          <a:p>
-            <a:r>
-              <a:rPr lang="de-DE" smtClean="0"/>
-              <a:t>Pavel Lesnevski</a:t>
-            </a:r>
-            <a:endParaRPr lang="de-DE" dirty="0"/>
-          </a:p>
-        </p:txBody>
-      </p:sp>
-      <p:pic>
-        <p:nvPicPr>
-          <p:cNvPr id="2051" name="Picture 3" descr="C:\Users\plesnevs\Desktop\k-fold_cross_validation.png"/>
-          <p:cNvPicPr>
-            <a:picLocks noChangeAspect="1" noChangeArrowheads="1"/>
-          </p:cNvPicPr>
-          <p:nvPr/>
-        </p:nvPicPr>
-        <p:blipFill>
-          <a:blip r:embed="rId2">
-            <a:extLst>
-              <a:ext uri="{28A0092B-C50C-407E-A947-70E740481C1C}">
-                <a14:useLocalDpi xmlns:a14="http://schemas.microsoft.com/office/drawing/2010/main" val="0"/>
-              </a:ext>
-            </a:extLst>
-          </a:blip>
-          <a:srcRect/>
-          <a:stretch>
-            <a:fillRect/>
-          </a:stretch>
-        </p:blipFill>
-        <p:spPr bwMode="auto">
-          <a:xfrm>
-            <a:off x="327844" y="3681028"/>
-            <a:ext cx="5256584" cy="2969699"/>
-          </a:xfrm>
-          <a:prstGeom prst="rect">
-            <a:avLst/>
-          </a:prstGeom>
-          <a:noFill/>
-          <a:extLst>
-            <a:ext uri="{909E8E84-426E-40DD-AFC4-6F175D3DCCD1}">
-              <a14:hiddenFill xmlns:a14="http://schemas.microsoft.com/office/drawing/2010/main">
-                <a:solidFill>
-                  <a:srgbClr val="FFFFFF"/>
-                </a:solidFill>
-              </a14:hiddenFill>
-            </a:ext>
-          </a:extLst>
-        </p:spPr>
-      </p:pic>
-      <p:sp>
-        <p:nvSpPr>
-          <p:cNvPr id="7" name="Right Arrow 6"/>
-          <p:cNvSpPr/>
-          <p:nvPr/>
-        </p:nvSpPr>
-        <p:spPr>
-          <a:xfrm>
-            <a:off x="5712629" y="5298560"/>
-            <a:ext cx="162018" cy="252028"/>
-          </a:xfrm>
-          <a:prstGeom prst="rightArrow">
-            <a:avLst/>
-          </a:prstGeom>
-        </p:spPr>
-        <p:style>
-          <a:lnRef idx="2">
-            <a:schemeClr val="accent1">
-              <a:shade val="50000"/>
-            </a:schemeClr>
-          </a:lnRef>
-          <a:fillRef idx="1">
-            <a:schemeClr val="accent1"/>
-          </a:fillRef>
-          <a:effectRef idx="0">
-            <a:schemeClr val="accent1"/>
-          </a:effectRef>
-          <a:fontRef idx="minor">
-            <a:schemeClr val="lt1"/>
-          </a:fontRef>
-        </p:style>
-        <p:txBody>
-          <a:bodyPr rtlCol="0" anchor="ctr"/>
-          <a:lstStyle/>
-          <a:p>
-            <a:pPr algn="ctr"/>
-            <a:endParaRPr lang="en-US"/>
-          </a:p>
-        </p:txBody>
-      </p:sp>
-      <mc:AlternateContent xmlns:mc="http://schemas.openxmlformats.org/markup-compatibility/2006" xmlns:a14="http://schemas.microsoft.com/office/drawing/2010/main">
-        <mc:Choice Requires="a14">
-          <p:sp>
-            <p:nvSpPr>
-              <p:cNvPr id="8" name="TextBox 7"/>
-              <p:cNvSpPr txBox="1"/>
-              <p:nvPr/>
-            </p:nvSpPr>
-            <p:spPr>
-              <a:xfrm>
-                <a:off x="6048164" y="4771498"/>
-                <a:ext cx="3168352" cy="1316194"/>
-              </a:xfrm>
-              <a:prstGeom prst="rect">
-                <a:avLst/>
-              </a:prstGeom>
-              <a:noFill/>
-            </p:spPr>
-            <p:txBody>
-              <a:bodyPr wrap="square" rtlCol="0">
-                <a:spAutoFit/>
-              </a:bodyPr>
-              <a:lstStyle/>
-              <a:p>
-                <a:r>
-                  <a:rPr lang="en-US" dirty="0" smtClean="0"/>
-                  <a:t>Model parameters</a:t>
-                </a:r>
-                <a:r>
-                  <a:rPr lang="x-none" dirty="0" smtClean="0"/>
-                  <a:t> (</a:t>
-                </a:r>
-                <a14:m>
-                  <m:oMath xmlns:m="http://schemas.openxmlformats.org/officeDocument/2006/math">
-                    <m:r>
-                      <m:rPr>
-                        <m:sty m:val="p"/>
-                      </m:rPr>
-                      <a:rPr lang="el-GR" i="1">
-                        <a:latin typeface="Cambria Math" panose="02040503050406030204" pitchFamily="18" charset="0"/>
-                      </a:rPr>
-                      <m:t>λ</m:t>
-                    </m:r>
-                  </m:oMath>
-                </a14:m>
-                <a:r>
-                  <a:rPr lang="x-none" dirty="0" smtClean="0"/>
-                  <a:t>)</a:t>
-                </a:r>
-                <a:r>
-                  <a:rPr lang="en-US" dirty="0" smtClean="0"/>
-                  <a:t>  are chosen that minimize :</a:t>
-                </a:r>
-              </a:p>
-              <a:p>
-                <a14:m>
-                  <m:oMath xmlns:m="http://schemas.openxmlformats.org/officeDocument/2006/math">
-                    <m:r>
-                      <a:rPr lang="en-US" b="0" i="1" smtClean="0">
-                        <a:latin typeface="Cambria Math"/>
-                      </a:rPr>
-                      <m:t>𝐶𝑉𝑀𝑆𝐸</m:t>
-                    </m:r>
-                    <m:r>
-                      <a:rPr lang="en-US" b="0" i="1" smtClean="0">
-                        <a:latin typeface="Cambria Math"/>
-                      </a:rPr>
-                      <m:t>(</m:t>
-                    </m:r>
-                    <m:r>
-                      <m:rPr>
-                        <m:sty m:val="p"/>
-                      </m:rPr>
-                      <a:rPr lang="el-GR" i="1">
-                        <a:latin typeface="Cambria Math" panose="02040503050406030204" pitchFamily="18" charset="0"/>
-                      </a:rPr>
-                      <m:t>λ</m:t>
-                    </m:r>
-                    <m:r>
-                      <a:rPr lang="en-US" b="0" i="1" smtClean="0">
-                        <a:latin typeface="Cambria Math"/>
-                      </a:rPr>
-                      <m:t>)</m:t>
-                    </m:r>
-                  </m:oMath>
-                </a14:m>
-                <a:r>
-                  <a:rPr lang="en-US" dirty="0" smtClean="0"/>
-                  <a:t>=</a:t>
-                </a:r>
-                <a14:m>
-                  <m:oMath xmlns:m="http://schemas.openxmlformats.org/officeDocument/2006/math">
-                    <m:f>
-                      <m:fPr>
-                        <m:ctrlPr>
-                          <a:rPr lang="en-US" i="1" dirty="0" smtClean="0">
-                            <a:latin typeface="Cambria Math" panose="02040503050406030204" pitchFamily="18" charset="0"/>
-                          </a:rPr>
-                        </m:ctrlPr>
-                      </m:fPr>
-                      <m:num>
-                        <m:r>
-                          <a:rPr lang="en-US" b="0" i="1" dirty="0" smtClean="0">
-                            <a:latin typeface="Cambria Math"/>
-                          </a:rPr>
-                          <m:t>1</m:t>
-                        </m:r>
-                      </m:num>
-                      <m:den>
-                        <m:r>
-                          <a:rPr lang="en-US" b="0" i="1" dirty="0" smtClean="0">
-                            <a:latin typeface="Cambria Math"/>
-                          </a:rPr>
-                          <m:t>10</m:t>
-                        </m:r>
-                      </m:den>
-                    </m:f>
-                    <m:nary>
-                      <m:naryPr>
-                        <m:chr m:val="∑"/>
-                        <m:ctrlPr>
-                          <a:rPr lang="en-US" i="1" dirty="0" smtClean="0">
-                            <a:latin typeface="Cambria Math" panose="02040503050406030204" pitchFamily="18" charset="0"/>
-                          </a:rPr>
-                        </m:ctrlPr>
-                      </m:naryPr>
-                      <m:sub>
-                        <m:r>
-                          <m:rPr>
-                            <m:brk m:alnAt="23"/>
-                          </m:rPr>
-                          <a:rPr lang="en-US" b="0" i="1" dirty="0" smtClean="0">
-                            <a:latin typeface="Cambria Math"/>
-                          </a:rPr>
-                          <m:t>𝑖</m:t>
-                        </m:r>
-                        <m:r>
-                          <a:rPr lang="en-US" b="0" i="1" dirty="0" smtClean="0">
-                            <a:latin typeface="Cambria Math"/>
-                          </a:rPr>
-                          <m:t>=1</m:t>
-                        </m:r>
-                      </m:sub>
-                      <m:sup>
-                        <m:r>
-                          <a:rPr lang="en-US" b="0" i="1" dirty="0" smtClean="0">
-                            <a:latin typeface="Cambria Math"/>
-                          </a:rPr>
-                          <m:t>10</m:t>
-                        </m:r>
-                      </m:sup>
-                      <m:e>
-                        <m:sSub>
-                          <m:sSubPr>
-                            <m:ctrlPr>
-                              <a:rPr lang="en-US" b="0" i="1" dirty="0" smtClean="0">
-                                <a:latin typeface="Cambria Math" panose="02040503050406030204" pitchFamily="18" charset="0"/>
-                              </a:rPr>
-                            </m:ctrlPr>
-                          </m:sSubPr>
-                          <m:e>
-                            <m:r>
-                              <a:rPr lang="x-none" b="0" i="1" dirty="0" smtClean="0">
-                                <a:latin typeface="Cambria Math" panose="02040503050406030204" pitchFamily="18" charset="0"/>
-                              </a:rPr>
-                              <m:t>𝑉</m:t>
-                            </m:r>
-                            <m:r>
-                              <a:rPr lang="en-US" i="1" dirty="0">
-                                <a:latin typeface="Cambria Math"/>
-                              </a:rPr>
-                              <m:t>𝑀𝑆𝐸</m:t>
-                            </m:r>
-                          </m:e>
-                          <m:sub>
-                            <m:r>
-                              <a:rPr lang="en-US" b="0" i="1" dirty="0" smtClean="0">
-                                <a:latin typeface="Cambria Math"/>
-                              </a:rPr>
-                              <m:t>𝑖</m:t>
-                            </m:r>
-                          </m:sub>
-                        </m:sSub>
-                        <m:r>
-                          <a:rPr lang="en-US" b="0" i="1" dirty="0" smtClean="0">
-                            <a:latin typeface="Cambria Math"/>
-                          </a:rPr>
-                          <m:t>(</m:t>
-                        </m:r>
-                        <m:r>
-                          <m:rPr>
-                            <m:sty m:val="p"/>
-                          </m:rPr>
-                          <a:rPr lang="el-GR" i="1">
-                            <a:latin typeface="Cambria Math" panose="02040503050406030204" pitchFamily="18" charset="0"/>
-                          </a:rPr>
-                          <m:t>λ</m:t>
-                        </m:r>
-                        <m:r>
-                          <a:rPr lang="en-US" b="0" i="1" dirty="0" smtClean="0">
-                            <a:latin typeface="Cambria Math"/>
-                          </a:rPr>
-                          <m:t>)</m:t>
-                        </m:r>
-                      </m:e>
-                    </m:nary>
-                  </m:oMath>
-                </a14:m>
-                <a:endParaRPr lang="en-US" dirty="0" smtClean="0"/>
-              </a:p>
-              <a:p>
-                <a:r>
-                  <a:rPr lang="en-US" dirty="0" smtClean="0"/>
-                  <a:t> </a:t>
-                </a:r>
-                <a:endParaRPr lang="en-US" dirty="0"/>
-              </a:p>
-            </p:txBody>
-          </p:sp>
-        </mc:Choice>
-        <mc:Fallback xmlns="">
-          <p:sp>
-            <p:nvSpPr>
-              <p:cNvPr id="8" name="TextBox 7"/>
-              <p:cNvSpPr txBox="1">
-                <a:spLocks noRot="1" noChangeAspect="1" noMove="1" noResize="1" noEditPoints="1" noAdjustHandles="1" noChangeArrowheads="1" noChangeShapeType="1" noTextEdit="1"/>
-              </p:cNvSpPr>
-              <p:nvPr/>
-            </p:nvSpPr>
-            <p:spPr>
-              <a:xfrm>
-                <a:off x="6048164" y="4771498"/>
-                <a:ext cx="3168352" cy="1316194"/>
-              </a:xfrm>
-              <a:prstGeom prst="rect">
-                <a:avLst/>
-              </a:prstGeom>
-              <a:blipFill>
-                <a:blip r:embed="rId4"/>
-                <a:stretch>
-                  <a:fillRect l="-1538" t="-2778" b="-26389"/>
-                </a:stretch>
-              </a:blipFill>
-            </p:spPr>
-            <p:txBody>
-              <a:bodyPr/>
-              <a:lstStyle/>
-              <a:p>
-                <a:r>
-                  <a:rPr lang="en-US">
-                    <a:noFill/>
-                  </a:rPr>
-                  <a:t> </a:t>
-                </a:r>
-              </a:p>
-            </p:txBody>
-          </p:sp>
-        </mc:Fallback>
-      </mc:AlternateContent>
-      <p:sp>
-        <p:nvSpPr>
-          <p:cNvPr id="10" name="TextBox 9"/>
-          <p:cNvSpPr txBox="1"/>
-          <p:nvPr/>
-        </p:nvSpPr>
-        <p:spPr>
-          <a:xfrm>
-            <a:off x="5979247" y="1268760"/>
-            <a:ext cx="3093253" cy="2031325"/>
-          </a:xfrm>
-          <a:prstGeom prst="rect">
-            <a:avLst/>
-          </a:prstGeom>
-          <a:noFill/>
-        </p:spPr>
-        <p:txBody>
-          <a:bodyPr wrap="square" rtlCol="0">
-            <a:spAutoFit/>
-          </a:bodyPr>
-          <a:lstStyle/>
-          <a:p>
-            <a:pPr marL="285750" indent="-285750">
-              <a:buFont typeface="Arial" panose="020B0604020202020204" pitchFamily="34" charset="0"/>
-              <a:buChar char="•"/>
-            </a:pPr>
-            <a:r>
-              <a:rPr lang="en-US" dirty="0"/>
-              <a:t>414 months </a:t>
-            </a:r>
-            <a:r>
-              <a:rPr lang="en-US" dirty="0" smtClean="0"/>
-              <a:t>for training</a:t>
-            </a:r>
-          </a:p>
-          <a:p>
-            <a:pPr marL="285750" indent="-285750">
-              <a:buFont typeface="Arial" panose="020B0604020202020204" pitchFamily="34" charset="0"/>
-              <a:buChar char="•"/>
-            </a:pPr>
-            <a:r>
-              <a:rPr lang="en-US" dirty="0" smtClean="0"/>
-              <a:t>Use the estimated model to predict future returns</a:t>
-            </a:r>
-          </a:p>
-          <a:p>
-            <a:pPr marL="285750" indent="-285750">
-              <a:buFont typeface="Arial" panose="020B0604020202020204" pitchFamily="34" charset="0"/>
-              <a:buChar char="•"/>
-            </a:pPr>
-            <a:r>
-              <a:rPr lang="en-US" dirty="0" smtClean="0"/>
-              <a:t>30 </a:t>
-            </a:r>
-            <a:r>
-              <a:rPr lang="en-US" dirty="0"/>
-              <a:t>months </a:t>
-            </a:r>
-            <a:r>
-              <a:rPr lang="en-US" dirty="0" smtClean="0"/>
-              <a:t>for testing</a:t>
-            </a:r>
-          </a:p>
-          <a:p>
-            <a:pPr marL="285750" indent="-285750">
-              <a:buFont typeface="Arial" panose="020B0604020202020204" pitchFamily="34" charset="0"/>
-              <a:buChar char="•"/>
-            </a:pPr>
-            <a:r>
-              <a:rPr lang="en-US" dirty="0" smtClean="0"/>
-              <a:t>MSE on the test set as a measure of prediction accuracy</a:t>
-            </a:r>
-            <a:endParaRPr lang="en-US" dirty="0"/>
-          </a:p>
-        </p:txBody>
-      </p:sp>
-      <p:sp>
-        <p:nvSpPr>
-          <p:cNvPr id="11" name="Rectangle 10"/>
-          <p:cNvSpPr/>
-          <p:nvPr/>
-        </p:nvSpPr>
-        <p:spPr>
-          <a:xfrm>
-            <a:off x="3461711" y="4077072"/>
-            <a:ext cx="819425" cy="360040"/>
-          </a:xfrm>
-          <a:prstGeom prst="rect">
-            <a:avLst/>
-          </a:prstGeom>
-        </p:spPr>
-        <p:style>
-          <a:lnRef idx="2">
-            <a:schemeClr val="accent1">
-              <a:shade val="50000"/>
-            </a:schemeClr>
-          </a:lnRef>
-          <a:fillRef idx="1">
-            <a:schemeClr val="accent1"/>
-          </a:fillRef>
-          <a:effectRef idx="0">
-            <a:schemeClr val="accent1"/>
-          </a:effectRef>
-          <a:fontRef idx="minor">
-            <a:schemeClr val="lt1"/>
-          </a:fontRef>
-        </p:style>
-        <p:txBody>
-          <a:bodyPr rtlCol="0" anchor="ctr"/>
-          <a:lstStyle/>
-          <a:p>
-            <a:pPr algn="ctr"/>
-            <a:r>
-              <a:rPr lang="en-US" sz="1000" dirty="0" smtClean="0"/>
-              <a:t>Validation</a:t>
-            </a:r>
-            <a:endParaRPr lang="en-US" sz="1000" dirty="0"/>
-          </a:p>
-        </p:txBody>
-      </p:sp>
-      <mc:AlternateContent xmlns:mc="http://schemas.openxmlformats.org/markup-compatibility/2006" xmlns:a14="http://schemas.microsoft.com/office/drawing/2010/main">
-        <mc:Choice Requires="a14">
-          <p:sp>
-            <p:nvSpPr>
-              <p:cNvPr id="3" name="TextBox 2"/>
-              <p:cNvSpPr txBox="1"/>
-              <p:nvPr/>
-            </p:nvSpPr>
-            <p:spPr>
-              <a:xfrm>
-                <a:off x="5512928" y="5827825"/>
-                <a:ext cx="3559572" cy="648575"/>
-              </a:xfrm>
-              <a:prstGeom prst="rect">
-                <a:avLst/>
-              </a:prstGeom>
-              <a:noFill/>
-            </p:spPr>
-            <p:txBody>
-              <a:bodyPr wrap="square" rtlCol="0">
-                <a:spAutoFit/>
-              </a:bodyPr>
-              <a:lstStyle/>
-              <a:p>
-                <a:pPr/>
-                <a14:m>
-                  <m:oMathPara xmlns:m="http://schemas.openxmlformats.org/officeDocument/2006/math">
-                    <m:oMathParaPr>
-                      <m:jc m:val="centerGroup"/>
-                    </m:oMathParaPr>
-                    <m:oMath xmlns:m="http://schemas.openxmlformats.org/officeDocument/2006/math">
-                      <m:sSub>
-                        <m:sSubPr>
-                          <m:ctrlPr>
-                            <a:rPr lang="en-US" i="1" dirty="0" smtClean="0">
-                              <a:latin typeface="Cambria Math" panose="02040503050406030204" pitchFamily="18" charset="0"/>
-                            </a:rPr>
-                          </m:ctrlPr>
-                        </m:sSubPr>
-                        <m:e>
-                          <m:r>
-                            <a:rPr lang="x-none" b="0" i="1" dirty="0" smtClean="0">
-                              <a:latin typeface="Cambria Math" panose="02040503050406030204" pitchFamily="18" charset="0"/>
-                            </a:rPr>
-                            <m:t>𝑉</m:t>
-                          </m:r>
-                          <m:r>
-                            <a:rPr lang="x-none" i="1">
-                              <a:latin typeface="Cambria Math" panose="02040503050406030204" pitchFamily="18" charset="0"/>
-                            </a:rPr>
-                            <m:t>𝑀𝑆𝐸</m:t>
-                          </m:r>
-                        </m:e>
-                        <m:sub>
-                          <m:r>
-                            <a:rPr lang="x-none" b="0" i="1" dirty="0" smtClean="0">
-                              <a:latin typeface="Cambria Math" panose="02040503050406030204" pitchFamily="18" charset="0"/>
-                            </a:rPr>
-                            <m:t>𝑖</m:t>
-                          </m:r>
-                        </m:sub>
-                      </m:sSub>
-                      <m:r>
-                        <a:rPr lang="en-US" i="1" dirty="0">
-                          <a:latin typeface="Cambria Math"/>
-                        </a:rPr>
-                        <m:t>(</m:t>
-                      </m:r>
-                      <m:r>
-                        <m:rPr>
-                          <m:sty m:val="p"/>
-                        </m:rPr>
-                        <a:rPr lang="el-GR" i="1">
-                          <a:latin typeface="Cambria Math" panose="02040503050406030204" pitchFamily="18" charset="0"/>
-                        </a:rPr>
-                        <m:t>λ</m:t>
-                      </m:r>
-                      <m:r>
-                        <a:rPr lang="en-US" i="1" dirty="0">
-                          <a:latin typeface="Cambria Math"/>
-                        </a:rPr>
-                        <m:t>)</m:t>
-                      </m:r>
-                      <m:r>
-                        <a:rPr lang="x-none" b="0" i="1" dirty="0" smtClean="0">
-                          <a:latin typeface="Cambria Math" panose="02040503050406030204" pitchFamily="18" charset="0"/>
-                        </a:rPr>
-                        <m:t>=</m:t>
-                      </m:r>
-                      <m:f>
-                        <m:fPr>
-                          <m:ctrlPr>
-                            <a:rPr lang="x-none" b="0" i="1" dirty="0" smtClean="0">
-                              <a:latin typeface="Cambria Math" panose="02040503050406030204" pitchFamily="18" charset="0"/>
-                            </a:rPr>
-                          </m:ctrlPr>
-                        </m:fPr>
-                        <m:num>
-                          <m:r>
-                            <a:rPr lang="x-none" b="0" i="1" dirty="0" smtClean="0">
-                              <a:latin typeface="Cambria Math" panose="02040503050406030204" pitchFamily="18" charset="0"/>
-                            </a:rPr>
-                            <m:t>1</m:t>
-                          </m:r>
-                        </m:num>
-                        <m:den>
-                          <m:r>
-                            <a:rPr lang="x-none" b="0" i="1" dirty="0" smtClean="0">
-                              <a:latin typeface="Cambria Math" panose="02040503050406030204" pitchFamily="18" charset="0"/>
-                            </a:rPr>
-                            <m:t>𝑛</m:t>
-                          </m:r>
-                        </m:den>
-                      </m:f>
-                      <m:nary>
-                        <m:naryPr>
-                          <m:chr m:val="∑"/>
-                          <m:limLoc m:val="subSup"/>
-                          <m:supHide m:val="on"/>
-                          <m:ctrlPr>
-                            <a:rPr lang="x-none" i="1" dirty="0">
-                              <a:latin typeface="Cambria Math" panose="02040503050406030204" pitchFamily="18" charset="0"/>
-                            </a:rPr>
-                          </m:ctrlPr>
-                        </m:naryPr>
-                        <m:sub>
-                          <m:r>
-                            <m:rPr>
-                              <m:brk m:alnAt="9"/>
-                            </m:rPr>
-                            <a:rPr lang="x-none" b="0" i="1" dirty="0" smtClean="0">
-                              <a:latin typeface="Cambria Math" panose="02040503050406030204" pitchFamily="18" charset="0"/>
-                            </a:rPr>
-                            <m:t>𝑘</m:t>
-                          </m:r>
-                        </m:sub>
-                        <m:sup/>
-                        <m:e>
-                          <m:sSup>
-                            <m:sSupPr>
-                              <m:ctrlPr>
-                                <a:rPr lang="x-none" i="1" dirty="0">
-                                  <a:latin typeface="Cambria Math" panose="02040503050406030204" pitchFamily="18" charset="0"/>
-                                </a:rPr>
-                              </m:ctrlPr>
-                            </m:sSupPr>
-                            <m:e>
-                              <m:r>
-                                <a:rPr lang="x-none" i="1" dirty="0">
-                                  <a:latin typeface="Cambria Math" panose="02040503050406030204" pitchFamily="18" charset="0"/>
-                                </a:rPr>
-                                <m:t> (</m:t>
-                              </m:r>
-                              <m:sSub>
-                                <m:sSubPr>
-                                  <m:ctrlPr>
-                                    <a:rPr lang="x-none" i="1" dirty="0">
-                                      <a:latin typeface="Cambria Math" panose="02040503050406030204" pitchFamily="18" charset="0"/>
-                                    </a:rPr>
-                                  </m:ctrlPr>
-                                </m:sSubPr>
-                                <m:e>
-                                  <m:r>
-                                    <a:rPr lang="x-none" i="1" dirty="0">
-                                      <a:latin typeface="Cambria Math" panose="02040503050406030204" pitchFamily="18" charset="0"/>
-                                    </a:rPr>
-                                    <m:t>𝑦</m:t>
-                                  </m:r>
-                                </m:e>
-                                <m:sub>
-                                  <m:r>
-                                    <a:rPr lang="x-none" i="1" dirty="0">
-                                      <a:latin typeface="Cambria Math" panose="02040503050406030204" pitchFamily="18" charset="0"/>
-                                    </a:rPr>
-                                    <m:t>𝑘</m:t>
-                                  </m:r>
-                                </m:sub>
-                              </m:sSub>
-                              <m:r>
-                                <a:rPr lang="x-none" i="1" dirty="0">
-                                  <a:latin typeface="Cambria Math" panose="02040503050406030204" pitchFamily="18" charset="0"/>
-                                </a:rPr>
-                                <m:t>−</m:t>
-                              </m:r>
-                              <m:sSub>
-                                <m:sSubPr>
-                                  <m:ctrlPr>
-                                    <a:rPr lang="x-none" i="1" dirty="0" smtClean="0">
-                                      <a:latin typeface="Cambria Math" panose="02040503050406030204" pitchFamily="18" charset="0"/>
-                                    </a:rPr>
-                                  </m:ctrlPr>
-                                </m:sSubPr>
-                                <m:e>
-                                  <m:acc>
-                                    <m:accPr>
-                                      <m:chr m:val="̂"/>
-                                      <m:ctrlPr>
-                                        <a:rPr lang="x-none" i="1" dirty="0">
-                                          <a:latin typeface="Cambria Math" panose="02040503050406030204" pitchFamily="18" charset="0"/>
-                                        </a:rPr>
-                                      </m:ctrlPr>
-                                    </m:accPr>
-                                    <m:e>
-                                      <m:r>
-                                        <a:rPr lang="x-none" i="1" dirty="0">
-                                          <a:latin typeface="Cambria Math" panose="02040503050406030204" pitchFamily="18" charset="0"/>
-                                        </a:rPr>
-                                        <m:t>𝑦</m:t>
-                                      </m:r>
-                                    </m:e>
-                                  </m:acc>
-                                </m:e>
-                                <m:sub>
-                                  <m:r>
-                                    <a:rPr lang="x-none" b="0" i="1" dirty="0" smtClean="0">
-                                      <a:latin typeface="Cambria Math" panose="02040503050406030204" pitchFamily="18" charset="0"/>
-                                    </a:rPr>
-                                    <m:t>𝑘</m:t>
-                                  </m:r>
-                                </m:sub>
-                              </m:sSub>
-                              <m:r>
-                                <a:rPr lang="en-US" i="1" dirty="0">
-                                  <a:latin typeface="Cambria Math"/>
-                                </a:rPr>
-                                <m:t>(</m:t>
-                              </m:r>
-                              <m:r>
-                                <m:rPr>
-                                  <m:sty m:val="p"/>
-                                </m:rPr>
-                                <a:rPr lang="el-GR" i="1">
-                                  <a:latin typeface="Cambria Math" panose="02040503050406030204" pitchFamily="18" charset="0"/>
-                                </a:rPr>
-                                <m:t>λ</m:t>
-                              </m:r>
-                              <m:r>
-                                <a:rPr lang="en-US" i="1" dirty="0">
-                                  <a:latin typeface="Cambria Math"/>
-                                </a:rPr>
-                                <m:t>)</m:t>
-                              </m:r>
-                              <m:r>
-                                <a:rPr lang="x-none" i="1" dirty="0">
-                                  <a:latin typeface="Cambria Math" panose="02040503050406030204" pitchFamily="18" charset="0"/>
-                                </a:rPr>
-                                <m:t>)</m:t>
-                              </m:r>
-                            </m:e>
-                            <m:sup>
-                              <m:r>
-                                <a:rPr lang="x-none" i="1" dirty="0">
-                                  <a:latin typeface="Cambria Math" panose="02040503050406030204" pitchFamily="18" charset="0"/>
-                                </a:rPr>
-                                <m:t>2</m:t>
-                              </m:r>
-                            </m:sup>
-                          </m:sSup>
-                        </m:e>
-                      </m:nary>
-                    </m:oMath>
-                  </m:oMathPara>
-                </a14:m>
-                <a:endParaRPr lang="en-US" dirty="0"/>
-              </a:p>
-            </p:txBody>
-          </p:sp>
-        </mc:Choice>
-        <mc:Fallback xmlns="">
-          <p:sp>
-            <p:nvSpPr>
-              <p:cNvPr id="3" name="TextBox 2"/>
-              <p:cNvSpPr txBox="1">
-                <a:spLocks noRot="1" noChangeAspect="1" noMove="1" noResize="1" noEditPoints="1" noAdjustHandles="1" noChangeArrowheads="1" noChangeShapeType="1" noTextEdit="1"/>
-              </p:cNvSpPr>
-              <p:nvPr/>
-            </p:nvSpPr>
-            <p:spPr>
-              <a:xfrm>
-                <a:off x="5512928" y="5827825"/>
-                <a:ext cx="3559572" cy="648575"/>
-              </a:xfrm>
-              <a:prstGeom prst="rect">
-                <a:avLst/>
-              </a:prstGeom>
-              <a:blipFill>
-                <a:blip r:embed="rId5"/>
-                <a:stretch>
-                  <a:fillRect/>
-                </a:stretch>
-              </a:blipFill>
-            </p:spPr>
-            <p:txBody>
-              <a:bodyPr/>
-              <a:lstStyle/>
-              <a:p>
-                <a:r>
-                  <a:rPr lang="en-US">
-                    <a:noFill/>
-                  </a:rPr>
-                  <a:t> </a:t>
-                </a:r>
-              </a:p>
-            </p:txBody>
-          </p:sp>
-        </mc:Fallback>
-      </mc:AlternateContent>
-      <mc:AlternateContent xmlns:mc="http://schemas.openxmlformats.org/markup-compatibility/2006" xmlns:a14="http://schemas.microsoft.com/office/drawing/2010/main">
-        <mc:Choice Requires="a14">
-          <p:sp>
-            <p:nvSpPr>
-              <p:cNvPr id="12" name="TextBox 11"/>
-              <p:cNvSpPr txBox="1"/>
-              <p:nvPr/>
-            </p:nvSpPr>
-            <p:spPr>
-              <a:xfrm>
-                <a:off x="215516" y="4077072"/>
-                <a:ext cx="1260140" cy="369332"/>
-              </a:xfrm>
-              <a:prstGeom prst="rect">
-                <a:avLst/>
-              </a:prstGeom>
-              <a:noFill/>
-            </p:spPr>
-            <p:txBody>
-              <a:bodyPr wrap="square" rtlCol="0">
-                <a:spAutoFit/>
-              </a:bodyPr>
-              <a:lstStyle/>
-              <a:p>
-                <a:r>
-                  <a:rPr lang="x-none" dirty="0" smtClean="0"/>
-                  <a:t>For each </a:t>
-                </a:r>
-                <a14:m>
-                  <m:oMath xmlns:m="http://schemas.openxmlformats.org/officeDocument/2006/math">
-                    <m:r>
-                      <m:rPr>
-                        <m:sty m:val="p"/>
-                      </m:rPr>
-                      <a:rPr lang="el-GR" i="1">
-                        <a:latin typeface="Cambria Math" panose="02040503050406030204" pitchFamily="18" charset="0"/>
-                      </a:rPr>
-                      <m:t>λ</m:t>
-                    </m:r>
-                    <m:r>
-                      <a:rPr lang="x-none" b="0" i="1" smtClean="0">
-                        <a:latin typeface="Cambria Math" panose="02040503050406030204" pitchFamily="18" charset="0"/>
-                      </a:rPr>
-                      <m:t>:</m:t>
-                    </m:r>
-                  </m:oMath>
-                </a14:m>
-                <a:r>
-                  <a:rPr lang="x-none" dirty="0" smtClean="0"/>
-                  <a:t> </a:t>
-                </a:r>
-              </a:p>
-            </p:txBody>
-          </p:sp>
-        </mc:Choice>
-        <mc:Fallback xmlns="">
-          <p:sp>
-            <p:nvSpPr>
-              <p:cNvPr id="12" name="TextBox 11"/>
-              <p:cNvSpPr txBox="1">
-                <a:spLocks noRot="1" noChangeAspect="1" noMove="1" noResize="1" noEditPoints="1" noAdjustHandles="1" noChangeArrowheads="1" noChangeShapeType="1" noTextEdit="1"/>
-              </p:cNvSpPr>
-              <p:nvPr/>
-            </p:nvSpPr>
-            <p:spPr>
-              <a:xfrm>
-                <a:off x="215516" y="4077072"/>
-                <a:ext cx="1260140" cy="369332"/>
-              </a:xfrm>
-              <a:prstGeom prst="rect">
-                <a:avLst/>
-              </a:prstGeom>
-              <a:blipFill>
-                <a:blip r:embed="rId6"/>
-                <a:stretch>
-                  <a:fillRect l="-3865" t="-10000" b="-26667"/>
-                </a:stretch>
-              </a:blipFill>
-            </p:spPr>
-            <p:txBody>
-              <a:bodyPr/>
-              <a:lstStyle/>
-              <a:p>
-                <a:r>
-                  <a:rPr lang="en-US">
-                    <a:noFill/>
-                  </a:rPr>
-                  <a:t> </a:t>
-                </a:r>
-              </a:p>
-            </p:txBody>
-          </p:sp>
-        </mc:Fallback>
-      </mc:AlternateContent>
-      <p:grpSp>
-        <p:nvGrpSpPr>
-          <p:cNvPr id="14" name="Group 13"/>
-          <p:cNvGrpSpPr/>
-          <p:nvPr/>
-        </p:nvGrpSpPr>
-        <p:grpSpPr>
-          <a:xfrm>
-            <a:off x="683568" y="1556792"/>
-            <a:ext cx="5395064" cy="1255923"/>
-            <a:chOff x="317565" y="1705026"/>
-            <a:chExt cx="5766603" cy="1255923"/>
-          </a:xfrm>
-        </p:grpSpPr>
-        <p:pic>
-          <p:nvPicPr>
-            <p:cNvPr id="6" name="Picture 5"/>
-            <p:cNvPicPr>
-              <a:picLocks noChangeAspect="1"/>
-            </p:cNvPicPr>
-            <p:nvPr/>
-          </p:nvPicPr>
-          <p:blipFill rotWithShape="1">
-            <a:blip r:embed="rId7">
-              <a:extLst>
-                <a:ext uri="{28A0092B-C50C-407E-A947-70E740481C1C}">
-                  <a14:useLocalDpi xmlns:a14="http://schemas.microsoft.com/office/drawing/2010/main" val="0"/>
-                </a:ext>
-              </a:extLst>
-            </a:blip>
-            <a:srcRect t="1" b="30842"/>
-            <a:stretch/>
-          </p:blipFill>
-          <p:spPr>
-            <a:xfrm>
-              <a:off x="317565" y="1705026"/>
-              <a:ext cx="5766603" cy="1255922"/>
-            </a:xfrm>
-            <a:prstGeom prst="rect">
-              <a:avLst/>
-            </a:prstGeom>
-          </p:spPr>
-        </p:pic>
-        <p:sp>
-          <p:nvSpPr>
-            <p:cNvPr id="9" name="Rectangle 8"/>
-            <p:cNvSpPr/>
-            <p:nvPr/>
-          </p:nvSpPr>
-          <p:spPr>
-            <a:xfrm>
-              <a:off x="3579600" y="2672917"/>
-              <a:ext cx="1352440" cy="288032"/>
-            </a:xfrm>
-            <a:prstGeom prst="rect">
-              <a:avLst/>
-            </a:prstGeom>
-            <a:solidFill>
-              <a:schemeClr val="bg1"/>
-            </a:solidFill>
-            <a:ln>
-              <a:solidFill>
-                <a:schemeClr val="bg1"/>
-              </a:solidFill>
-            </a:ln>
-          </p:spPr>
-          <p:style>
-            <a:lnRef idx="2">
-              <a:schemeClr val="accent1">
-                <a:shade val="50000"/>
-              </a:schemeClr>
-            </a:lnRef>
-            <a:fillRef idx="1">
-              <a:schemeClr val="accent1"/>
-            </a:fillRef>
-            <a:effectRef idx="0">
-              <a:schemeClr val="accent1"/>
-            </a:effectRef>
-            <a:fontRef idx="minor">
-              <a:schemeClr val="lt1"/>
-            </a:fontRef>
-          </p:style>
-          <p:txBody>
-            <a:bodyPr rtlCol="0" anchor="ctr"/>
-            <a:lstStyle/>
-            <a:p>
-              <a:pPr algn="ctr"/>
-              <a:endParaRPr lang="de-DE"/>
-            </a:p>
-          </p:txBody>
-        </p:sp>
-        <p:sp>
-          <p:nvSpPr>
-            <p:cNvPr id="13" name="Rectangle 12"/>
-            <p:cNvSpPr/>
-            <p:nvPr/>
-          </p:nvSpPr>
-          <p:spPr>
-            <a:xfrm>
-              <a:off x="5742130" y="1880828"/>
-              <a:ext cx="162018" cy="180020"/>
-            </a:xfrm>
-            <a:prstGeom prst="rect">
-              <a:avLst/>
-            </a:prstGeom>
-            <a:solidFill>
-              <a:schemeClr val="bg1"/>
-            </a:solidFill>
-            <a:ln>
-              <a:solidFill>
-                <a:schemeClr val="bg1"/>
-              </a:solidFill>
-            </a:ln>
-          </p:spPr>
-          <p:style>
-            <a:lnRef idx="2">
-              <a:schemeClr val="accent1">
-                <a:shade val="50000"/>
-              </a:schemeClr>
-            </a:lnRef>
-            <a:fillRef idx="1">
-              <a:schemeClr val="accent1"/>
-            </a:fillRef>
-            <a:effectRef idx="0">
-              <a:schemeClr val="accent1"/>
-            </a:effectRef>
-            <a:fontRef idx="minor">
-              <a:schemeClr val="lt1"/>
-            </a:fontRef>
-          </p:style>
-          <p:txBody>
-            <a:bodyPr rtlCol="0" anchor="ctr"/>
-            <a:lstStyle/>
-            <a:p>
-              <a:pPr algn="ctr"/>
-              <a:endParaRPr lang="de-DE"/>
-            </a:p>
-          </p:txBody>
-        </p:sp>
-      </p:grpSp>
-    </p:spTree>
-    <p:extLst>
-      <p:ext uri="{BB962C8B-B14F-4D97-AF65-F5344CB8AC3E}">
-        <p14:creationId xmlns:p14="http://schemas.microsoft.com/office/powerpoint/2010/main" val="3769935853"/>
-      </p:ext>
-    </p:extLst>
-  </p:cSld>
-  <p:clrMapOvr>
-    <a:masterClrMapping/>
-  </p:clrMapOvr>
-  <p:timing>
-    <p:tnLst>
-      <p:par>
-        <p:cTn id="1" dur="indefinite" restart="never" nodeType="tmRoot"/>
-      </p:par>
-    </p:tnLst>
-  </p:timing>
-</p:sld>
-</file>
-
-<file path=ppt/slides/slide6.xml><?xml version="1.0" encoding="utf-8"?>
-<p:sld xmlns:a="http://schemas.openxmlformats.org/drawingml/2006/main" xmlns:r="http://schemas.openxmlformats.org/officeDocument/2006/relationships" xmlns:p="http://schemas.openxmlformats.org/presentationml/2006/main">
-  <p:cSld>
-    <p:spTree>
-      <p:nvGrpSpPr>
-        <p:cNvPr id="1" name=""/>
-        <p:cNvGrpSpPr/>
-        <p:nvPr/>
-      </p:nvGrpSpPr>
-      <p:grpSpPr>
-        <a:xfrm>
-          <a:off x="0" y="0"/>
-          <a:ext cx="0" cy="0"/>
-          <a:chOff x="0" y="0"/>
-          <a:chExt cx="0" cy="0"/>
-        </a:xfrm>
-      </p:grpSpPr>
-      <p:sp>
-        <p:nvSpPr>
-          <p:cNvPr id="2" name="Title 1"/>
-          <p:cNvSpPr>
-            <a:spLocks noGrp="1"/>
-          </p:cNvSpPr>
-          <p:nvPr>
-            <p:ph type="title"/>
-          </p:nvPr>
-        </p:nvSpPr>
         <p:spPr/>
         <p:txBody>
           <a:bodyPr/>
@@ -15260,7 +15691,7 @@
           <a:p>
             <a:fld id="{FC0CC166-4E39-43B8-AB91-BDD1C4C9E224}" type="slidenum">
               <a:rPr lang="de-DE" smtClean="0"/>
-              <a:t>6</a:t>
+              <a:t>5</a:t>
             </a:fld>
             <a:endParaRPr lang="de-DE"/>
           </a:p>
@@ -15315,7 +15746,7 @@
 </p:sld>
 </file>
 
-<file path=ppt/slides/slide7.xml><?xml version="1.0" encoding="utf-8"?>
+<file path=ppt/slides/slide6.xml><?xml version="1.0" encoding="utf-8"?>
 <p:sld xmlns:a="http://schemas.openxmlformats.org/drawingml/2006/main" xmlns:r="http://schemas.openxmlformats.org/officeDocument/2006/relationships" xmlns:p="http://schemas.openxmlformats.org/presentationml/2006/main">
   <p:cSld>
     <p:spTree>
@@ -15377,7 +15808,7 @@
           <a:p>
             <a:fld id="{FC0CC166-4E39-43B8-AB91-BDD1C4C9E224}" type="slidenum">
               <a:rPr lang="de-DE" smtClean="0"/>
-              <a:t>7</a:t>
+              <a:t>6</a:t>
             </a:fld>
             <a:endParaRPr lang="de-DE"/>
           </a:p>
@@ -15934,15 +16365,22 @@
                     <a:p>
                       <a:pPr algn="ctr" fontAlgn="ctr"/>
                       <a:r>
-                        <a:rPr lang="en-US" sz="2000" b="0" i="0" u="none" strike="noStrike">
+                        <a:rPr lang="en-US" sz="2000" b="0" i="0" u="none" strike="noStrike" dirty="0" smtClean="0">
                           <a:solidFill>
                             <a:srgbClr val="000000"/>
                           </a:solidFill>
                           <a:effectLst/>
                           <a:latin typeface="Calibri" panose="020F0502020204030204" pitchFamily="34" charset="0"/>
                         </a:rPr>
-                        <a:t>Const</a:t>
+                        <a:t>Mean</a:t>
                       </a:r>
+                      <a:endParaRPr lang="en-US" sz="2000" b="0" i="0" u="none" strike="noStrike" dirty="0">
+                        <a:solidFill>
+                          <a:srgbClr val="000000"/>
+                        </a:solidFill>
+                        <a:effectLst/>
+                        <a:latin typeface="Calibri" panose="020F0502020204030204" pitchFamily="34" charset="0"/>
+                      </a:endParaRPr>
                     </a:p>
                   </a:txBody>
                   <a:tcPr marL="9525" marR="9525" marT="9525" marB="0" anchor="ctr">
@@ -17131,15 +17569,22 @@
                     <a:p>
                       <a:pPr algn="ctr" fontAlgn="ctr"/>
                       <a:r>
-                        <a:rPr lang="en-US" sz="2000" b="0" i="0" u="none" strike="noStrike">
+                        <a:rPr lang="en-US" sz="2000" b="0" i="0" u="none" strike="noStrike" dirty="0" smtClean="0">
                           <a:solidFill>
                             <a:srgbClr val="000000"/>
                           </a:solidFill>
                           <a:effectLst/>
                           <a:latin typeface="Calibri" panose="020F0502020204030204" pitchFamily="34" charset="0"/>
                         </a:rPr>
-                        <a:t>Const</a:t>
+                        <a:t>Mean</a:t>
                       </a:r>
+                      <a:endParaRPr lang="en-US" sz="2000" b="0" i="0" u="none" strike="noStrike" dirty="0">
+                        <a:solidFill>
+                          <a:srgbClr val="000000"/>
+                        </a:solidFill>
+                        <a:effectLst/>
+                        <a:latin typeface="Calibri" panose="020F0502020204030204" pitchFamily="34" charset="0"/>
+                      </a:endParaRPr>
                     </a:p>
                   </a:txBody>
                   <a:tcPr marL="9525" marR="9525" marT="9525" marB="0" anchor="ctr">
@@ -17766,7 +18211,7 @@
           <a:p>
             <a:r>
               <a:rPr lang="en-GB" dirty="0" smtClean="0"/>
-              <a:t>Simple m</a:t>
+              <a:t>M</a:t>
             </a:r>
             <a:r>
               <a:rPr lang="x-none" dirty="0" smtClean="0"/>
@@ -17808,7 +18253,7 @@
           <p:nvPr>
             <p:extLst>
               <p:ext uri="{D42A27DB-BD31-4B8C-83A1-F6EECF244321}">
-                <p14:modId xmlns:p14="http://schemas.microsoft.com/office/powerpoint/2010/main" val="2287595573"/>
+                <p14:modId xmlns:p14="http://schemas.microsoft.com/office/powerpoint/2010/main" val="4238684754"/>
               </p:ext>
             </p:extLst>
           </p:nvPr>
@@ -18323,15 +18768,22 @@
                     <a:p>
                       <a:pPr algn="ctr" fontAlgn="ctr"/>
                       <a:r>
-                        <a:rPr lang="en-US" sz="2000" b="0" i="0" u="none" strike="noStrike">
+                        <a:rPr lang="en-US" sz="2000" b="0" i="0" u="none" strike="noStrike" dirty="0" smtClean="0">
                           <a:solidFill>
                             <a:srgbClr val="000000"/>
                           </a:solidFill>
                           <a:effectLst/>
                           <a:latin typeface="Calibri" panose="020F0502020204030204" pitchFamily="34" charset="0"/>
                         </a:rPr>
-                        <a:t>Const</a:t>
+                        <a:t>Mean</a:t>
                       </a:r>
+                      <a:endParaRPr lang="en-US" sz="2000" b="0" i="0" u="none" strike="noStrike" dirty="0">
+                        <a:solidFill>
+                          <a:srgbClr val="000000"/>
+                        </a:solidFill>
+                        <a:effectLst/>
+                        <a:latin typeface="Calibri" panose="020F0502020204030204" pitchFamily="34" charset="0"/>
+                      </a:endParaRPr>
                     </a:p>
                   </a:txBody>
                   <a:tcPr marL="9525" marR="9525" marT="9525" marB="0" anchor="ctr">
@@ -18936,10 +19388,178 @@
           </a:graphicData>
         </a:graphic>
       </p:graphicFrame>
+      <p:sp>
+        <p:nvSpPr>
+          <p:cNvPr id="8" name="Rectangle 7"/>
+          <p:cNvSpPr/>
+          <p:nvPr/>
+        </p:nvSpPr>
+        <p:spPr>
+          <a:xfrm>
+            <a:off x="7478884" y="1412776"/>
+            <a:ext cx="885414" cy="3241262"/>
+          </a:xfrm>
+          <a:prstGeom prst="rect">
+            <a:avLst/>
+          </a:prstGeom>
+          <a:solidFill>
+            <a:srgbClr val="92D050">
+              <a:alpha val="0"/>
+            </a:srgbClr>
+          </a:solidFill>
+          <a:ln>
+            <a:solidFill>
+              <a:schemeClr val="tx2">
+                <a:lumMod val="60000"/>
+                <a:lumOff val="40000"/>
+              </a:schemeClr>
+            </a:solidFill>
+          </a:ln>
+        </p:spPr>
+        <p:style>
+          <a:lnRef idx="2">
+            <a:schemeClr val="accent1">
+              <a:shade val="50000"/>
+            </a:schemeClr>
+          </a:lnRef>
+          <a:fillRef idx="1">
+            <a:schemeClr val="accent1"/>
+          </a:fillRef>
+          <a:effectRef idx="0">
+            <a:schemeClr val="accent1"/>
+          </a:effectRef>
+          <a:fontRef idx="minor">
+            <a:schemeClr val="lt1"/>
+          </a:fontRef>
+        </p:style>
+        <p:txBody>
+          <a:bodyPr rtlCol="0" anchor="ctr"/>
+          <a:lstStyle/>
+          <a:p>
+            <a:pPr algn="ctr"/>
+            <a:endParaRPr lang="en-US"/>
+          </a:p>
+        </p:txBody>
+      </p:sp>
     </p:spTree>
     <p:extLst>
       <p:ext uri="{BB962C8B-B14F-4D97-AF65-F5344CB8AC3E}">
         <p14:creationId xmlns:p14="http://schemas.microsoft.com/office/powerpoint/2010/main" val="4107849548"/>
+      </p:ext>
+    </p:extLst>
+  </p:cSld>
+  <p:clrMapOvr>
+    <a:masterClrMapping/>
+  </p:clrMapOvr>
+  <p:timing>
+    <p:tnLst>
+      <p:par>
+        <p:cTn id="1" dur="indefinite" restart="never" nodeType="tmRoot"/>
+      </p:par>
+    </p:tnLst>
+  </p:timing>
+</p:sld>
+</file>
+
+<file path=ppt/slides/slide7.xml><?xml version="1.0" encoding="utf-8"?>
+<p:sld xmlns:a="http://schemas.openxmlformats.org/drawingml/2006/main" xmlns:r="http://schemas.openxmlformats.org/officeDocument/2006/relationships" xmlns:p="http://schemas.openxmlformats.org/presentationml/2006/main">
+  <p:cSld>
+    <p:spTree>
+      <p:nvGrpSpPr>
+        <p:cNvPr id="1" name=""/>
+        <p:cNvGrpSpPr/>
+        <p:nvPr/>
+      </p:nvGrpSpPr>
+      <p:grpSpPr>
+        <a:xfrm>
+          <a:off x="0" y="0"/>
+          <a:ext cx="0" cy="0"/>
+          <a:chOff x="0" y="0"/>
+          <a:chExt cx="0" cy="0"/>
+        </a:xfrm>
+      </p:grpSpPr>
+      <p:sp>
+        <p:nvSpPr>
+          <p:cNvPr id="2" name="Title 1"/>
+          <p:cNvSpPr>
+            <a:spLocks noGrp="1"/>
+          </p:cNvSpPr>
+          <p:nvPr>
+            <p:ph type="title"/>
+          </p:nvPr>
+        </p:nvSpPr>
+        <p:spPr/>
+        <p:txBody>
+          <a:bodyPr/>
+          <a:lstStyle/>
+          <a:p>
+            <a:r>
+              <a:rPr lang="en-GB" dirty="0" smtClean="0"/>
+              <a:t>Strategy </a:t>
+            </a:r>
+            <a:r>
+              <a:rPr lang="en-GB" dirty="0"/>
+              <a:t>P</a:t>
+            </a:r>
+            <a:r>
+              <a:rPr lang="en-GB" dirty="0" smtClean="0"/>
+              <a:t>erformance - 2008 Crisis </a:t>
+            </a:r>
+            <a:endParaRPr lang="de-DE" dirty="0"/>
+          </a:p>
+        </p:txBody>
+      </p:sp>
+      <p:sp>
+        <p:nvSpPr>
+          <p:cNvPr id="4" name="Slide Number Placeholder 3"/>
+          <p:cNvSpPr>
+            <a:spLocks noGrp="1"/>
+          </p:cNvSpPr>
+          <p:nvPr>
+            <p:ph type="sldNum" sz="quarter" idx="12"/>
+          </p:nvPr>
+        </p:nvSpPr>
+        <p:spPr/>
+        <p:txBody>
+          <a:bodyPr/>
+          <a:lstStyle/>
+          <a:p>
+            <a:fld id="{FC0CC166-4E39-43B8-AB91-BDD1C4C9E224}" type="slidenum">
+              <a:rPr lang="de-DE" smtClean="0"/>
+              <a:t>7</a:t>
+            </a:fld>
+            <a:endParaRPr lang="de-DE"/>
+          </a:p>
+        </p:txBody>
+      </p:sp>
+      <p:pic>
+        <p:nvPicPr>
+          <p:cNvPr id="8" name="Picture 7"/>
+          <p:cNvPicPr>
+            <a:picLocks noChangeAspect="1"/>
+          </p:cNvPicPr>
+          <p:nvPr/>
+        </p:nvPicPr>
+        <p:blipFill>
+          <a:blip r:embed="rId2"/>
+          <a:stretch>
+            <a:fillRect/>
+          </a:stretch>
+        </p:blipFill>
+        <p:spPr>
+          <a:xfrm>
+            <a:off x="418558" y="1124744"/>
+            <a:ext cx="8305654" cy="5496799"/>
+          </a:xfrm>
+          <a:prstGeom prst="rect">
+            <a:avLst/>
+          </a:prstGeom>
+        </p:spPr>
+      </p:pic>
+    </p:spTree>
+    <p:extLst>
+      <p:ext uri="{BB962C8B-B14F-4D97-AF65-F5344CB8AC3E}">
+        <p14:creationId xmlns:p14="http://schemas.microsoft.com/office/powerpoint/2010/main" val="2479275702"/>
       </p:ext>
     </p:extLst>
   </p:cSld>
@@ -18975,7 +19595,56 @@
       </p:grpSpPr>
       <p:sp>
         <p:nvSpPr>
-          <p:cNvPr id="6" name="Slide Number Placeholder 5"/>
+          <p:cNvPr id="2" name="Title 1"/>
+          <p:cNvSpPr>
+            <a:spLocks noGrp="1"/>
+          </p:cNvSpPr>
+          <p:nvPr>
+            <p:ph type="title"/>
+          </p:nvPr>
+        </p:nvSpPr>
+        <p:spPr/>
+        <p:txBody>
+          <a:bodyPr/>
+          <a:lstStyle/>
+          <a:p>
+            <a:r>
+              <a:rPr lang="en-GB" dirty="0" smtClean="0"/>
+              <a:t>Position Dynamics</a:t>
+            </a:r>
+            <a:endParaRPr lang="de-DE" dirty="0"/>
+          </a:p>
+        </p:txBody>
+      </p:sp>
+      <p:pic>
+        <p:nvPicPr>
+          <p:cNvPr id="5" name="Content Placeholder 4"/>
+          <p:cNvPicPr>
+            <a:picLocks noGrp="1" noChangeAspect="1"/>
+          </p:cNvPicPr>
+          <p:nvPr>
+            <p:ph idx="1"/>
+          </p:nvPr>
+        </p:nvPicPr>
+        <p:blipFill>
+          <a:blip r:embed="rId2"/>
+          <a:stretch>
+            <a:fillRect/>
+          </a:stretch>
+        </p:blipFill>
+        <p:spPr>
+          <a:xfrm>
+            <a:off x="727754" y="1743675"/>
+            <a:ext cx="7156614" cy="4752314"/>
+          </a:xfrm>
+          <a:prstGeom prst="rect">
+            <a:avLst/>
+          </a:prstGeom>
+        </p:spPr>
+      </p:pic>
+      <p:sp>
+        <p:nvSpPr>
+          <p:cNvPr id="4" name="Slide Number Placeholder 3"/>
           <p:cNvSpPr>
             <a:spLocks noGrp="1"/>
           </p:cNvSpPr>
@@ -18996,42 +19665,10 @@
           </a:p>
         </p:txBody>
       </p:sp>
-      <p:pic>
-        <p:nvPicPr>
-          <p:cNvPr id="7" name="Content Placeholder 6"/>
-          <p:cNvPicPr>
-            <a:picLocks noGrp="1" noChangeAspect="1"/>
-          </p:cNvPicPr>
-          <p:nvPr>
-            <p:ph idx="1"/>
-          </p:nvPr>
-        </p:nvPicPr>
-        <p:blipFill>
-          <a:blip r:embed="rId2">
-            <a:extLst>
-              <a:ext uri="{28A0092B-C50C-407E-A947-70E740481C1C}">
-                <a14:useLocalDpi xmlns:a14="http://schemas.microsoft.com/office/drawing/2010/main" val="0"/>
-              </a:ext>
-            </a:extLst>
-          </a:blip>
-          <a:stretch>
-            <a:fillRect/>
-          </a:stretch>
-        </p:blipFill>
-        <p:spPr>
-          <a:xfrm>
-            <a:off x="3495675" y="2837656"/>
-            <a:ext cx="2152650" cy="2124075"/>
-          </a:xfrm>
-          <a:prstGeom prst="rect">
-            <a:avLst/>
-          </a:prstGeom>
-        </p:spPr>
-      </p:pic>
     </p:spTree>
     <p:extLst>
       <p:ext uri="{BB962C8B-B14F-4D97-AF65-F5344CB8AC3E}">
-        <p14:creationId xmlns:p14="http://schemas.microsoft.com/office/powerpoint/2010/main" val="63648870"/>
+        <p14:creationId xmlns:p14="http://schemas.microsoft.com/office/powerpoint/2010/main" val="2347140210"/>
       </p:ext>
     </p:extLst>
   </p:cSld>
@@ -19067,92 +19704,6 @@
       </p:grpSpPr>
       <p:sp>
         <p:nvSpPr>
-          <p:cNvPr id="10" name="Title 9"/>
-          <p:cNvSpPr>
-            <a:spLocks noGrp="1"/>
-          </p:cNvSpPr>
-          <p:nvPr>
-            <p:ph type="title"/>
-          </p:nvPr>
-        </p:nvSpPr>
-        <p:spPr>
-          <a:xfrm>
-            <a:off x="1926772" y="117682"/>
-            <a:ext cx="5479200" cy="1141200"/>
-          </a:xfrm>
-        </p:spPr>
-        <p:txBody>
-          <a:bodyPr/>
-          <a:lstStyle/>
-          <a:p>
-            <a:pPr algn="ctr"/>
-            <a:r>
-              <a:rPr lang="en-GB" dirty="0" smtClean="0"/>
-              <a:t>About Me</a:t>
-            </a:r>
-            <a:endParaRPr lang="de-DE" dirty="0"/>
-          </a:p>
-        </p:txBody>
-      </p:sp>
-      <p:pic>
-        <p:nvPicPr>
-          <p:cNvPr id="12" name="Content Placeholder 11"/>
-          <p:cNvPicPr>
-            <a:picLocks noGrp="1" noChangeAspect="1"/>
-          </p:cNvPicPr>
-          <p:nvPr>
-            <p:ph idx="1"/>
-          </p:nvPr>
-        </p:nvPicPr>
-        <p:blipFill>
-          <a:blip r:embed="rId2"/>
-          <a:stretch>
-            <a:fillRect/>
-          </a:stretch>
-        </p:blipFill>
-        <p:spPr>
-          <a:xfrm>
-            <a:off x="3311860" y="1545664"/>
-            <a:ext cx="2988332" cy="3035464"/>
-          </a:xfrm>
-          <a:prstGeom prst="rect">
-            <a:avLst/>
-          </a:prstGeom>
-        </p:spPr>
-      </p:pic>
-      <p:sp>
-        <p:nvSpPr>
-          <p:cNvPr id="5" name="Footer Placeholder 4"/>
-          <p:cNvSpPr>
-            <a:spLocks noGrp="1"/>
-          </p:cNvSpPr>
-          <p:nvPr>
-            <p:ph type="ftr" sz="quarter" idx="4294967295"/>
-          </p:nvPr>
-        </p:nvSpPr>
-        <p:spPr>
-          <a:xfrm>
-            <a:off x="3841830" y="508282"/>
-            <a:ext cx="2895600" cy="180000"/>
-          </a:xfrm>
-          <a:prstGeom prst="rect">
-            <a:avLst/>
-          </a:prstGeom>
-        </p:spPr>
-        <p:txBody>
-          <a:bodyPr/>
-          <a:lstStyle/>
-          <a:p>
-            <a:r>
-              <a:rPr lang="de-DE" dirty="0" smtClean="0"/>
-              <a:t>Pavel Lesnevski</a:t>
-            </a:r>
-            <a:endParaRPr lang="de-DE" dirty="0"/>
-          </a:p>
-        </p:txBody>
-      </p:sp>
-      <p:sp>
-        <p:nvSpPr>
           <p:cNvPr id="6" name="Slide Number Placeholder 5"/>
           <p:cNvSpPr>
             <a:spLocks noGrp="1"/>
@@ -19174,16 +19725,48 @@
           </a:p>
         </p:txBody>
       </p:sp>
+      <p:pic>
+        <p:nvPicPr>
+          <p:cNvPr id="7" name="Content Placeholder 6"/>
+          <p:cNvPicPr>
+            <a:picLocks noGrp="1" noChangeAspect="1"/>
+          </p:cNvPicPr>
+          <p:nvPr>
+            <p:ph idx="1"/>
+          </p:nvPr>
+        </p:nvPicPr>
+        <p:blipFill>
+          <a:blip r:embed="rId2">
+            <a:extLst>
+              <a:ext uri="{28A0092B-C50C-407E-A947-70E740481C1C}">
+                <a14:useLocalDpi xmlns:a14="http://schemas.microsoft.com/office/drawing/2010/main" val="0"/>
+              </a:ext>
+            </a:extLst>
+          </a:blip>
+          <a:stretch>
+            <a:fillRect/>
+          </a:stretch>
+        </p:blipFill>
+        <p:spPr>
+          <a:xfrm>
+            <a:off x="3455876" y="3284984"/>
+            <a:ext cx="2152650" cy="2124075"/>
+          </a:xfrm>
+          <a:prstGeom prst="rect">
+            <a:avLst/>
+          </a:prstGeom>
+        </p:spPr>
+      </p:pic>
       <p:sp>
         <p:nvSpPr>
-          <p:cNvPr id="13" name="TextBox 12"/>
+          <p:cNvPr id="2" name="TextBox 1"/>
           <p:cNvSpPr txBox="1"/>
           <p:nvPr/>
         </p:nvSpPr>
         <p:spPr>
           <a:xfrm>
-            <a:off x="6336196" y="1258882"/>
-            <a:ext cx="2628292" cy="3416320"/>
+            <a:off x="1753344" y="1255994"/>
+            <a:ext cx="5652628" cy="584775"/>
           </a:xfrm>
           <a:prstGeom prst="rect">
             <a:avLst/>
@@ -19196,271 +19779,113 @@
           </a:bodyPr>
           <a:lstStyle/>
           <a:p>
-            <a:pPr marL="285750" indent="-285750" algn="just">
-              <a:buFont typeface="Arial" panose="020B0604020202020204" pitchFamily="34" charset="0"/>
-              <a:buChar char="•"/>
-            </a:pPr>
-            <a:r>
-              <a:rPr lang="en-GB" dirty="0" smtClean="0"/>
-              <a:t>B.Sc. in Applied Physics and Mathematics</a:t>
-            </a:r>
-          </a:p>
-          <a:p>
-            <a:pPr marL="285750" indent="-285750" algn="just">
-              <a:buFont typeface="Arial" panose="020B0604020202020204" pitchFamily="34" charset="0"/>
-              <a:buChar char="•"/>
-            </a:pPr>
-            <a:r>
-              <a:rPr lang="en-GB" dirty="0" smtClean="0"/>
-              <a:t>Advanced Statistics, Econometrics and Machine Learning</a:t>
-            </a:r>
-            <a:r>
-              <a:rPr lang="en-GB" dirty="0"/>
-              <a:t> </a:t>
-            </a:r>
-            <a:r>
-              <a:rPr lang="en-GB" dirty="0" smtClean="0"/>
-              <a:t>Coursework</a:t>
-            </a:r>
-          </a:p>
-          <a:p>
-            <a:pPr marL="285750" lvl="0" indent="-285750" algn="just">
-              <a:buFont typeface="Arial" panose="020B0604020202020204" pitchFamily="34" charset="0"/>
-              <a:buChar char="•"/>
-            </a:pPr>
-            <a:r>
-              <a:rPr lang="en-US" dirty="0"/>
-              <a:t>Mathematical and statistical packages (Stata - </a:t>
-            </a:r>
-            <a:r>
-              <a:rPr lang="en-GB" dirty="0"/>
-              <a:t>advanced</a:t>
-            </a:r>
-            <a:r>
-              <a:rPr lang="en-US" dirty="0"/>
-              <a:t>, </a:t>
-            </a:r>
-            <a:r>
-              <a:rPr lang="en-US" dirty="0" err="1"/>
-              <a:t>Matlab</a:t>
-            </a:r>
-            <a:r>
-              <a:rPr lang="en-US" dirty="0"/>
-              <a:t> - intermediate, R - basic)</a:t>
-            </a:r>
-            <a:endParaRPr lang="de-DE" dirty="0"/>
-          </a:p>
-          <a:p>
-            <a:pPr marL="285750" indent="-285750">
-              <a:buFont typeface="Arial" panose="020B0604020202020204" pitchFamily="34" charset="0"/>
-              <a:buChar char="•"/>
-            </a:pPr>
-            <a:endParaRPr lang="de-DE" dirty="0"/>
+            <a:pPr algn="ctr"/>
+            <a:r>
+              <a:rPr lang="en-GB" sz="3200" dirty="0" smtClean="0"/>
+              <a:t>On GitHub Soon!</a:t>
+            </a:r>
+            <a:endParaRPr lang="de-DE" sz="3200" dirty="0"/>
           </a:p>
         </p:txBody>
       </p:sp>
       <p:sp>
         <p:nvSpPr>
-          <p:cNvPr id="15" name="TextBox 14"/>
-          <p:cNvSpPr txBox="1"/>
+          <p:cNvPr id="3" name="Rectangle 2"/>
+          <p:cNvSpPr/>
           <p:nvPr/>
         </p:nvSpPr>
         <p:spPr>
           <a:xfrm>
-            <a:off x="143508" y="1232756"/>
-            <a:ext cx="3060340" cy="3693319"/>
+            <a:off x="3622360" y="2204864"/>
+            <a:ext cx="2585131" cy="369332"/>
+          </a:xfrm>
+          <a:prstGeom prst="rect">
+            <a:avLst/>
+          </a:prstGeom>
+        </p:spPr>
+        <p:txBody>
+          <a:bodyPr wrap="none">
+            <a:spAutoFit/>
+          </a:bodyPr>
+          <a:lstStyle/>
+          <a:p>
+            <a:r>
+              <a:rPr lang="de-DE" dirty="0" smtClean="0">
+                <a:hlinkClick r:id="rId3"/>
+              </a:rPr>
+              <a:t>www.github.com/paveles</a:t>
+            </a:r>
+            <a:endParaRPr lang="de-DE" dirty="0"/>
+          </a:p>
+        </p:txBody>
+      </p:sp>
+      <p:sp>
+        <p:nvSpPr>
+          <p:cNvPr id="8" name="AutoShape 5" descr="Image result for github logo"/>
+          <p:cNvSpPr>
+            <a:spLocks noChangeAspect="1" noChangeArrowheads="1"/>
+          </p:cNvSpPr>
+          <p:nvPr/>
+        </p:nvSpPr>
+        <p:spPr bwMode="auto">
+          <a:xfrm>
+            <a:off x="155575" y="-144463"/>
+            <a:ext cx="304800" cy="304801"/>
           </a:xfrm>
           <a:prstGeom prst="rect">
             <a:avLst/>
           </a:prstGeom>
           <a:noFill/>
+          <a:extLst>
+            <a:ext uri="{909E8E84-426E-40DD-AFC4-6F175D3DCCD1}">
+              <a14:hiddenFill xmlns:a14="http://schemas.microsoft.com/office/drawing/2010/main">
+                <a:solidFill>
+                  <a:srgbClr val="FFFFFF"/>
+                </a:solidFill>
+              </a14:hiddenFill>
+            </a:ext>
+          </a:extLst>
         </p:spPr>
         <p:txBody>
-          <a:bodyPr wrap="square" rtlCol="0">
-            <a:spAutoFit/>
+          <a:bodyPr vert="horz" wrap="square" lIns="91440" tIns="45720" rIns="91440" bIns="45720" numCol="1" anchor="t" anchorCtr="0" compatLnSpc="1">
+            <a:prstTxWarp prst="textNoShape">
+              <a:avLst/>
+            </a:prstTxWarp>
           </a:bodyPr>
           <a:lstStyle/>
           <a:p>
-            <a:pPr marL="285750" lvl="0" indent="-285750" algn="just">
-              <a:buFont typeface="Arial" panose="020B0604020202020204" pitchFamily="34" charset="0"/>
-              <a:buChar char="•"/>
-            </a:pPr>
-            <a:r>
-              <a:rPr lang="en-GB" dirty="0" smtClean="0"/>
-              <a:t>Python </a:t>
-            </a:r>
-            <a:r>
-              <a:rPr lang="en-GB" dirty="0"/>
-              <a:t>[</a:t>
-            </a:r>
-            <a:r>
-              <a:rPr lang="en-GB" dirty="0" err="1"/>
-              <a:t>numpy</a:t>
-            </a:r>
-            <a:r>
-              <a:rPr lang="en-GB" dirty="0"/>
-              <a:t>, pandas, </a:t>
-            </a:r>
-            <a:r>
-              <a:rPr lang="en-GB" dirty="0" err="1"/>
-              <a:t>seaborn</a:t>
-            </a:r>
-            <a:r>
-              <a:rPr lang="en-GB" dirty="0"/>
-              <a:t>, </a:t>
-            </a:r>
-            <a:r>
-              <a:rPr lang="en-GB" dirty="0" err="1"/>
-              <a:t>scikit</a:t>
-            </a:r>
-            <a:r>
-              <a:rPr lang="en-GB" dirty="0"/>
-              <a:t>-learn – advanced; </a:t>
-            </a:r>
-            <a:r>
-              <a:rPr lang="en-GB" dirty="0" err="1"/>
-              <a:t>tensorflow</a:t>
-            </a:r>
-            <a:r>
-              <a:rPr lang="en-GB" dirty="0"/>
-              <a:t> – intermediate; </a:t>
-            </a:r>
-            <a:r>
-              <a:rPr lang="en-GB" dirty="0" err="1"/>
-              <a:t>nltk</a:t>
-            </a:r>
-            <a:r>
-              <a:rPr lang="en-GB" dirty="0"/>
-              <a:t>, </a:t>
-            </a:r>
-            <a:r>
-              <a:rPr lang="en-GB" dirty="0" err="1"/>
-              <a:t>pyspark</a:t>
-            </a:r>
-            <a:r>
-              <a:rPr lang="en-GB" dirty="0"/>
-              <a:t> - basic</a:t>
-            </a:r>
-            <a:r>
-              <a:rPr lang="en-GB" dirty="0" smtClean="0"/>
-              <a:t>]</a:t>
-            </a:r>
-          </a:p>
-          <a:p>
-            <a:pPr marL="285750" indent="-285750" algn="just">
-              <a:buFont typeface="Arial" panose="020B0604020202020204" pitchFamily="34" charset="0"/>
-              <a:buChar char="•"/>
-            </a:pPr>
-            <a:r>
-              <a:rPr lang="en-US" dirty="0" err="1"/>
-              <a:t>Git</a:t>
-            </a:r>
-            <a:r>
-              <a:rPr lang="en-US" dirty="0"/>
-              <a:t> - advanced</a:t>
-            </a:r>
-          </a:p>
-          <a:p>
-            <a:pPr marL="285750" lvl="0" indent="-285750" algn="just">
-              <a:buFont typeface="Arial" panose="020B0604020202020204" pitchFamily="34" charset="0"/>
-              <a:buChar char="•"/>
-            </a:pPr>
-            <a:r>
-              <a:rPr lang="en-GB" dirty="0" smtClean="0"/>
-              <a:t>SQL </a:t>
-            </a:r>
-            <a:r>
-              <a:rPr lang="en-GB" dirty="0"/>
-              <a:t>- </a:t>
-            </a:r>
-            <a:r>
-              <a:rPr lang="en-GB" dirty="0" smtClean="0"/>
-              <a:t>intermediate</a:t>
-            </a:r>
-          </a:p>
-          <a:p>
-            <a:pPr marL="285750" indent="-285750">
-              <a:buFont typeface="Arial" panose="020B0604020202020204" pitchFamily="34" charset="0"/>
-              <a:buChar char="•"/>
-            </a:pPr>
-            <a:r>
-              <a:rPr lang="en-US" dirty="0" smtClean="0"/>
-              <a:t>Cluster computing (University Cluster – intermediate, </a:t>
-            </a:r>
-            <a:r>
-              <a:rPr lang="en-US" dirty="0"/>
-              <a:t>Microsoft Azure </a:t>
-            </a:r>
-            <a:r>
-              <a:rPr lang="en-US" dirty="0" smtClean="0"/>
-              <a:t>- basic, AWS - basic)</a:t>
-            </a:r>
-            <a:endParaRPr lang="de-DE" dirty="0"/>
-          </a:p>
-          <a:p>
-            <a:pPr marL="285750" lvl="0" indent="-285750" algn="just">
-              <a:buFont typeface="Arial" panose="020B0604020202020204" pitchFamily="34" charset="0"/>
-              <a:buChar char="•"/>
-            </a:pPr>
-            <a:endParaRPr lang="de-DE" dirty="0"/>
-          </a:p>
-          <a:p>
-            <a:pPr marL="285750" indent="-285750">
-              <a:buFontTx/>
-              <a:buChar char="-"/>
-            </a:pPr>
-            <a:endParaRPr lang="de-DE" dirty="0"/>
+            <a:endParaRPr lang="de-DE"/>
           </a:p>
         </p:txBody>
       </p:sp>
-      <p:sp>
-        <p:nvSpPr>
-          <p:cNvPr id="16" name="TextBox 15"/>
-          <p:cNvSpPr txBox="1"/>
+      <p:pic>
+        <p:nvPicPr>
+          <p:cNvPr id="9" name="Picture 8"/>
+          <p:cNvPicPr>
+            <a:picLocks noChangeAspect="1"/>
+          </p:cNvPicPr>
           <p:nvPr/>
-        </p:nvSpPr>
+        </p:nvPicPr>
+        <p:blipFill>
+          <a:blip r:embed="rId4"/>
+          <a:stretch>
+            <a:fillRect/>
+          </a:stretch>
+        </p:blipFill>
         <p:spPr>
           <a:xfrm>
-            <a:off x="2915816" y="4748951"/>
-            <a:ext cx="4212468" cy="1200329"/>
+            <a:off x="3023828" y="2192882"/>
+            <a:ext cx="447601" cy="447601"/>
           </a:xfrm>
           <a:prstGeom prst="rect">
             <a:avLst/>
           </a:prstGeom>
-          <a:noFill/>
         </p:spPr>
-        <p:txBody>
-          <a:bodyPr wrap="square" rtlCol="0">
-            <a:spAutoFit/>
-          </a:bodyPr>
-          <a:lstStyle/>
-          <a:p>
-            <a:pPr marL="285750" indent="-285750">
-              <a:buFont typeface="Arial" panose="020B0604020202020204" pitchFamily="34" charset="0"/>
-              <a:buChar char="•"/>
-            </a:pPr>
-            <a:r>
-              <a:rPr lang="en-GB" dirty="0" smtClean="0"/>
-              <a:t>PhD in Financial Economics (expected August 2019)</a:t>
-            </a:r>
-          </a:p>
-          <a:p>
-            <a:pPr marL="285750" indent="-285750">
-              <a:buFont typeface="Arial" panose="020B0604020202020204" pitchFamily="34" charset="0"/>
-              <a:buChar char="•"/>
-            </a:pPr>
-            <a:r>
-              <a:rPr lang="en-GB" dirty="0" smtClean="0"/>
-              <a:t>Internships in consumer goods analytics (Nielsen) and banking (RCI Bank)</a:t>
-            </a:r>
-            <a:endParaRPr lang="de-DE" dirty="0"/>
-          </a:p>
-        </p:txBody>
-      </p:sp>
+      </p:pic>
     </p:spTree>
     <p:extLst>
       <p:ext uri="{BB962C8B-B14F-4D97-AF65-F5344CB8AC3E}">
-        <p14:creationId xmlns:p14="http://schemas.microsoft.com/office/powerpoint/2010/main" val="3207714413"/>
+        <p14:creationId xmlns:p14="http://schemas.microsoft.com/office/powerpoint/2010/main" val="63648870"/>
       </p:ext>
     </p:extLst>
   </p:cSld>
